--- a/Lectures/Lecture 14/Lecture 14.pptx
+++ b/Lectures/Lecture 14/Lecture 14.pptx
@@ -5,7 +5,7 @@
     <p:sldMasterId id="2147483648" r:id="rId1"/>
   </p:sldMasterIdLst>
   <p:notesMasterIdLst>
-    <p:notesMasterId r:id="rId28"/>
+    <p:notesMasterId r:id="rId27"/>
   </p:notesMasterIdLst>
   <p:sldIdLst>
     <p:sldId id="256" r:id="rId2"/>
@@ -15,25 +15,24 @@
     <p:sldId id="481" r:id="rId6"/>
     <p:sldId id="482" r:id="rId7"/>
     <p:sldId id="483" r:id="rId8"/>
-    <p:sldId id="463" r:id="rId9"/>
-    <p:sldId id="436" r:id="rId10"/>
-    <p:sldId id="465" r:id="rId11"/>
-    <p:sldId id="464" r:id="rId12"/>
-    <p:sldId id="466" r:id="rId13"/>
-    <p:sldId id="467" r:id="rId14"/>
-    <p:sldId id="468" r:id="rId15"/>
-    <p:sldId id="469" r:id="rId16"/>
-    <p:sldId id="470" r:id="rId17"/>
-    <p:sldId id="471" r:id="rId18"/>
-    <p:sldId id="472" r:id="rId19"/>
-    <p:sldId id="473" r:id="rId20"/>
-    <p:sldId id="474" r:id="rId21"/>
-    <p:sldId id="475" r:id="rId22"/>
-    <p:sldId id="476" r:id="rId23"/>
-    <p:sldId id="477" r:id="rId24"/>
-    <p:sldId id="478" r:id="rId25"/>
-    <p:sldId id="479" r:id="rId26"/>
-    <p:sldId id="258" r:id="rId27"/>
+    <p:sldId id="436" r:id="rId9"/>
+    <p:sldId id="465" r:id="rId10"/>
+    <p:sldId id="464" r:id="rId11"/>
+    <p:sldId id="466" r:id="rId12"/>
+    <p:sldId id="467" r:id="rId13"/>
+    <p:sldId id="468" r:id="rId14"/>
+    <p:sldId id="469" r:id="rId15"/>
+    <p:sldId id="470" r:id="rId16"/>
+    <p:sldId id="471" r:id="rId17"/>
+    <p:sldId id="472" r:id="rId18"/>
+    <p:sldId id="473" r:id="rId19"/>
+    <p:sldId id="474" r:id="rId20"/>
+    <p:sldId id="475" r:id="rId21"/>
+    <p:sldId id="476" r:id="rId22"/>
+    <p:sldId id="477" r:id="rId23"/>
+    <p:sldId id="478" r:id="rId24"/>
+    <p:sldId id="479" r:id="rId25"/>
+    <p:sldId id="258" r:id="rId26"/>
   </p:sldIdLst>
   <p:sldSz cx="12192000" cy="6858000"/>
   <p:notesSz cx="6858000" cy="9144000"/>
@@ -234,7 +233,7 @@
           <a:p>
             <a:fld id="{467FE51A-BC06-4E6F-B1DA-B477364E598F}" type="datetimeFigureOut">
               <a:rPr lang="en-US" smtClean="0"/>
-              <a:t>2/11/2020</a:t>
+              <a:t>3/2/2021</a:t>
             </a:fld>
             <a:endParaRPr lang="en-US"/>
           </a:p>
@@ -648,7 +647,7 @@
           <a:p>
             <a:fld id="{11C4ABE2-2F1A-4C31-A43A-C3E7CE49CE95}" type="datetimeFigureOut">
               <a:rPr lang="en-US" smtClean="0"/>
-              <a:t>2/11/2020</a:t>
+              <a:t>3/2/2021</a:t>
             </a:fld>
             <a:endParaRPr lang="en-US"/>
           </a:p>
@@ -846,7 +845,7 @@
           <a:p>
             <a:fld id="{11C4ABE2-2F1A-4C31-A43A-C3E7CE49CE95}" type="datetimeFigureOut">
               <a:rPr lang="en-US" smtClean="0"/>
-              <a:t>2/11/2020</a:t>
+              <a:t>3/2/2021</a:t>
             </a:fld>
             <a:endParaRPr lang="en-US"/>
           </a:p>
@@ -1054,7 +1053,7 @@
           <a:p>
             <a:fld id="{11C4ABE2-2F1A-4C31-A43A-C3E7CE49CE95}" type="datetimeFigureOut">
               <a:rPr lang="en-US" smtClean="0"/>
-              <a:t>2/11/2020</a:t>
+              <a:t>3/2/2021</a:t>
             </a:fld>
             <a:endParaRPr lang="en-US"/>
           </a:p>
@@ -1252,7 +1251,7 @@
           <a:p>
             <a:fld id="{11C4ABE2-2F1A-4C31-A43A-C3E7CE49CE95}" type="datetimeFigureOut">
               <a:rPr lang="en-US" smtClean="0"/>
-              <a:t>2/11/2020</a:t>
+              <a:t>3/2/2021</a:t>
             </a:fld>
             <a:endParaRPr lang="en-US"/>
           </a:p>
@@ -1527,7 +1526,7 @@
           <a:p>
             <a:fld id="{11C4ABE2-2F1A-4C31-A43A-C3E7CE49CE95}" type="datetimeFigureOut">
               <a:rPr lang="en-US" smtClean="0"/>
-              <a:t>2/11/2020</a:t>
+              <a:t>3/2/2021</a:t>
             </a:fld>
             <a:endParaRPr lang="en-US"/>
           </a:p>
@@ -1792,7 +1791,7 @@
           <a:p>
             <a:fld id="{11C4ABE2-2F1A-4C31-A43A-C3E7CE49CE95}" type="datetimeFigureOut">
               <a:rPr lang="en-US" smtClean="0"/>
-              <a:t>2/11/2020</a:t>
+              <a:t>3/2/2021</a:t>
             </a:fld>
             <a:endParaRPr lang="en-US"/>
           </a:p>
@@ -2204,7 +2203,7 @@
           <a:p>
             <a:fld id="{11C4ABE2-2F1A-4C31-A43A-C3E7CE49CE95}" type="datetimeFigureOut">
               <a:rPr lang="en-US" smtClean="0"/>
-              <a:t>2/11/2020</a:t>
+              <a:t>3/2/2021</a:t>
             </a:fld>
             <a:endParaRPr lang="en-US"/>
           </a:p>
@@ -2345,7 +2344,7 @@
           <a:p>
             <a:fld id="{11C4ABE2-2F1A-4C31-A43A-C3E7CE49CE95}" type="datetimeFigureOut">
               <a:rPr lang="en-US" smtClean="0"/>
-              <a:t>2/11/2020</a:t>
+              <a:t>3/2/2021</a:t>
             </a:fld>
             <a:endParaRPr lang="en-US"/>
           </a:p>
@@ -2458,7 +2457,7 @@
           <a:p>
             <a:fld id="{11C4ABE2-2F1A-4C31-A43A-C3E7CE49CE95}" type="datetimeFigureOut">
               <a:rPr lang="en-US" smtClean="0"/>
-              <a:t>2/11/2020</a:t>
+              <a:t>3/2/2021</a:t>
             </a:fld>
             <a:endParaRPr lang="en-US"/>
           </a:p>
@@ -2769,7 +2768,7 @@
           <a:p>
             <a:fld id="{11C4ABE2-2F1A-4C31-A43A-C3E7CE49CE95}" type="datetimeFigureOut">
               <a:rPr lang="en-US" smtClean="0"/>
-              <a:t>2/11/2020</a:t>
+              <a:t>3/2/2021</a:t>
             </a:fld>
             <a:endParaRPr lang="en-US"/>
           </a:p>
@@ -3057,7 +3056,7 @@
           <a:p>
             <a:fld id="{11C4ABE2-2F1A-4C31-A43A-C3E7CE49CE95}" type="datetimeFigureOut">
               <a:rPr lang="en-US" smtClean="0"/>
-              <a:t>2/11/2020</a:t>
+              <a:t>3/2/2021</a:t>
             </a:fld>
             <a:endParaRPr lang="en-US"/>
           </a:p>
@@ -3298,7 +3297,7 @@
           <a:p>
             <a:fld id="{11C4ABE2-2F1A-4C31-A43A-C3E7CE49CE95}" type="datetimeFigureOut">
               <a:rPr lang="en-US" smtClean="0"/>
-              <a:t>2/11/2020</a:t>
+              <a:t>3/2/2021</a:t>
             </a:fld>
             <a:endParaRPr lang="en-US"/>
           </a:p>
@@ -6502,1137 +6501,6 @@
         <p:spPr>
           <a:xfrm>
             <a:off x="773935" y="1947592"/>
-            <a:ext cx="9143304" cy="4401205"/>
-          </a:xfrm>
-          <a:prstGeom prst="rect">
-            <a:avLst/>
-          </a:prstGeom>
-          <a:noFill/>
-        </p:spPr>
-        <p:txBody>
-          <a:bodyPr wrap="square" rtlCol="0">
-            <a:spAutoFit/>
-          </a:bodyPr>
-          <a:lstStyle/>
-          <a:p>
-            <a:pPr marL="342900" indent="-342900">
-              <a:buFont typeface="Arial" panose="020B0604020202020204" pitchFamily="34" charset="0"/>
-              <a:buChar char="•"/>
-            </a:pPr>
-            <a:r>
-              <a:rPr lang="en-US" sz="2000" dirty="0">
-                <a:solidFill>
-                  <a:srgbClr val="404040"/>
-                </a:solidFill>
-                <a:latin typeface="Corbel" panose="020B0503020204020204" pitchFamily="34" charset="0"/>
-              </a:rPr>
-              <a:t>Network of 7 nodes with undirected edges</a:t>
-            </a:r>
-          </a:p>
-          <a:p>
-            <a:pPr marL="342900" indent="-342900">
-              <a:buFont typeface="Arial" panose="020B0604020202020204" pitchFamily="34" charset="0"/>
-              <a:buChar char="•"/>
-            </a:pPr>
-            <a:endParaRPr lang="en-US" sz="2000" dirty="0">
-              <a:solidFill>
-                <a:srgbClr val="404040"/>
-              </a:solidFill>
-              <a:latin typeface="Corbel" panose="020B0503020204020204" pitchFamily="34" charset="0"/>
-            </a:endParaRPr>
-          </a:p>
-          <a:p>
-            <a:pPr marL="342900" indent="-342900">
-              <a:buFont typeface="Arial" panose="020B0604020202020204" pitchFamily="34" charset="0"/>
-              <a:buChar char="•"/>
-            </a:pPr>
-            <a:endParaRPr lang="en-US" sz="2000" dirty="0">
-              <a:solidFill>
-                <a:srgbClr val="404040"/>
-              </a:solidFill>
-              <a:latin typeface="Corbel" panose="020B0503020204020204" pitchFamily="34" charset="0"/>
-            </a:endParaRPr>
-          </a:p>
-          <a:p>
-            <a:pPr marL="342900" indent="-342900">
-              <a:buFont typeface="Arial" panose="020B0604020202020204" pitchFamily="34" charset="0"/>
-              <a:buChar char="•"/>
-            </a:pPr>
-            <a:endParaRPr lang="en-US" sz="2000" dirty="0">
-              <a:solidFill>
-                <a:srgbClr val="404040"/>
-              </a:solidFill>
-              <a:latin typeface="Corbel" panose="020B0503020204020204" pitchFamily="34" charset="0"/>
-            </a:endParaRPr>
-          </a:p>
-          <a:p>
-            <a:pPr marL="342900" indent="-342900">
-              <a:buFont typeface="Arial" panose="020B0604020202020204" pitchFamily="34" charset="0"/>
-              <a:buChar char="•"/>
-            </a:pPr>
-            <a:endParaRPr lang="en-US" sz="2000" dirty="0">
-              <a:solidFill>
-                <a:srgbClr val="404040"/>
-              </a:solidFill>
-              <a:latin typeface="Corbel" panose="020B0503020204020204" pitchFamily="34" charset="0"/>
-            </a:endParaRPr>
-          </a:p>
-          <a:p>
-            <a:pPr marL="342900" indent="-342900">
-              <a:buFont typeface="Arial" panose="020B0604020202020204" pitchFamily="34" charset="0"/>
-              <a:buChar char="•"/>
-            </a:pPr>
-            <a:endParaRPr lang="en-US" sz="2000" dirty="0">
-              <a:solidFill>
-                <a:srgbClr val="404040"/>
-              </a:solidFill>
-              <a:latin typeface="Corbel" panose="020B0503020204020204" pitchFamily="34" charset="0"/>
-            </a:endParaRPr>
-          </a:p>
-          <a:p>
-            <a:pPr marL="342900" indent="-342900">
-              <a:buFont typeface="Arial" panose="020B0604020202020204" pitchFamily="34" charset="0"/>
-              <a:buChar char="•"/>
-            </a:pPr>
-            <a:endParaRPr lang="en-US" sz="2000" dirty="0">
-              <a:solidFill>
-                <a:srgbClr val="404040"/>
-              </a:solidFill>
-              <a:latin typeface="Corbel" panose="020B0503020204020204" pitchFamily="34" charset="0"/>
-            </a:endParaRPr>
-          </a:p>
-          <a:p>
-            <a:pPr marL="342900" indent="-342900">
-              <a:buFont typeface="Arial" panose="020B0604020202020204" pitchFamily="34" charset="0"/>
-              <a:buChar char="•"/>
-            </a:pPr>
-            <a:endParaRPr lang="en-US" sz="2000" dirty="0">
-              <a:solidFill>
-                <a:srgbClr val="404040"/>
-              </a:solidFill>
-              <a:latin typeface="Corbel" panose="020B0503020204020204" pitchFamily="34" charset="0"/>
-            </a:endParaRPr>
-          </a:p>
-          <a:p>
-            <a:pPr marL="342900" indent="-342900">
-              <a:buFont typeface="Arial" panose="020B0604020202020204" pitchFamily="34" charset="0"/>
-              <a:buChar char="•"/>
-            </a:pPr>
-            <a:endParaRPr lang="en-US" sz="2000" dirty="0">
-              <a:solidFill>
-                <a:srgbClr val="404040"/>
-              </a:solidFill>
-              <a:latin typeface="Corbel" panose="020B0503020204020204" pitchFamily="34" charset="0"/>
-            </a:endParaRPr>
-          </a:p>
-          <a:p>
-            <a:endParaRPr lang="en-US" sz="2000" dirty="0">
-              <a:solidFill>
-                <a:srgbClr val="404040"/>
-              </a:solidFill>
-              <a:latin typeface="Corbel" panose="020B0503020204020204" pitchFamily="34" charset="0"/>
-            </a:endParaRPr>
-          </a:p>
-          <a:p>
-            <a:pPr marL="342900" indent="-342900">
-              <a:buFont typeface="Arial" panose="020B0604020202020204" pitchFamily="34" charset="0"/>
-              <a:buChar char="•"/>
-            </a:pPr>
-            <a:endParaRPr lang="en-US" sz="2000" dirty="0">
-              <a:solidFill>
-                <a:srgbClr val="404040"/>
-              </a:solidFill>
-              <a:latin typeface="Corbel" panose="020B0503020204020204" pitchFamily="34" charset="0"/>
-            </a:endParaRPr>
-          </a:p>
-          <a:p>
-            <a:pPr marL="342900" indent="-342900">
-              <a:buFont typeface="Arial" panose="020B0604020202020204" pitchFamily="34" charset="0"/>
-              <a:buChar char="•"/>
-            </a:pPr>
-            <a:r>
-              <a:rPr lang="en-US" sz="2000" dirty="0">
-                <a:solidFill>
-                  <a:srgbClr val="404040"/>
-                </a:solidFill>
-                <a:latin typeface="Corbel" panose="020B0503020204020204" pitchFamily="34" charset="0"/>
-              </a:rPr>
-              <a:t>Q: What is the shortest route from node 1 to all other nodes?</a:t>
-            </a:r>
-          </a:p>
-          <a:p>
-            <a:pPr marL="342900" indent="-342900">
-              <a:buFont typeface="Arial" panose="020B0604020202020204" pitchFamily="34" charset="0"/>
-              <a:buChar char="•"/>
-            </a:pPr>
-            <a:endParaRPr lang="en-US" sz="2000" dirty="0">
-              <a:solidFill>
-                <a:srgbClr val="404040"/>
-              </a:solidFill>
-              <a:latin typeface="Corbel" panose="020B0503020204020204" pitchFamily="34" charset="0"/>
-            </a:endParaRPr>
-          </a:p>
-          <a:p>
-            <a:pPr marL="342900" indent="-342900">
-              <a:buFont typeface="Arial" panose="020B0604020202020204" pitchFamily="34" charset="0"/>
-              <a:buChar char="•"/>
-            </a:pPr>
-            <a:r>
-              <a:rPr lang="en-US" sz="2000" dirty="0">
-                <a:solidFill>
-                  <a:srgbClr val="404040"/>
-                </a:solidFill>
-                <a:latin typeface="Corbel" panose="020B0503020204020204" pitchFamily="34" charset="0"/>
-              </a:rPr>
-              <a:t>Q: What is the minimal spanning tree of the network?</a:t>
-            </a:r>
-          </a:p>
-        </p:txBody>
-      </p:sp>
-      <p:pic>
-        <p:nvPicPr>
-          <p:cNvPr id="37" name="Graphic 36" descr="Palm tree">
-            <a:extLst>
-              <a:ext uri="{FF2B5EF4-FFF2-40B4-BE49-F238E27FC236}">
-                <a16:creationId xmlns:a16="http://schemas.microsoft.com/office/drawing/2014/main" id="{79F2EC1B-9713-4CCF-8301-82ED265F3940}"/>
-              </a:ext>
-            </a:extLst>
-          </p:cNvPr>
-          <p:cNvPicPr>
-            <a:picLocks noChangeAspect="1"/>
-          </p:cNvPicPr>
-          <p:nvPr/>
-        </p:nvPicPr>
-        <p:blipFill>
-          <a:blip r:embed="rId4">
-            <a:extLst>
-              <a:ext uri="{28A0092B-C50C-407E-A947-70E740481C1C}">
-                <a14:useLocalDpi xmlns:a14="http://schemas.microsoft.com/office/drawing/2010/main" val="0"/>
-              </a:ext>
-              <a:ext uri="{96DAC541-7B7A-43D3-8B79-37D633B846F1}">
-                <asvg:svgBlip xmlns:asvg="http://schemas.microsoft.com/office/drawing/2016/SVG/main" r:embed="rId5"/>
-              </a:ext>
-            </a:extLst>
-          </a:blip>
-          <a:stretch>
-            <a:fillRect/>
-          </a:stretch>
-        </p:blipFill>
-        <p:spPr>
-          <a:xfrm>
-            <a:off x="8964994" y="809490"/>
-            <a:ext cx="914400" cy="914400"/>
-          </a:xfrm>
-          <a:prstGeom prst="rect">
-            <a:avLst/>
-          </a:prstGeom>
-        </p:spPr>
-      </p:pic>
-      <p:pic>
-        <p:nvPicPr>
-          <p:cNvPr id="38" name="Graphic 37" descr="Palm tree">
-            <a:extLst>
-              <a:ext uri="{FF2B5EF4-FFF2-40B4-BE49-F238E27FC236}">
-                <a16:creationId xmlns:a16="http://schemas.microsoft.com/office/drawing/2014/main" id="{11C9CA6F-B5F0-4837-8E50-85C201ADA4F1}"/>
-              </a:ext>
-            </a:extLst>
-          </p:cNvPr>
-          <p:cNvPicPr>
-            <a:picLocks noChangeAspect="1"/>
-          </p:cNvPicPr>
-          <p:nvPr/>
-        </p:nvPicPr>
-        <p:blipFill>
-          <a:blip r:embed="rId4">
-            <a:extLst>
-              <a:ext uri="{28A0092B-C50C-407E-A947-70E740481C1C}">
-                <a14:useLocalDpi xmlns:a14="http://schemas.microsoft.com/office/drawing/2010/main" val="0"/>
-              </a:ext>
-              <a:ext uri="{96DAC541-7B7A-43D3-8B79-37D633B846F1}">
-                <asvg:svgBlip xmlns:asvg="http://schemas.microsoft.com/office/drawing/2016/SVG/main" r:embed="rId5"/>
-              </a:ext>
-            </a:extLst>
-          </a:blip>
-          <a:stretch>
-            <a:fillRect/>
-          </a:stretch>
-        </p:blipFill>
-        <p:spPr>
-          <a:xfrm>
-            <a:off x="8834542" y="1142112"/>
-            <a:ext cx="553133" cy="553133"/>
-          </a:xfrm>
-          <a:prstGeom prst="rect">
-            <a:avLst/>
-          </a:prstGeom>
-        </p:spPr>
-      </p:pic>
-      <p:pic>
-        <p:nvPicPr>
-          <p:cNvPr id="39" name="Graphic 38" descr="Palm tree">
-            <a:extLst>
-              <a:ext uri="{FF2B5EF4-FFF2-40B4-BE49-F238E27FC236}">
-                <a16:creationId xmlns:a16="http://schemas.microsoft.com/office/drawing/2014/main" id="{585AC1AD-01C8-4E2D-8361-4BEA62A48584}"/>
-              </a:ext>
-            </a:extLst>
-          </p:cNvPr>
-          <p:cNvPicPr>
-            <a:picLocks noChangeAspect="1"/>
-          </p:cNvPicPr>
-          <p:nvPr/>
-        </p:nvPicPr>
-        <p:blipFill>
-          <a:blip r:embed="rId4">
-            <a:extLst>
-              <a:ext uri="{28A0092B-C50C-407E-A947-70E740481C1C}">
-                <a14:useLocalDpi xmlns:a14="http://schemas.microsoft.com/office/drawing/2010/main" val="0"/>
-              </a:ext>
-              <a:ext uri="{96DAC541-7B7A-43D3-8B79-37D633B846F1}">
-                <asvg:svgBlip xmlns:asvg="http://schemas.microsoft.com/office/drawing/2016/SVG/main" r:embed="rId5"/>
-              </a:ext>
-            </a:extLst>
-          </a:blip>
-          <a:stretch>
-            <a:fillRect/>
-          </a:stretch>
-        </p:blipFill>
-        <p:spPr>
-          <a:xfrm>
-            <a:off x="9387675" y="1277468"/>
-            <a:ext cx="404329" cy="404329"/>
-          </a:xfrm>
-          <a:prstGeom prst="rect">
-            <a:avLst/>
-          </a:prstGeom>
-        </p:spPr>
-      </p:pic>
-      <p:pic>
-        <p:nvPicPr>
-          <p:cNvPr id="3" name="Picture 2">
-            <a:extLst>
-              <a:ext uri="{FF2B5EF4-FFF2-40B4-BE49-F238E27FC236}">
-                <a16:creationId xmlns:a16="http://schemas.microsoft.com/office/drawing/2014/main" id="{290DE533-91E9-4CA1-995B-10194C788A50}"/>
-              </a:ext>
-            </a:extLst>
-          </p:cNvPr>
-          <p:cNvPicPr>
-            <a:picLocks noChangeAspect="1"/>
-          </p:cNvPicPr>
-          <p:nvPr/>
-        </p:nvPicPr>
-        <p:blipFill>
-          <a:blip r:embed="rId6"/>
-          <a:stretch>
-            <a:fillRect/>
-          </a:stretch>
-        </p:blipFill>
-        <p:spPr>
-          <a:xfrm>
-            <a:off x="3287380" y="2402680"/>
-            <a:ext cx="3991177" cy="2834959"/>
-          </a:xfrm>
-          <a:prstGeom prst="rect">
-            <a:avLst/>
-          </a:prstGeom>
-          <a:ln w="38100">
-            <a:solidFill>
-              <a:srgbClr val="11B29F"/>
-            </a:solidFill>
-          </a:ln>
-          <a:effectLst>
-            <a:outerShdw blurRad="292100" dist="139700" dir="2700000" algn="tl" rotWithShape="0">
-              <a:srgbClr val="333333">
-                <a:alpha val="65000"/>
-              </a:srgbClr>
-            </a:outerShdw>
-          </a:effectLst>
-        </p:spPr>
-      </p:pic>
-    </p:spTree>
-    <p:extLst>
-      <p:ext uri="{BB962C8B-B14F-4D97-AF65-F5344CB8AC3E}">
-        <p14:creationId xmlns:p14="http://schemas.microsoft.com/office/powerpoint/2010/main" val="2242283766"/>
-      </p:ext>
-    </p:extLst>
-  </p:cSld>
-  <p:clrMapOvr>
-    <a:masterClrMapping/>
-  </p:clrMapOvr>
-</p:sld>
-</file>
-
-<file path=ppt/slides/slide11.xml><?xml version="1.0" encoding="utf-8"?>
-<p:sld xmlns:a="http://schemas.openxmlformats.org/drawingml/2006/main" xmlns:r="http://schemas.openxmlformats.org/officeDocument/2006/relationships" xmlns:p="http://schemas.openxmlformats.org/presentationml/2006/main">
-  <p:cSld>
-    <p:spTree>
-      <p:nvGrpSpPr>
-        <p:cNvPr id="1" name=""/>
-        <p:cNvGrpSpPr/>
-        <p:nvPr/>
-      </p:nvGrpSpPr>
-      <p:grpSpPr>
-        <a:xfrm>
-          <a:off x="0" y="0"/>
-          <a:ext cx="0" cy="0"/>
-          <a:chOff x="0" y="0"/>
-          <a:chExt cx="0" cy="0"/>
-        </a:xfrm>
-      </p:grpSpPr>
-      <p:sp>
-        <p:nvSpPr>
-          <p:cNvPr id="28" name="Rectangle 27">
-            <a:extLst>
-              <a:ext uri="{FF2B5EF4-FFF2-40B4-BE49-F238E27FC236}">
-                <a16:creationId xmlns:a16="http://schemas.microsoft.com/office/drawing/2014/main" id="{1568D3DA-67F7-464C-95FF-D7D56F4038D6}"/>
-              </a:ext>
-            </a:extLst>
-          </p:cNvPr>
-          <p:cNvSpPr/>
-          <p:nvPr/>
-        </p:nvSpPr>
-        <p:spPr>
-          <a:xfrm rot="19800000">
-            <a:off x="-597297" y="674901"/>
-            <a:ext cx="4026751" cy="269178"/>
-          </a:xfrm>
-          <a:prstGeom prst="rect">
-            <a:avLst/>
-          </a:prstGeom>
-          <a:solidFill>
-            <a:srgbClr val="A71B86"/>
-          </a:solidFill>
-          <a:ln>
-            <a:noFill/>
-          </a:ln>
-        </p:spPr>
-        <p:style>
-          <a:lnRef idx="2">
-            <a:schemeClr val="accent1">
-              <a:shade val="50000"/>
-            </a:schemeClr>
-          </a:lnRef>
-          <a:fillRef idx="1">
-            <a:schemeClr val="accent1"/>
-          </a:fillRef>
-          <a:effectRef idx="0">
-            <a:schemeClr val="accent1"/>
-          </a:effectRef>
-          <a:fontRef idx="minor">
-            <a:schemeClr val="lt1"/>
-          </a:fontRef>
-        </p:style>
-        <p:txBody>
-          <a:bodyPr rtlCol="0" anchor="ctr"/>
-          <a:lstStyle/>
-          <a:p>
-            <a:pPr algn="ctr"/>
-            <a:endParaRPr lang="en-US"/>
-          </a:p>
-        </p:txBody>
-      </p:sp>
-      <p:pic>
-        <p:nvPicPr>
-          <p:cNvPr id="11" name="Picture 10" descr="A large body of water&#10;&#10;Description automatically generated">
-            <a:extLst>
-              <a:ext uri="{FF2B5EF4-FFF2-40B4-BE49-F238E27FC236}">
-                <a16:creationId xmlns:a16="http://schemas.microsoft.com/office/drawing/2014/main" id="{B83B0471-BE25-41B4-B185-53BEB6528B89}"/>
-              </a:ext>
-            </a:extLst>
-          </p:cNvPr>
-          <p:cNvPicPr>
-            <a:picLocks noChangeAspect="1"/>
-          </p:cNvPicPr>
-          <p:nvPr/>
-        </p:nvPicPr>
-        <p:blipFill rotWithShape="1">
-          <a:blip r:embed="rId2">
-            <a:alphaModFix amt="20000"/>
-            <a:extLst>
-              <a:ext uri="{28A0092B-C50C-407E-A947-70E740481C1C}">
-                <a14:useLocalDpi xmlns:a14="http://schemas.microsoft.com/office/drawing/2010/main" val="0"/>
-              </a:ext>
-            </a:extLst>
-          </a:blip>
-          <a:srcRect t="34654" b="43573"/>
-          <a:stretch/>
-        </p:blipFill>
-        <p:spPr>
-          <a:xfrm>
-            <a:off x="773935" y="442465"/>
-            <a:ext cx="9018070" cy="1308226"/>
-          </a:xfrm>
-          <a:prstGeom prst="rect">
-            <a:avLst/>
-          </a:prstGeom>
-        </p:spPr>
-      </p:pic>
-      <p:sp>
-        <p:nvSpPr>
-          <p:cNvPr id="34" name="Rectangle 33">
-            <a:extLst>
-              <a:ext uri="{FF2B5EF4-FFF2-40B4-BE49-F238E27FC236}">
-                <a16:creationId xmlns:a16="http://schemas.microsoft.com/office/drawing/2014/main" id="{BFE7775A-1FAD-4E84-8B9E-DA4B39640B5E}"/>
-              </a:ext>
-            </a:extLst>
-          </p:cNvPr>
-          <p:cNvSpPr/>
-          <p:nvPr/>
-        </p:nvSpPr>
-        <p:spPr>
-          <a:xfrm rot="19800000">
-            <a:off x="9089102" y="5937184"/>
-            <a:ext cx="4026751" cy="269178"/>
-          </a:xfrm>
-          <a:prstGeom prst="rect">
-            <a:avLst/>
-          </a:prstGeom>
-          <a:solidFill>
-            <a:srgbClr val="A71B86"/>
-          </a:solidFill>
-          <a:ln>
-            <a:noFill/>
-          </a:ln>
-        </p:spPr>
-        <p:style>
-          <a:lnRef idx="2">
-            <a:schemeClr val="accent1">
-              <a:shade val="50000"/>
-            </a:schemeClr>
-          </a:lnRef>
-          <a:fillRef idx="1">
-            <a:schemeClr val="accent1"/>
-          </a:fillRef>
-          <a:effectRef idx="0">
-            <a:schemeClr val="accent1"/>
-          </a:effectRef>
-          <a:fontRef idx="minor">
-            <a:schemeClr val="lt1"/>
-          </a:fontRef>
-        </p:style>
-        <p:txBody>
-          <a:bodyPr rtlCol="0" anchor="ctr"/>
-          <a:lstStyle/>
-          <a:p>
-            <a:pPr algn="ctr"/>
-            <a:endParaRPr lang="en-US"/>
-          </a:p>
-        </p:txBody>
-      </p:sp>
-      <p:sp>
-        <p:nvSpPr>
-          <p:cNvPr id="2" name="Title 1">
-            <a:extLst>
-              <a:ext uri="{FF2B5EF4-FFF2-40B4-BE49-F238E27FC236}">
-                <a16:creationId xmlns:a16="http://schemas.microsoft.com/office/drawing/2014/main" id="{95D79E09-6E77-4F87-B358-F18D99FA343D}"/>
-              </a:ext>
-            </a:extLst>
-          </p:cNvPr>
-          <p:cNvSpPr>
-            <a:spLocks noGrp="1"/>
-          </p:cNvSpPr>
-          <p:nvPr>
-            <p:ph type="title"/>
-          </p:nvPr>
-        </p:nvSpPr>
-        <p:spPr>
-          <a:xfrm>
-            <a:off x="773934" y="425128"/>
-            <a:ext cx="9018070" cy="1325563"/>
-          </a:xfrm>
-          <a:noFill/>
-          <a:ln w="76200">
-            <a:solidFill>
-              <a:srgbClr val="11B29F"/>
-            </a:solidFill>
-          </a:ln>
-        </p:spPr>
-        <p:txBody>
-          <a:bodyPr/>
-          <a:lstStyle/>
-          <a:p>
-            <a:pPr algn="ctr"/>
-            <a:r>
-              <a:rPr lang="en-US" dirty="0">
-                <a:solidFill>
-                  <a:srgbClr val="404040"/>
-                </a:solidFill>
-                <a:latin typeface="Bodoni MT" panose="02070603080606020203" pitchFamily="18" charset="0"/>
-              </a:rPr>
-              <a:t>General Problem</a:t>
-            </a:r>
-          </a:p>
-        </p:txBody>
-      </p:sp>
-      <p:pic>
-        <p:nvPicPr>
-          <p:cNvPr id="5" name="Content Placeholder 4" descr="A picture containing cage&#10;&#10;Description automatically generated">
-            <a:extLst>
-              <a:ext uri="{FF2B5EF4-FFF2-40B4-BE49-F238E27FC236}">
-                <a16:creationId xmlns:a16="http://schemas.microsoft.com/office/drawing/2014/main" id="{EF817497-4F98-4236-83EE-74FD8376B077}"/>
-              </a:ext>
-            </a:extLst>
-          </p:cNvPr>
-          <p:cNvPicPr>
-            <a:picLocks noGrp="1" noChangeAspect="1"/>
-          </p:cNvPicPr>
-          <p:nvPr>
-            <p:ph idx="1"/>
-          </p:nvPr>
-        </p:nvPicPr>
-        <p:blipFill>
-          <a:blip r:embed="rId3">
-            <a:extLst>
-              <a:ext uri="{28A0092B-C50C-407E-A947-70E740481C1C}">
-                <a14:useLocalDpi xmlns:a14="http://schemas.microsoft.com/office/drawing/2010/main" val="0"/>
-              </a:ext>
-            </a:extLst>
-          </a:blip>
-          <a:stretch>
-            <a:fillRect/>
-          </a:stretch>
-        </p:blipFill>
-        <p:spPr>
-          <a:xfrm>
-            <a:off x="9887140" y="47697"/>
-            <a:ext cx="2143125" cy="2143125"/>
-          </a:xfrm>
-        </p:spPr>
-      </p:pic>
-      <p:sp>
-        <p:nvSpPr>
-          <p:cNvPr id="17" name="Rectangle 16">
-            <a:extLst>
-              <a:ext uri="{FF2B5EF4-FFF2-40B4-BE49-F238E27FC236}">
-                <a16:creationId xmlns:a16="http://schemas.microsoft.com/office/drawing/2014/main" id="{C723ED3C-F5E6-4121-9EF2-DD9574E1A49F}"/>
-              </a:ext>
-            </a:extLst>
-          </p:cNvPr>
-          <p:cNvSpPr/>
-          <p:nvPr/>
-        </p:nvSpPr>
-        <p:spPr>
-          <a:xfrm>
-            <a:off x="10085294" y="2008116"/>
-            <a:ext cx="1776920" cy="76178"/>
-          </a:xfrm>
-          <a:prstGeom prst="rect">
-            <a:avLst/>
-          </a:prstGeom>
-          <a:solidFill>
-            <a:srgbClr val="11B29F"/>
-          </a:solidFill>
-          <a:ln>
-            <a:noFill/>
-          </a:ln>
-        </p:spPr>
-        <p:style>
-          <a:lnRef idx="2">
-            <a:schemeClr val="accent1">
-              <a:shade val="50000"/>
-            </a:schemeClr>
-          </a:lnRef>
-          <a:fillRef idx="1">
-            <a:schemeClr val="accent1"/>
-          </a:fillRef>
-          <a:effectRef idx="0">
-            <a:schemeClr val="accent1"/>
-          </a:effectRef>
-          <a:fontRef idx="minor">
-            <a:schemeClr val="lt1"/>
-          </a:fontRef>
-        </p:style>
-        <p:txBody>
-          <a:bodyPr rtlCol="0" anchor="ctr"/>
-          <a:lstStyle/>
-          <a:p>
-            <a:pPr algn="ctr"/>
-            <a:endParaRPr lang="en-US"/>
-          </a:p>
-        </p:txBody>
-      </p:sp>
-      <p:sp>
-        <p:nvSpPr>
-          <p:cNvPr id="21" name="Rectangle 20">
-            <a:extLst>
-              <a:ext uri="{FF2B5EF4-FFF2-40B4-BE49-F238E27FC236}">
-                <a16:creationId xmlns:a16="http://schemas.microsoft.com/office/drawing/2014/main" id="{F9E0EC60-66D4-4536-A867-30142339BAA7}"/>
-              </a:ext>
-            </a:extLst>
-          </p:cNvPr>
-          <p:cNvSpPr/>
-          <p:nvPr/>
-        </p:nvSpPr>
-        <p:spPr>
-          <a:xfrm>
-            <a:off x="10085294" y="2129819"/>
-            <a:ext cx="1776920" cy="76178"/>
-          </a:xfrm>
-          <a:prstGeom prst="rect">
-            <a:avLst/>
-          </a:prstGeom>
-          <a:solidFill>
-            <a:srgbClr val="A71B86"/>
-          </a:solidFill>
-          <a:ln>
-            <a:noFill/>
-          </a:ln>
-        </p:spPr>
-        <p:style>
-          <a:lnRef idx="2">
-            <a:schemeClr val="accent1">
-              <a:shade val="50000"/>
-            </a:schemeClr>
-          </a:lnRef>
-          <a:fillRef idx="1">
-            <a:schemeClr val="accent1"/>
-          </a:fillRef>
-          <a:effectRef idx="0">
-            <a:schemeClr val="accent1"/>
-          </a:effectRef>
-          <a:fontRef idx="minor">
-            <a:schemeClr val="lt1"/>
-          </a:fontRef>
-        </p:style>
-        <p:txBody>
-          <a:bodyPr rtlCol="0" anchor="ctr"/>
-          <a:lstStyle/>
-          <a:p>
-            <a:pPr algn="ctr"/>
-            <a:endParaRPr lang="en-US"/>
-          </a:p>
-        </p:txBody>
-      </p:sp>
-      <p:sp>
-        <p:nvSpPr>
-          <p:cNvPr id="22" name="Rectangle 21">
-            <a:extLst>
-              <a:ext uri="{FF2B5EF4-FFF2-40B4-BE49-F238E27FC236}">
-                <a16:creationId xmlns:a16="http://schemas.microsoft.com/office/drawing/2014/main" id="{F95AED49-24A8-4D10-9D31-F944565EC1B2}"/>
-              </a:ext>
-            </a:extLst>
-          </p:cNvPr>
-          <p:cNvSpPr/>
-          <p:nvPr/>
-        </p:nvSpPr>
-        <p:spPr>
-          <a:xfrm>
-            <a:off x="10085294" y="2251522"/>
-            <a:ext cx="1776920" cy="150200"/>
-          </a:xfrm>
-          <a:prstGeom prst="rect">
-            <a:avLst/>
-          </a:prstGeom>
-          <a:solidFill>
-            <a:srgbClr val="11B29F"/>
-          </a:solidFill>
-          <a:ln>
-            <a:noFill/>
-          </a:ln>
-        </p:spPr>
-        <p:style>
-          <a:lnRef idx="2">
-            <a:schemeClr val="accent1">
-              <a:shade val="50000"/>
-            </a:schemeClr>
-          </a:lnRef>
-          <a:fillRef idx="1">
-            <a:schemeClr val="accent1"/>
-          </a:fillRef>
-          <a:effectRef idx="0">
-            <a:schemeClr val="accent1"/>
-          </a:effectRef>
-          <a:fontRef idx="minor">
-            <a:schemeClr val="lt1"/>
-          </a:fontRef>
-        </p:style>
-        <p:txBody>
-          <a:bodyPr rtlCol="0" anchor="ctr"/>
-          <a:lstStyle/>
-          <a:p>
-            <a:pPr algn="ctr"/>
-            <a:endParaRPr lang="en-US"/>
-          </a:p>
-        </p:txBody>
-      </p:sp>
-      <p:sp>
-        <p:nvSpPr>
-          <p:cNvPr id="24" name="Rectangle 23">
-            <a:extLst>
-              <a:ext uri="{FF2B5EF4-FFF2-40B4-BE49-F238E27FC236}">
-                <a16:creationId xmlns:a16="http://schemas.microsoft.com/office/drawing/2014/main" id="{993D5826-407C-4F65-BE3A-EB593B942A36}"/>
-              </a:ext>
-            </a:extLst>
-          </p:cNvPr>
-          <p:cNvSpPr/>
-          <p:nvPr/>
-        </p:nvSpPr>
-        <p:spPr>
-          <a:xfrm>
-            <a:off x="10085294" y="2447247"/>
-            <a:ext cx="1776920" cy="150200"/>
-          </a:xfrm>
-          <a:prstGeom prst="rect">
-            <a:avLst/>
-          </a:prstGeom>
-          <a:solidFill>
-            <a:srgbClr val="A71B86"/>
-          </a:solidFill>
-          <a:ln>
-            <a:noFill/>
-          </a:ln>
-        </p:spPr>
-        <p:style>
-          <a:lnRef idx="2">
-            <a:schemeClr val="accent1">
-              <a:shade val="50000"/>
-            </a:schemeClr>
-          </a:lnRef>
-          <a:fillRef idx="1">
-            <a:schemeClr val="accent1"/>
-          </a:fillRef>
-          <a:effectRef idx="0">
-            <a:schemeClr val="accent1"/>
-          </a:effectRef>
-          <a:fontRef idx="minor">
-            <a:schemeClr val="lt1"/>
-          </a:fontRef>
-        </p:style>
-        <p:txBody>
-          <a:bodyPr rtlCol="0" anchor="ctr"/>
-          <a:lstStyle/>
-          <a:p>
-            <a:pPr algn="ctr"/>
-            <a:endParaRPr lang="en-US"/>
-          </a:p>
-        </p:txBody>
-      </p:sp>
-      <p:sp>
-        <p:nvSpPr>
-          <p:cNvPr id="25" name="Rectangle 24">
-            <a:extLst>
-              <a:ext uri="{FF2B5EF4-FFF2-40B4-BE49-F238E27FC236}">
-                <a16:creationId xmlns:a16="http://schemas.microsoft.com/office/drawing/2014/main" id="{D2785A94-4D0B-4559-9303-3C963AA0EF9A}"/>
-              </a:ext>
-            </a:extLst>
-          </p:cNvPr>
-          <p:cNvSpPr/>
-          <p:nvPr/>
-        </p:nvSpPr>
-        <p:spPr>
-          <a:xfrm>
-            <a:off x="10085294" y="2642972"/>
-            <a:ext cx="1776920" cy="362446"/>
-          </a:xfrm>
-          <a:prstGeom prst="rect">
-            <a:avLst/>
-          </a:prstGeom>
-          <a:solidFill>
-            <a:srgbClr val="11B29F"/>
-          </a:solidFill>
-          <a:ln>
-            <a:noFill/>
-          </a:ln>
-        </p:spPr>
-        <p:style>
-          <a:lnRef idx="2">
-            <a:schemeClr val="accent1">
-              <a:shade val="50000"/>
-            </a:schemeClr>
-          </a:lnRef>
-          <a:fillRef idx="1">
-            <a:schemeClr val="accent1"/>
-          </a:fillRef>
-          <a:effectRef idx="0">
-            <a:schemeClr val="accent1"/>
-          </a:effectRef>
-          <a:fontRef idx="minor">
-            <a:schemeClr val="lt1"/>
-          </a:fontRef>
-        </p:style>
-        <p:txBody>
-          <a:bodyPr rtlCol="0" anchor="ctr"/>
-          <a:lstStyle/>
-          <a:p>
-            <a:pPr algn="ctr"/>
-            <a:endParaRPr lang="en-US"/>
-          </a:p>
-        </p:txBody>
-      </p:sp>
-      <p:sp>
-        <p:nvSpPr>
-          <p:cNvPr id="26" name="Rectangle 25">
-            <a:extLst>
-              <a:ext uri="{FF2B5EF4-FFF2-40B4-BE49-F238E27FC236}">
-                <a16:creationId xmlns:a16="http://schemas.microsoft.com/office/drawing/2014/main" id="{B235F2E9-4558-433D-9527-7EFF5C5E78A8}"/>
-              </a:ext>
-            </a:extLst>
-          </p:cNvPr>
-          <p:cNvSpPr/>
-          <p:nvPr/>
-        </p:nvSpPr>
-        <p:spPr>
-          <a:xfrm>
-            <a:off x="10085294" y="3050943"/>
-            <a:ext cx="1776920" cy="362446"/>
-          </a:xfrm>
-          <a:prstGeom prst="rect">
-            <a:avLst/>
-          </a:prstGeom>
-          <a:solidFill>
-            <a:srgbClr val="A71B86"/>
-          </a:solidFill>
-          <a:ln>
-            <a:noFill/>
-          </a:ln>
-        </p:spPr>
-        <p:style>
-          <a:lnRef idx="2">
-            <a:schemeClr val="accent1">
-              <a:shade val="50000"/>
-            </a:schemeClr>
-          </a:lnRef>
-          <a:fillRef idx="1">
-            <a:schemeClr val="accent1"/>
-          </a:fillRef>
-          <a:effectRef idx="0">
-            <a:schemeClr val="accent1"/>
-          </a:effectRef>
-          <a:fontRef idx="minor">
-            <a:schemeClr val="lt1"/>
-          </a:fontRef>
-        </p:style>
-        <p:txBody>
-          <a:bodyPr rtlCol="0" anchor="ctr"/>
-          <a:lstStyle/>
-          <a:p>
-            <a:pPr algn="ctr"/>
-            <a:endParaRPr lang="en-US"/>
-          </a:p>
-        </p:txBody>
-      </p:sp>
-      <p:sp>
-        <p:nvSpPr>
-          <p:cNvPr id="27" name="Rectangle 26">
-            <a:extLst>
-              <a:ext uri="{FF2B5EF4-FFF2-40B4-BE49-F238E27FC236}">
-                <a16:creationId xmlns:a16="http://schemas.microsoft.com/office/drawing/2014/main" id="{99613B87-411B-4008-BF30-F1A3B8F247B5}"/>
-              </a:ext>
-            </a:extLst>
-          </p:cNvPr>
-          <p:cNvSpPr/>
-          <p:nvPr/>
-        </p:nvSpPr>
-        <p:spPr>
-          <a:xfrm>
-            <a:off x="10085294" y="3490136"/>
-            <a:ext cx="1776920" cy="3367864"/>
-          </a:xfrm>
-          <a:prstGeom prst="rect">
-            <a:avLst/>
-          </a:prstGeom>
-          <a:solidFill>
-            <a:srgbClr val="11B29F"/>
-          </a:solidFill>
-          <a:ln>
-            <a:noFill/>
-          </a:ln>
-        </p:spPr>
-        <p:style>
-          <a:lnRef idx="2">
-            <a:schemeClr val="accent1">
-              <a:shade val="50000"/>
-            </a:schemeClr>
-          </a:lnRef>
-          <a:fillRef idx="1">
-            <a:schemeClr val="accent1"/>
-          </a:fillRef>
-          <a:effectRef idx="0">
-            <a:schemeClr val="accent1"/>
-          </a:effectRef>
-          <a:fontRef idx="minor">
-            <a:schemeClr val="lt1"/>
-          </a:fontRef>
-        </p:style>
-        <p:txBody>
-          <a:bodyPr rtlCol="0" anchor="ctr"/>
-          <a:lstStyle/>
-          <a:p>
-            <a:pPr algn="ctr"/>
-            <a:endParaRPr lang="en-US"/>
-          </a:p>
-        </p:txBody>
-      </p:sp>
-      <p:sp>
-        <p:nvSpPr>
-          <p:cNvPr id="32" name="Rectangle 31">
-            <a:extLst>
-              <a:ext uri="{FF2B5EF4-FFF2-40B4-BE49-F238E27FC236}">
-                <a16:creationId xmlns:a16="http://schemas.microsoft.com/office/drawing/2014/main" id="{145B3BD2-B1C1-4ED2-A4E0-5E17DD3736F1}"/>
-              </a:ext>
-            </a:extLst>
-          </p:cNvPr>
-          <p:cNvSpPr/>
-          <p:nvPr/>
-        </p:nvSpPr>
-        <p:spPr>
-          <a:xfrm rot="19800000">
-            <a:off x="-765351" y="385789"/>
-            <a:ext cx="4026751" cy="269178"/>
-          </a:xfrm>
-          <a:prstGeom prst="rect">
-            <a:avLst/>
-          </a:prstGeom>
-          <a:solidFill>
-            <a:srgbClr val="A71B86"/>
-          </a:solidFill>
-          <a:ln>
-            <a:noFill/>
-          </a:ln>
-        </p:spPr>
-        <p:style>
-          <a:lnRef idx="2">
-            <a:schemeClr val="accent1">
-              <a:shade val="50000"/>
-            </a:schemeClr>
-          </a:lnRef>
-          <a:fillRef idx="1">
-            <a:schemeClr val="accent1"/>
-          </a:fillRef>
-          <a:effectRef idx="0">
-            <a:schemeClr val="accent1"/>
-          </a:effectRef>
-          <a:fontRef idx="minor">
-            <a:schemeClr val="lt1"/>
-          </a:fontRef>
-        </p:style>
-        <p:txBody>
-          <a:bodyPr rtlCol="0" anchor="ctr"/>
-          <a:lstStyle/>
-          <a:p>
-            <a:pPr algn="ctr"/>
-            <a:endParaRPr lang="en-US"/>
-          </a:p>
-        </p:txBody>
-      </p:sp>
-      <p:sp>
-        <p:nvSpPr>
-          <p:cNvPr id="33" name="Rectangle 32">
-            <a:extLst>
-              <a:ext uri="{FF2B5EF4-FFF2-40B4-BE49-F238E27FC236}">
-                <a16:creationId xmlns:a16="http://schemas.microsoft.com/office/drawing/2014/main" id="{DC3B2826-65DD-408B-8F18-8CCD6C052D8D}"/>
-              </a:ext>
-            </a:extLst>
-          </p:cNvPr>
-          <p:cNvSpPr/>
-          <p:nvPr/>
-        </p:nvSpPr>
-        <p:spPr>
-          <a:xfrm rot="19800000">
-            <a:off x="9257156" y="6226296"/>
-            <a:ext cx="4026751" cy="269178"/>
-          </a:xfrm>
-          <a:prstGeom prst="rect">
-            <a:avLst/>
-          </a:prstGeom>
-          <a:solidFill>
-            <a:srgbClr val="A71B86"/>
-          </a:solidFill>
-          <a:ln>
-            <a:noFill/>
-          </a:ln>
-        </p:spPr>
-        <p:style>
-          <a:lnRef idx="2">
-            <a:schemeClr val="accent1">
-              <a:shade val="50000"/>
-            </a:schemeClr>
-          </a:lnRef>
-          <a:fillRef idx="1">
-            <a:schemeClr val="accent1"/>
-          </a:fillRef>
-          <a:effectRef idx="0">
-            <a:schemeClr val="accent1"/>
-          </a:effectRef>
-          <a:fontRef idx="minor">
-            <a:schemeClr val="lt1"/>
-          </a:fontRef>
-        </p:style>
-        <p:txBody>
-          <a:bodyPr rtlCol="0" anchor="ctr"/>
-          <a:lstStyle/>
-          <a:p>
-            <a:pPr algn="ctr"/>
-            <a:endParaRPr lang="en-US"/>
-          </a:p>
-        </p:txBody>
-      </p:sp>
-      <p:sp>
-        <p:nvSpPr>
-          <p:cNvPr id="35" name="Rectangle 34">
-            <a:extLst>
-              <a:ext uri="{FF2B5EF4-FFF2-40B4-BE49-F238E27FC236}">
-                <a16:creationId xmlns:a16="http://schemas.microsoft.com/office/drawing/2014/main" id="{4935F901-F632-4698-8C7A-AC29B2397A6C}"/>
-              </a:ext>
-            </a:extLst>
-          </p:cNvPr>
-          <p:cNvSpPr/>
-          <p:nvPr/>
-        </p:nvSpPr>
-        <p:spPr>
-          <a:xfrm rot="19800000">
-            <a:off x="8263809" y="5824178"/>
-            <a:ext cx="4731177" cy="269178"/>
-          </a:xfrm>
-          <a:prstGeom prst="rect">
-            <a:avLst/>
-          </a:prstGeom>
-          <a:solidFill>
-            <a:srgbClr val="A71B86"/>
-          </a:solidFill>
-          <a:ln>
-            <a:noFill/>
-          </a:ln>
-        </p:spPr>
-        <p:style>
-          <a:lnRef idx="2">
-            <a:schemeClr val="accent1">
-              <a:shade val="50000"/>
-            </a:schemeClr>
-          </a:lnRef>
-          <a:fillRef idx="1">
-            <a:schemeClr val="accent1"/>
-          </a:fillRef>
-          <a:effectRef idx="0">
-            <a:schemeClr val="accent1"/>
-          </a:effectRef>
-          <a:fontRef idx="minor">
-            <a:schemeClr val="lt1"/>
-          </a:fontRef>
-        </p:style>
-        <p:txBody>
-          <a:bodyPr rtlCol="0" anchor="ctr"/>
-          <a:lstStyle/>
-          <a:p>
-            <a:pPr algn="ctr"/>
-            <a:endParaRPr lang="en-US"/>
-          </a:p>
-        </p:txBody>
-      </p:sp>
-      <p:sp>
-        <p:nvSpPr>
-          <p:cNvPr id="36" name="TextBox 35">
-            <a:extLst>
-              <a:ext uri="{FF2B5EF4-FFF2-40B4-BE49-F238E27FC236}">
-                <a16:creationId xmlns:a16="http://schemas.microsoft.com/office/drawing/2014/main" id="{389720C5-6DCB-428D-8C4F-A02DEC239333}"/>
-              </a:ext>
-            </a:extLst>
-          </p:cNvPr>
-          <p:cNvSpPr txBox="1"/>
-          <p:nvPr/>
-        </p:nvSpPr>
-        <p:spPr>
-          <a:xfrm>
-            <a:off x="773935" y="1947592"/>
             <a:ext cx="9143304" cy="1631216"/>
           </a:xfrm>
           <a:prstGeom prst="rect">
@@ -8263,7 +7131,7 @@
 </p:sld>
 </file>
 
-<file path=ppt/slides/slide12.xml><?xml version="1.0" encoding="utf-8"?>
+<file path=ppt/slides/slide11.xml><?xml version="1.0" encoding="utf-8"?>
 <p:sld xmlns:a="http://schemas.openxmlformats.org/drawingml/2006/main" xmlns:r="http://schemas.openxmlformats.org/officeDocument/2006/relationships" xmlns:p="http://schemas.openxmlformats.org/presentationml/2006/main">
   <p:cSld>
     <p:spTree>
@@ -9851,7 +8719,7 @@
 </p:sld>
 </file>
 
-<file path=ppt/slides/slide13.xml><?xml version="1.0" encoding="utf-8"?>
+<file path=ppt/slides/slide12.xml><?xml version="1.0" encoding="utf-8"?>
 <p:sld xmlns:a="http://schemas.openxmlformats.org/drawingml/2006/main" xmlns:r="http://schemas.openxmlformats.org/officeDocument/2006/relationships" xmlns:p="http://schemas.openxmlformats.org/presentationml/2006/main">
   <p:cSld>
     <p:spTree>
@@ -11703,7 +10571,7 @@
 </p:sld>
 </file>
 
-<file path=ppt/slides/slide14.xml><?xml version="1.0" encoding="utf-8"?>
+<file path=ppt/slides/slide13.xml><?xml version="1.0" encoding="utf-8"?>
 <p:sld xmlns:a="http://schemas.openxmlformats.org/drawingml/2006/main" xmlns:r="http://schemas.openxmlformats.org/officeDocument/2006/relationships" xmlns:p="http://schemas.openxmlformats.org/presentationml/2006/main">
   <p:cSld>
     <p:spTree>
@@ -13766,7 +12634,7 @@
 </p:sld>
 </file>
 
-<file path=ppt/slides/slide15.xml><?xml version="1.0" encoding="utf-8"?>
+<file path=ppt/slides/slide14.xml><?xml version="1.0" encoding="utf-8"?>
 <p:sld xmlns:a="http://schemas.openxmlformats.org/drawingml/2006/main" xmlns:r="http://schemas.openxmlformats.org/officeDocument/2006/relationships" xmlns:p="http://schemas.openxmlformats.org/presentationml/2006/main">
   <p:cSld>
     <p:spTree>
@@ -16040,7 +14908,7 @@
 </p:sld>
 </file>
 
-<file path=ppt/slides/slide16.xml><?xml version="1.0" encoding="utf-8"?>
+<file path=ppt/slides/slide15.xml><?xml version="1.0" encoding="utf-8"?>
 <p:sld xmlns:a="http://schemas.openxmlformats.org/drawingml/2006/main" xmlns:r="http://schemas.openxmlformats.org/officeDocument/2006/relationships" xmlns:p="http://schemas.openxmlformats.org/presentationml/2006/main">
   <p:cSld>
     <p:spTree>
@@ -18455,7 +17323,7 @@
 </p:sld>
 </file>
 
-<file path=ppt/slides/slide17.xml><?xml version="1.0" encoding="utf-8"?>
+<file path=ppt/slides/slide16.xml><?xml version="1.0" encoding="utf-8"?>
 <p:sld xmlns:a="http://schemas.openxmlformats.org/drawingml/2006/main" xmlns:r="http://schemas.openxmlformats.org/officeDocument/2006/relationships" xmlns:p="http://schemas.openxmlformats.org/presentationml/2006/main">
   <p:cSld>
     <p:spTree>
@@ -21002,8 +19870,8 @@
           </a:p>
         </p:txBody>
       </p:sp>
-      <mc:AlternateContent xmlns:mc="http://schemas.openxmlformats.org/markup-compatibility/2006">
-        <mc:Choice xmlns:a14="http://schemas.microsoft.com/office/drawing/2010/main" Requires="a14">
+      <mc:AlternateContent xmlns:mc="http://schemas.openxmlformats.org/markup-compatibility/2006" xmlns:a14="http://schemas.microsoft.com/office/drawing/2010/main">
+        <mc:Choice Requires="a14">
           <p:sp>
             <p:nvSpPr>
               <p:cNvPr id="23" name="TextBox 22">
@@ -21032,6 +19900,7 @@
               </a:bodyPr>
               <a:lstStyle/>
               <a:p>
+                <a:pPr/>
                 <a14:m>
                   <m:oMathPara xmlns:m="http://schemas.openxmlformats.org/officeDocument/2006/math">
                     <m:oMathParaPr>
@@ -21052,7 +19921,7 @@
             </p:txBody>
           </p:sp>
         </mc:Choice>
-        <mc:Fallback>
+        <mc:Fallback xmlns="">
           <p:sp>
             <p:nvSpPr>
               <p:cNvPr id="23" name="TextBox 22">
@@ -21110,7 +19979,7 @@
 </p:sld>
 </file>
 
-<file path=ppt/slides/slide18.xml><?xml version="1.0" encoding="utf-8"?>
+<file path=ppt/slides/slide17.xml><?xml version="1.0" encoding="utf-8"?>
 <p:sld xmlns:a="http://schemas.openxmlformats.org/drawingml/2006/main" xmlns:r="http://schemas.openxmlformats.org/officeDocument/2006/relationships" xmlns:p="http://schemas.openxmlformats.org/presentationml/2006/main">
   <p:cSld>
     <p:spTree>
@@ -22506,7 +21375,7 @@
 </p:sld>
 </file>
 
-<file path=ppt/slides/slide19.xml><?xml version="1.0" encoding="utf-8"?>
+<file path=ppt/slides/slide18.xml><?xml version="1.0" encoding="utf-8"?>
 <p:sld xmlns:a="http://schemas.openxmlformats.org/drawingml/2006/main" xmlns:r="http://schemas.openxmlformats.org/officeDocument/2006/relationships" xmlns:p="http://schemas.openxmlformats.org/presentationml/2006/main">
   <p:cSld>
     <p:spTree>
@@ -24094,1479 +22963,7 @@
 </p:sld>
 </file>
 
-<file path=ppt/slides/slide2.xml><?xml version="1.0" encoding="utf-8"?>
-<p:sld xmlns:a="http://schemas.openxmlformats.org/drawingml/2006/main" xmlns:r="http://schemas.openxmlformats.org/officeDocument/2006/relationships" xmlns:p="http://schemas.openxmlformats.org/presentationml/2006/main">
-  <p:cSld>
-    <p:spTree>
-      <p:nvGrpSpPr>
-        <p:cNvPr id="1" name=""/>
-        <p:cNvGrpSpPr/>
-        <p:nvPr/>
-      </p:nvGrpSpPr>
-      <p:grpSpPr>
-        <a:xfrm>
-          <a:off x="0" y="0"/>
-          <a:ext cx="0" cy="0"/>
-          <a:chOff x="0" y="0"/>
-          <a:chExt cx="0" cy="0"/>
-        </a:xfrm>
-      </p:grpSpPr>
-      <p:sp>
-        <p:nvSpPr>
-          <p:cNvPr id="28" name="Rectangle 27">
-            <a:extLst>
-              <a:ext uri="{FF2B5EF4-FFF2-40B4-BE49-F238E27FC236}">
-                <a16:creationId xmlns:a16="http://schemas.microsoft.com/office/drawing/2014/main" id="{1568D3DA-67F7-464C-95FF-D7D56F4038D6}"/>
-              </a:ext>
-            </a:extLst>
-          </p:cNvPr>
-          <p:cNvSpPr/>
-          <p:nvPr/>
-        </p:nvSpPr>
-        <p:spPr>
-          <a:xfrm rot="19800000">
-            <a:off x="-597297" y="674901"/>
-            <a:ext cx="4026751" cy="269178"/>
-          </a:xfrm>
-          <a:prstGeom prst="rect">
-            <a:avLst/>
-          </a:prstGeom>
-          <a:solidFill>
-            <a:srgbClr val="A71B86"/>
-          </a:solidFill>
-          <a:ln>
-            <a:noFill/>
-          </a:ln>
-        </p:spPr>
-        <p:style>
-          <a:lnRef idx="2">
-            <a:schemeClr val="accent1">
-              <a:shade val="50000"/>
-            </a:schemeClr>
-          </a:lnRef>
-          <a:fillRef idx="1">
-            <a:schemeClr val="accent1"/>
-          </a:fillRef>
-          <a:effectRef idx="0">
-            <a:schemeClr val="accent1"/>
-          </a:effectRef>
-          <a:fontRef idx="minor">
-            <a:schemeClr val="lt1"/>
-          </a:fontRef>
-        </p:style>
-        <p:txBody>
-          <a:bodyPr rtlCol="0" anchor="ctr"/>
-          <a:lstStyle/>
-          <a:p>
-            <a:pPr algn="ctr"/>
-            <a:endParaRPr lang="en-US"/>
-          </a:p>
-        </p:txBody>
-      </p:sp>
-      <p:pic>
-        <p:nvPicPr>
-          <p:cNvPr id="11" name="Picture 10" descr="A large body of water&#10;&#10;Description automatically generated">
-            <a:extLst>
-              <a:ext uri="{FF2B5EF4-FFF2-40B4-BE49-F238E27FC236}">
-                <a16:creationId xmlns:a16="http://schemas.microsoft.com/office/drawing/2014/main" id="{B83B0471-BE25-41B4-B185-53BEB6528B89}"/>
-              </a:ext>
-            </a:extLst>
-          </p:cNvPr>
-          <p:cNvPicPr>
-            <a:picLocks noChangeAspect="1"/>
-          </p:cNvPicPr>
-          <p:nvPr/>
-        </p:nvPicPr>
-        <p:blipFill rotWithShape="1">
-          <a:blip r:embed="rId2">
-            <a:alphaModFix amt="20000"/>
-            <a:extLst>
-              <a:ext uri="{28A0092B-C50C-407E-A947-70E740481C1C}">
-                <a14:useLocalDpi xmlns:a14="http://schemas.microsoft.com/office/drawing/2010/main" val="0"/>
-              </a:ext>
-            </a:extLst>
-          </a:blip>
-          <a:srcRect t="34654" b="43573"/>
-          <a:stretch/>
-        </p:blipFill>
-        <p:spPr>
-          <a:xfrm>
-            <a:off x="773935" y="442465"/>
-            <a:ext cx="9018070" cy="1308226"/>
-          </a:xfrm>
-          <a:prstGeom prst="rect">
-            <a:avLst/>
-          </a:prstGeom>
-        </p:spPr>
-      </p:pic>
-      <p:sp>
-        <p:nvSpPr>
-          <p:cNvPr id="34" name="Rectangle 33">
-            <a:extLst>
-              <a:ext uri="{FF2B5EF4-FFF2-40B4-BE49-F238E27FC236}">
-                <a16:creationId xmlns:a16="http://schemas.microsoft.com/office/drawing/2014/main" id="{BFE7775A-1FAD-4E84-8B9E-DA4B39640B5E}"/>
-              </a:ext>
-            </a:extLst>
-          </p:cNvPr>
-          <p:cNvSpPr/>
-          <p:nvPr/>
-        </p:nvSpPr>
-        <p:spPr>
-          <a:xfrm rot="19800000">
-            <a:off x="9089102" y="5937184"/>
-            <a:ext cx="4026751" cy="269178"/>
-          </a:xfrm>
-          <a:prstGeom prst="rect">
-            <a:avLst/>
-          </a:prstGeom>
-          <a:solidFill>
-            <a:srgbClr val="A71B86"/>
-          </a:solidFill>
-          <a:ln>
-            <a:noFill/>
-          </a:ln>
-        </p:spPr>
-        <p:style>
-          <a:lnRef idx="2">
-            <a:schemeClr val="accent1">
-              <a:shade val="50000"/>
-            </a:schemeClr>
-          </a:lnRef>
-          <a:fillRef idx="1">
-            <a:schemeClr val="accent1"/>
-          </a:fillRef>
-          <a:effectRef idx="0">
-            <a:schemeClr val="accent1"/>
-          </a:effectRef>
-          <a:fontRef idx="minor">
-            <a:schemeClr val="lt1"/>
-          </a:fontRef>
-        </p:style>
-        <p:txBody>
-          <a:bodyPr rtlCol="0" anchor="ctr"/>
-          <a:lstStyle/>
-          <a:p>
-            <a:pPr algn="ctr"/>
-            <a:endParaRPr lang="en-US"/>
-          </a:p>
-        </p:txBody>
-      </p:sp>
-      <p:sp>
-        <p:nvSpPr>
-          <p:cNvPr id="2" name="Title 1">
-            <a:extLst>
-              <a:ext uri="{FF2B5EF4-FFF2-40B4-BE49-F238E27FC236}">
-                <a16:creationId xmlns:a16="http://schemas.microsoft.com/office/drawing/2014/main" id="{95D79E09-6E77-4F87-B358-F18D99FA343D}"/>
-              </a:ext>
-            </a:extLst>
-          </p:cNvPr>
-          <p:cNvSpPr>
-            <a:spLocks noGrp="1"/>
-          </p:cNvSpPr>
-          <p:nvPr>
-            <p:ph type="title"/>
-          </p:nvPr>
-        </p:nvSpPr>
-        <p:spPr>
-          <a:xfrm>
-            <a:off x="773934" y="425128"/>
-            <a:ext cx="9018070" cy="1325563"/>
-          </a:xfrm>
-          <a:noFill/>
-          <a:ln w="76200">
-            <a:solidFill>
-              <a:srgbClr val="11B29F"/>
-            </a:solidFill>
-          </a:ln>
-        </p:spPr>
-        <p:txBody>
-          <a:bodyPr/>
-          <a:lstStyle/>
-          <a:p>
-            <a:pPr algn="ctr"/>
-            <a:r>
-              <a:rPr lang="en-US" dirty="0">
-                <a:solidFill>
-                  <a:srgbClr val="404040"/>
-                </a:solidFill>
-                <a:latin typeface="Bodoni MT" panose="02070603080606020203" pitchFamily="18" charset="0"/>
-              </a:rPr>
-              <a:t>Ex: Cable Company</a:t>
-            </a:r>
-          </a:p>
-        </p:txBody>
-      </p:sp>
-      <p:pic>
-        <p:nvPicPr>
-          <p:cNvPr id="5" name="Content Placeholder 4" descr="A picture containing cage&#10;&#10;Description automatically generated">
-            <a:extLst>
-              <a:ext uri="{FF2B5EF4-FFF2-40B4-BE49-F238E27FC236}">
-                <a16:creationId xmlns:a16="http://schemas.microsoft.com/office/drawing/2014/main" id="{EF817497-4F98-4236-83EE-74FD8376B077}"/>
-              </a:ext>
-            </a:extLst>
-          </p:cNvPr>
-          <p:cNvPicPr>
-            <a:picLocks noGrp="1" noChangeAspect="1"/>
-          </p:cNvPicPr>
-          <p:nvPr>
-            <p:ph idx="1"/>
-          </p:nvPr>
-        </p:nvPicPr>
-        <p:blipFill>
-          <a:blip r:embed="rId3">
-            <a:extLst>
-              <a:ext uri="{28A0092B-C50C-407E-A947-70E740481C1C}">
-                <a14:useLocalDpi xmlns:a14="http://schemas.microsoft.com/office/drawing/2010/main" val="0"/>
-              </a:ext>
-            </a:extLst>
-          </a:blip>
-          <a:stretch>
-            <a:fillRect/>
-          </a:stretch>
-        </p:blipFill>
-        <p:spPr>
-          <a:xfrm>
-            <a:off x="9887140" y="47697"/>
-            <a:ext cx="2143125" cy="2143125"/>
-          </a:xfrm>
-        </p:spPr>
-      </p:pic>
-      <p:sp>
-        <p:nvSpPr>
-          <p:cNvPr id="17" name="Rectangle 16">
-            <a:extLst>
-              <a:ext uri="{FF2B5EF4-FFF2-40B4-BE49-F238E27FC236}">
-                <a16:creationId xmlns:a16="http://schemas.microsoft.com/office/drawing/2014/main" id="{C723ED3C-F5E6-4121-9EF2-DD9574E1A49F}"/>
-              </a:ext>
-            </a:extLst>
-          </p:cNvPr>
-          <p:cNvSpPr/>
-          <p:nvPr/>
-        </p:nvSpPr>
-        <p:spPr>
-          <a:xfrm>
-            <a:off x="10085294" y="2008116"/>
-            <a:ext cx="1776920" cy="76178"/>
-          </a:xfrm>
-          <a:prstGeom prst="rect">
-            <a:avLst/>
-          </a:prstGeom>
-          <a:solidFill>
-            <a:srgbClr val="11B29F"/>
-          </a:solidFill>
-          <a:ln>
-            <a:noFill/>
-          </a:ln>
-        </p:spPr>
-        <p:style>
-          <a:lnRef idx="2">
-            <a:schemeClr val="accent1">
-              <a:shade val="50000"/>
-            </a:schemeClr>
-          </a:lnRef>
-          <a:fillRef idx="1">
-            <a:schemeClr val="accent1"/>
-          </a:fillRef>
-          <a:effectRef idx="0">
-            <a:schemeClr val="accent1"/>
-          </a:effectRef>
-          <a:fontRef idx="minor">
-            <a:schemeClr val="lt1"/>
-          </a:fontRef>
-        </p:style>
-        <p:txBody>
-          <a:bodyPr rtlCol="0" anchor="ctr"/>
-          <a:lstStyle/>
-          <a:p>
-            <a:pPr algn="ctr"/>
-            <a:endParaRPr lang="en-US"/>
-          </a:p>
-        </p:txBody>
-      </p:sp>
-      <p:sp>
-        <p:nvSpPr>
-          <p:cNvPr id="21" name="Rectangle 20">
-            <a:extLst>
-              <a:ext uri="{FF2B5EF4-FFF2-40B4-BE49-F238E27FC236}">
-                <a16:creationId xmlns:a16="http://schemas.microsoft.com/office/drawing/2014/main" id="{F9E0EC60-66D4-4536-A867-30142339BAA7}"/>
-              </a:ext>
-            </a:extLst>
-          </p:cNvPr>
-          <p:cNvSpPr/>
-          <p:nvPr/>
-        </p:nvSpPr>
-        <p:spPr>
-          <a:xfrm>
-            <a:off x="10085294" y="2129819"/>
-            <a:ext cx="1776920" cy="76178"/>
-          </a:xfrm>
-          <a:prstGeom prst="rect">
-            <a:avLst/>
-          </a:prstGeom>
-          <a:solidFill>
-            <a:srgbClr val="A71B86"/>
-          </a:solidFill>
-          <a:ln>
-            <a:noFill/>
-          </a:ln>
-        </p:spPr>
-        <p:style>
-          <a:lnRef idx="2">
-            <a:schemeClr val="accent1">
-              <a:shade val="50000"/>
-            </a:schemeClr>
-          </a:lnRef>
-          <a:fillRef idx="1">
-            <a:schemeClr val="accent1"/>
-          </a:fillRef>
-          <a:effectRef idx="0">
-            <a:schemeClr val="accent1"/>
-          </a:effectRef>
-          <a:fontRef idx="minor">
-            <a:schemeClr val="lt1"/>
-          </a:fontRef>
-        </p:style>
-        <p:txBody>
-          <a:bodyPr rtlCol="0" anchor="ctr"/>
-          <a:lstStyle/>
-          <a:p>
-            <a:pPr algn="ctr"/>
-            <a:endParaRPr lang="en-US"/>
-          </a:p>
-        </p:txBody>
-      </p:sp>
-      <p:sp>
-        <p:nvSpPr>
-          <p:cNvPr id="22" name="Rectangle 21">
-            <a:extLst>
-              <a:ext uri="{FF2B5EF4-FFF2-40B4-BE49-F238E27FC236}">
-                <a16:creationId xmlns:a16="http://schemas.microsoft.com/office/drawing/2014/main" id="{F95AED49-24A8-4D10-9D31-F944565EC1B2}"/>
-              </a:ext>
-            </a:extLst>
-          </p:cNvPr>
-          <p:cNvSpPr/>
-          <p:nvPr/>
-        </p:nvSpPr>
-        <p:spPr>
-          <a:xfrm>
-            <a:off x="10085294" y="2251522"/>
-            <a:ext cx="1776920" cy="150200"/>
-          </a:xfrm>
-          <a:prstGeom prst="rect">
-            <a:avLst/>
-          </a:prstGeom>
-          <a:solidFill>
-            <a:srgbClr val="11B29F"/>
-          </a:solidFill>
-          <a:ln>
-            <a:noFill/>
-          </a:ln>
-        </p:spPr>
-        <p:style>
-          <a:lnRef idx="2">
-            <a:schemeClr val="accent1">
-              <a:shade val="50000"/>
-            </a:schemeClr>
-          </a:lnRef>
-          <a:fillRef idx="1">
-            <a:schemeClr val="accent1"/>
-          </a:fillRef>
-          <a:effectRef idx="0">
-            <a:schemeClr val="accent1"/>
-          </a:effectRef>
-          <a:fontRef idx="minor">
-            <a:schemeClr val="lt1"/>
-          </a:fontRef>
-        </p:style>
-        <p:txBody>
-          <a:bodyPr rtlCol="0" anchor="ctr"/>
-          <a:lstStyle/>
-          <a:p>
-            <a:pPr algn="ctr"/>
-            <a:endParaRPr lang="en-US"/>
-          </a:p>
-        </p:txBody>
-      </p:sp>
-      <p:sp>
-        <p:nvSpPr>
-          <p:cNvPr id="24" name="Rectangle 23">
-            <a:extLst>
-              <a:ext uri="{FF2B5EF4-FFF2-40B4-BE49-F238E27FC236}">
-                <a16:creationId xmlns:a16="http://schemas.microsoft.com/office/drawing/2014/main" id="{993D5826-407C-4F65-BE3A-EB593B942A36}"/>
-              </a:ext>
-            </a:extLst>
-          </p:cNvPr>
-          <p:cNvSpPr/>
-          <p:nvPr/>
-        </p:nvSpPr>
-        <p:spPr>
-          <a:xfrm>
-            <a:off x="10085294" y="2447247"/>
-            <a:ext cx="1776920" cy="150200"/>
-          </a:xfrm>
-          <a:prstGeom prst="rect">
-            <a:avLst/>
-          </a:prstGeom>
-          <a:solidFill>
-            <a:srgbClr val="A71B86"/>
-          </a:solidFill>
-          <a:ln>
-            <a:noFill/>
-          </a:ln>
-        </p:spPr>
-        <p:style>
-          <a:lnRef idx="2">
-            <a:schemeClr val="accent1">
-              <a:shade val="50000"/>
-            </a:schemeClr>
-          </a:lnRef>
-          <a:fillRef idx="1">
-            <a:schemeClr val="accent1"/>
-          </a:fillRef>
-          <a:effectRef idx="0">
-            <a:schemeClr val="accent1"/>
-          </a:effectRef>
-          <a:fontRef idx="minor">
-            <a:schemeClr val="lt1"/>
-          </a:fontRef>
-        </p:style>
-        <p:txBody>
-          <a:bodyPr rtlCol="0" anchor="ctr"/>
-          <a:lstStyle/>
-          <a:p>
-            <a:pPr algn="ctr"/>
-            <a:endParaRPr lang="en-US"/>
-          </a:p>
-        </p:txBody>
-      </p:sp>
-      <p:sp>
-        <p:nvSpPr>
-          <p:cNvPr id="25" name="Rectangle 24">
-            <a:extLst>
-              <a:ext uri="{FF2B5EF4-FFF2-40B4-BE49-F238E27FC236}">
-                <a16:creationId xmlns:a16="http://schemas.microsoft.com/office/drawing/2014/main" id="{D2785A94-4D0B-4559-9303-3C963AA0EF9A}"/>
-              </a:ext>
-            </a:extLst>
-          </p:cNvPr>
-          <p:cNvSpPr/>
-          <p:nvPr/>
-        </p:nvSpPr>
-        <p:spPr>
-          <a:xfrm>
-            <a:off x="10085294" y="2642972"/>
-            <a:ext cx="1776920" cy="362446"/>
-          </a:xfrm>
-          <a:prstGeom prst="rect">
-            <a:avLst/>
-          </a:prstGeom>
-          <a:solidFill>
-            <a:srgbClr val="11B29F"/>
-          </a:solidFill>
-          <a:ln>
-            <a:noFill/>
-          </a:ln>
-        </p:spPr>
-        <p:style>
-          <a:lnRef idx="2">
-            <a:schemeClr val="accent1">
-              <a:shade val="50000"/>
-            </a:schemeClr>
-          </a:lnRef>
-          <a:fillRef idx="1">
-            <a:schemeClr val="accent1"/>
-          </a:fillRef>
-          <a:effectRef idx="0">
-            <a:schemeClr val="accent1"/>
-          </a:effectRef>
-          <a:fontRef idx="minor">
-            <a:schemeClr val="lt1"/>
-          </a:fontRef>
-        </p:style>
-        <p:txBody>
-          <a:bodyPr rtlCol="0" anchor="ctr"/>
-          <a:lstStyle/>
-          <a:p>
-            <a:pPr algn="ctr"/>
-            <a:endParaRPr lang="en-US"/>
-          </a:p>
-        </p:txBody>
-      </p:sp>
-      <p:sp>
-        <p:nvSpPr>
-          <p:cNvPr id="26" name="Rectangle 25">
-            <a:extLst>
-              <a:ext uri="{FF2B5EF4-FFF2-40B4-BE49-F238E27FC236}">
-                <a16:creationId xmlns:a16="http://schemas.microsoft.com/office/drawing/2014/main" id="{B235F2E9-4558-433D-9527-7EFF5C5E78A8}"/>
-              </a:ext>
-            </a:extLst>
-          </p:cNvPr>
-          <p:cNvSpPr/>
-          <p:nvPr/>
-        </p:nvSpPr>
-        <p:spPr>
-          <a:xfrm>
-            <a:off x="10085294" y="3050943"/>
-            <a:ext cx="1776920" cy="362446"/>
-          </a:xfrm>
-          <a:prstGeom prst="rect">
-            <a:avLst/>
-          </a:prstGeom>
-          <a:solidFill>
-            <a:srgbClr val="A71B86"/>
-          </a:solidFill>
-          <a:ln>
-            <a:noFill/>
-          </a:ln>
-        </p:spPr>
-        <p:style>
-          <a:lnRef idx="2">
-            <a:schemeClr val="accent1">
-              <a:shade val="50000"/>
-            </a:schemeClr>
-          </a:lnRef>
-          <a:fillRef idx="1">
-            <a:schemeClr val="accent1"/>
-          </a:fillRef>
-          <a:effectRef idx="0">
-            <a:schemeClr val="accent1"/>
-          </a:effectRef>
-          <a:fontRef idx="minor">
-            <a:schemeClr val="lt1"/>
-          </a:fontRef>
-        </p:style>
-        <p:txBody>
-          <a:bodyPr rtlCol="0" anchor="ctr"/>
-          <a:lstStyle/>
-          <a:p>
-            <a:pPr algn="ctr"/>
-            <a:endParaRPr lang="en-US"/>
-          </a:p>
-        </p:txBody>
-      </p:sp>
-      <p:sp>
-        <p:nvSpPr>
-          <p:cNvPr id="27" name="Rectangle 26">
-            <a:extLst>
-              <a:ext uri="{FF2B5EF4-FFF2-40B4-BE49-F238E27FC236}">
-                <a16:creationId xmlns:a16="http://schemas.microsoft.com/office/drawing/2014/main" id="{99613B87-411B-4008-BF30-F1A3B8F247B5}"/>
-              </a:ext>
-            </a:extLst>
-          </p:cNvPr>
-          <p:cNvSpPr/>
-          <p:nvPr/>
-        </p:nvSpPr>
-        <p:spPr>
-          <a:xfrm>
-            <a:off x="10085294" y="3490136"/>
-            <a:ext cx="1776920" cy="3367864"/>
-          </a:xfrm>
-          <a:prstGeom prst="rect">
-            <a:avLst/>
-          </a:prstGeom>
-          <a:solidFill>
-            <a:srgbClr val="11B29F"/>
-          </a:solidFill>
-          <a:ln>
-            <a:noFill/>
-          </a:ln>
-        </p:spPr>
-        <p:style>
-          <a:lnRef idx="2">
-            <a:schemeClr val="accent1">
-              <a:shade val="50000"/>
-            </a:schemeClr>
-          </a:lnRef>
-          <a:fillRef idx="1">
-            <a:schemeClr val="accent1"/>
-          </a:fillRef>
-          <a:effectRef idx="0">
-            <a:schemeClr val="accent1"/>
-          </a:effectRef>
-          <a:fontRef idx="minor">
-            <a:schemeClr val="lt1"/>
-          </a:fontRef>
-        </p:style>
-        <p:txBody>
-          <a:bodyPr rtlCol="0" anchor="ctr"/>
-          <a:lstStyle/>
-          <a:p>
-            <a:pPr algn="ctr"/>
-            <a:endParaRPr lang="en-US"/>
-          </a:p>
-        </p:txBody>
-      </p:sp>
-      <p:sp>
-        <p:nvSpPr>
-          <p:cNvPr id="32" name="Rectangle 31">
-            <a:extLst>
-              <a:ext uri="{FF2B5EF4-FFF2-40B4-BE49-F238E27FC236}">
-                <a16:creationId xmlns:a16="http://schemas.microsoft.com/office/drawing/2014/main" id="{145B3BD2-B1C1-4ED2-A4E0-5E17DD3736F1}"/>
-              </a:ext>
-            </a:extLst>
-          </p:cNvPr>
-          <p:cNvSpPr/>
-          <p:nvPr/>
-        </p:nvSpPr>
-        <p:spPr>
-          <a:xfrm rot="19800000">
-            <a:off x="-765351" y="385789"/>
-            <a:ext cx="4026751" cy="269178"/>
-          </a:xfrm>
-          <a:prstGeom prst="rect">
-            <a:avLst/>
-          </a:prstGeom>
-          <a:solidFill>
-            <a:srgbClr val="A71B86"/>
-          </a:solidFill>
-          <a:ln>
-            <a:noFill/>
-          </a:ln>
-        </p:spPr>
-        <p:style>
-          <a:lnRef idx="2">
-            <a:schemeClr val="accent1">
-              <a:shade val="50000"/>
-            </a:schemeClr>
-          </a:lnRef>
-          <a:fillRef idx="1">
-            <a:schemeClr val="accent1"/>
-          </a:fillRef>
-          <a:effectRef idx="0">
-            <a:schemeClr val="accent1"/>
-          </a:effectRef>
-          <a:fontRef idx="minor">
-            <a:schemeClr val="lt1"/>
-          </a:fontRef>
-        </p:style>
-        <p:txBody>
-          <a:bodyPr rtlCol="0" anchor="ctr"/>
-          <a:lstStyle/>
-          <a:p>
-            <a:pPr algn="ctr"/>
-            <a:endParaRPr lang="en-US"/>
-          </a:p>
-        </p:txBody>
-      </p:sp>
-      <p:sp>
-        <p:nvSpPr>
-          <p:cNvPr id="33" name="Rectangle 32">
-            <a:extLst>
-              <a:ext uri="{FF2B5EF4-FFF2-40B4-BE49-F238E27FC236}">
-                <a16:creationId xmlns:a16="http://schemas.microsoft.com/office/drawing/2014/main" id="{DC3B2826-65DD-408B-8F18-8CCD6C052D8D}"/>
-              </a:ext>
-            </a:extLst>
-          </p:cNvPr>
-          <p:cNvSpPr/>
-          <p:nvPr/>
-        </p:nvSpPr>
-        <p:spPr>
-          <a:xfrm rot="19800000">
-            <a:off x="9257156" y="6226296"/>
-            <a:ext cx="4026751" cy="269178"/>
-          </a:xfrm>
-          <a:prstGeom prst="rect">
-            <a:avLst/>
-          </a:prstGeom>
-          <a:solidFill>
-            <a:srgbClr val="A71B86"/>
-          </a:solidFill>
-          <a:ln>
-            <a:noFill/>
-          </a:ln>
-        </p:spPr>
-        <p:style>
-          <a:lnRef idx="2">
-            <a:schemeClr val="accent1">
-              <a:shade val="50000"/>
-            </a:schemeClr>
-          </a:lnRef>
-          <a:fillRef idx="1">
-            <a:schemeClr val="accent1"/>
-          </a:fillRef>
-          <a:effectRef idx="0">
-            <a:schemeClr val="accent1"/>
-          </a:effectRef>
-          <a:fontRef idx="minor">
-            <a:schemeClr val="lt1"/>
-          </a:fontRef>
-        </p:style>
-        <p:txBody>
-          <a:bodyPr rtlCol="0" anchor="ctr"/>
-          <a:lstStyle/>
-          <a:p>
-            <a:pPr algn="ctr"/>
-            <a:endParaRPr lang="en-US"/>
-          </a:p>
-        </p:txBody>
-      </p:sp>
-      <p:sp>
-        <p:nvSpPr>
-          <p:cNvPr id="35" name="Rectangle 34">
-            <a:extLst>
-              <a:ext uri="{FF2B5EF4-FFF2-40B4-BE49-F238E27FC236}">
-                <a16:creationId xmlns:a16="http://schemas.microsoft.com/office/drawing/2014/main" id="{4935F901-F632-4698-8C7A-AC29B2397A6C}"/>
-              </a:ext>
-            </a:extLst>
-          </p:cNvPr>
-          <p:cNvSpPr/>
-          <p:nvPr/>
-        </p:nvSpPr>
-        <p:spPr>
-          <a:xfrm rot="19800000">
-            <a:off x="8263809" y="5824178"/>
-            <a:ext cx="4731177" cy="269178"/>
-          </a:xfrm>
-          <a:prstGeom prst="rect">
-            <a:avLst/>
-          </a:prstGeom>
-          <a:solidFill>
-            <a:srgbClr val="A71B86"/>
-          </a:solidFill>
-          <a:ln>
-            <a:noFill/>
-          </a:ln>
-        </p:spPr>
-        <p:style>
-          <a:lnRef idx="2">
-            <a:schemeClr val="accent1">
-              <a:shade val="50000"/>
-            </a:schemeClr>
-          </a:lnRef>
-          <a:fillRef idx="1">
-            <a:schemeClr val="accent1"/>
-          </a:fillRef>
-          <a:effectRef idx="0">
-            <a:schemeClr val="accent1"/>
-          </a:effectRef>
-          <a:fontRef idx="minor">
-            <a:schemeClr val="lt1"/>
-          </a:fontRef>
-        </p:style>
-        <p:txBody>
-          <a:bodyPr rtlCol="0" anchor="ctr"/>
-          <a:lstStyle/>
-          <a:p>
-            <a:pPr algn="ctr"/>
-            <a:endParaRPr lang="en-US"/>
-          </a:p>
-        </p:txBody>
-      </p:sp>
-      <p:sp>
-        <p:nvSpPr>
-          <p:cNvPr id="36" name="TextBox 35">
-            <a:extLst>
-              <a:ext uri="{FF2B5EF4-FFF2-40B4-BE49-F238E27FC236}">
-                <a16:creationId xmlns:a16="http://schemas.microsoft.com/office/drawing/2014/main" id="{389720C5-6DCB-428D-8C4F-A02DEC239333}"/>
-              </a:ext>
-            </a:extLst>
-          </p:cNvPr>
-          <p:cNvSpPr txBox="1"/>
-          <p:nvPr/>
-        </p:nvSpPr>
-        <p:spPr>
-          <a:xfrm>
-            <a:off x="773935" y="1947592"/>
-            <a:ext cx="8859163" cy="4093428"/>
-          </a:xfrm>
-          <a:prstGeom prst="rect">
-            <a:avLst/>
-          </a:prstGeom>
-          <a:noFill/>
-        </p:spPr>
-        <p:txBody>
-          <a:bodyPr wrap="square" rtlCol="0">
-            <a:spAutoFit/>
-          </a:bodyPr>
-          <a:lstStyle/>
-          <a:p>
-            <a:pPr marL="285750" indent="-285750">
-              <a:buFont typeface="Arial" panose="020B0604020202020204" pitchFamily="34" charset="0"/>
-              <a:buChar char="•"/>
-            </a:pPr>
-            <a:r>
-              <a:rPr lang="en-US" sz="2000" dirty="0">
-                <a:solidFill>
-                  <a:srgbClr val="404040"/>
-                </a:solidFill>
-                <a:latin typeface="Corbel" panose="020B0503020204020204" pitchFamily="34" charset="0"/>
-              </a:rPr>
-              <a:t>Recall the solution the minimal spanning tree problem for the cable example</a:t>
-            </a:r>
-          </a:p>
-          <a:p>
-            <a:pPr marL="285750" indent="-285750">
-              <a:buFont typeface="Arial" panose="020B0604020202020204" pitchFamily="34" charset="0"/>
-              <a:buChar char="•"/>
-            </a:pPr>
-            <a:endParaRPr lang="en-US" sz="2000" dirty="0">
-              <a:solidFill>
-                <a:srgbClr val="404040"/>
-              </a:solidFill>
-              <a:latin typeface="Corbel" panose="020B0503020204020204" pitchFamily="34" charset="0"/>
-            </a:endParaRPr>
-          </a:p>
-          <a:p>
-            <a:pPr marL="285750" indent="-285750">
-              <a:buFont typeface="Arial" panose="020B0604020202020204" pitchFamily="34" charset="0"/>
-              <a:buChar char="•"/>
-            </a:pPr>
-            <a:endParaRPr lang="en-US" sz="2000" dirty="0">
-              <a:solidFill>
-                <a:srgbClr val="404040"/>
-              </a:solidFill>
-              <a:latin typeface="Corbel" panose="020B0503020204020204" pitchFamily="34" charset="0"/>
-            </a:endParaRPr>
-          </a:p>
-          <a:p>
-            <a:pPr marL="285750" indent="-285750">
-              <a:buFont typeface="Arial" panose="020B0604020202020204" pitchFamily="34" charset="0"/>
-              <a:buChar char="•"/>
-            </a:pPr>
-            <a:endParaRPr lang="en-US" sz="2000" dirty="0">
-              <a:solidFill>
-                <a:srgbClr val="404040"/>
-              </a:solidFill>
-              <a:latin typeface="Corbel" panose="020B0503020204020204" pitchFamily="34" charset="0"/>
-            </a:endParaRPr>
-          </a:p>
-          <a:p>
-            <a:pPr marL="285750" indent="-285750">
-              <a:buFont typeface="Arial" panose="020B0604020202020204" pitchFamily="34" charset="0"/>
-              <a:buChar char="•"/>
-            </a:pPr>
-            <a:endParaRPr lang="en-US" sz="2000" dirty="0">
-              <a:solidFill>
-                <a:srgbClr val="404040"/>
-              </a:solidFill>
-              <a:latin typeface="Corbel" panose="020B0503020204020204" pitchFamily="34" charset="0"/>
-            </a:endParaRPr>
-          </a:p>
-          <a:p>
-            <a:pPr marL="285750" indent="-285750">
-              <a:buFont typeface="Arial" panose="020B0604020202020204" pitchFamily="34" charset="0"/>
-              <a:buChar char="•"/>
-            </a:pPr>
-            <a:endParaRPr lang="en-US" sz="2000" dirty="0">
-              <a:solidFill>
-                <a:srgbClr val="404040"/>
-              </a:solidFill>
-              <a:latin typeface="Corbel" panose="020B0503020204020204" pitchFamily="34" charset="0"/>
-            </a:endParaRPr>
-          </a:p>
-          <a:p>
-            <a:pPr marL="285750" indent="-285750">
-              <a:buFont typeface="Arial" panose="020B0604020202020204" pitchFamily="34" charset="0"/>
-              <a:buChar char="•"/>
-            </a:pPr>
-            <a:endParaRPr lang="en-US" sz="2000" dirty="0">
-              <a:solidFill>
-                <a:srgbClr val="404040"/>
-              </a:solidFill>
-              <a:latin typeface="Corbel" panose="020B0503020204020204" pitchFamily="34" charset="0"/>
-            </a:endParaRPr>
-          </a:p>
-          <a:p>
-            <a:pPr marL="285750" indent="-285750">
-              <a:buFont typeface="Arial" panose="020B0604020202020204" pitchFamily="34" charset="0"/>
-              <a:buChar char="•"/>
-            </a:pPr>
-            <a:endParaRPr lang="en-US" sz="2000" dirty="0">
-              <a:solidFill>
-                <a:srgbClr val="404040"/>
-              </a:solidFill>
-              <a:latin typeface="Corbel" panose="020B0503020204020204" pitchFamily="34" charset="0"/>
-            </a:endParaRPr>
-          </a:p>
-          <a:p>
-            <a:pPr marL="285750" indent="-285750">
-              <a:buFont typeface="Arial" panose="020B0604020202020204" pitchFamily="34" charset="0"/>
-              <a:buChar char="•"/>
-            </a:pPr>
-            <a:endParaRPr lang="en-US" sz="2000" dirty="0">
-              <a:solidFill>
-                <a:srgbClr val="404040"/>
-              </a:solidFill>
-              <a:latin typeface="Corbel" panose="020B0503020204020204" pitchFamily="34" charset="0"/>
-            </a:endParaRPr>
-          </a:p>
-          <a:p>
-            <a:pPr marL="285750" indent="-285750">
-              <a:buFont typeface="Arial" panose="020B0604020202020204" pitchFamily="34" charset="0"/>
-              <a:buChar char="•"/>
-            </a:pPr>
-            <a:endParaRPr lang="en-US" sz="2000" dirty="0">
-              <a:solidFill>
-                <a:srgbClr val="404040"/>
-              </a:solidFill>
-              <a:latin typeface="Corbel" panose="020B0503020204020204" pitchFamily="34" charset="0"/>
-            </a:endParaRPr>
-          </a:p>
-          <a:p>
-            <a:pPr marL="285750" indent="-285750">
-              <a:buFont typeface="Arial" panose="020B0604020202020204" pitchFamily="34" charset="0"/>
-              <a:buChar char="•"/>
-            </a:pPr>
-            <a:endParaRPr lang="en-US" sz="2000" dirty="0">
-              <a:solidFill>
-                <a:srgbClr val="404040"/>
-              </a:solidFill>
-              <a:latin typeface="Corbel" panose="020B0503020204020204" pitchFamily="34" charset="0"/>
-            </a:endParaRPr>
-          </a:p>
-          <a:p>
-            <a:pPr marL="285750" indent="-285750">
-              <a:buFont typeface="Arial" panose="020B0604020202020204" pitchFamily="34" charset="0"/>
-              <a:buChar char="•"/>
-            </a:pPr>
-            <a:r>
-              <a:rPr lang="en-US" sz="2000" dirty="0">
-                <a:solidFill>
-                  <a:srgbClr val="404040"/>
-                </a:solidFill>
-                <a:latin typeface="Corbel" panose="020B0503020204020204" pitchFamily="34" charset="0"/>
-              </a:rPr>
-              <a:t>Length of the minimal spanning tree is the sum of lengths of chosen edges</a:t>
-            </a:r>
-          </a:p>
-          <a:p>
-            <a:pPr marL="742950" lvl="1" indent="-285750">
-              <a:buFont typeface="Arial" panose="020B0604020202020204" pitchFamily="34" charset="0"/>
-              <a:buChar char="•"/>
-            </a:pPr>
-            <a:endParaRPr lang="en-US" sz="2000" dirty="0">
-              <a:solidFill>
-                <a:srgbClr val="404040"/>
-              </a:solidFill>
-              <a:latin typeface="Corbel" panose="020B0503020204020204" pitchFamily="34" charset="0"/>
-            </a:endParaRPr>
-          </a:p>
-        </p:txBody>
-      </p:sp>
-      <p:pic>
-        <p:nvPicPr>
-          <p:cNvPr id="37" name="Graphic 36" descr="Palm tree">
-            <a:extLst>
-              <a:ext uri="{FF2B5EF4-FFF2-40B4-BE49-F238E27FC236}">
-                <a16:creationId xmlns:a16="http://schemas.microsoft.com/office/drawing/2014/main" id="{79F2EC1B-9713-4CCF-8301-82ED265F3940}"/>
-              </a:ext>
-            </a:extLst>
-          </p:cNvPr>
-          <p:cNvPicPr>
-            <a:picLocks noChangeAspect="1"/>
-          </p:cNvPicPr>
-          <p:nvPr/>
-        </p:nvPicPr>
-        <p:blipFill>
-          <a:blip r:embed="rId4">
-            <a:extLst>
-              <a:ext uri="{28A0092B-C50C-407E-A947-70E740481C1C}">
-                <a14:useLocalDpi xmlns:a14="http://schemas.microsoft.com/office/drawing/2010/main" val="0"/>
-              </a:ext>
-              <a:ext uri="{96DAC541-7B7A-43D3-8B79-37D633B846F1}">
-                <asvg:svgBlip xmlns:asvg="http://schemas.microsoft.com/office/drawing/2016/SVG/main" r:embed="rId5"/>
-              </a:ext>
-            </a:extLst>
-          </a:blip>
-          <a:stretch>
-            <a:fillRect/>
-          </a:stretch>
-        </p:blipFill>
-        <p:spPr>
-          <a:xfrm>
-            <a:off x="8964994" y="809490"/>
-            <a:ext cx="914400" cy="914400"/>
-          </a:xfrm>
-          <a:prstGeom prst="rect">
-            <a:avLst/>
-          </a:prstGeom>
-        </p:spPr>
-      </p:pic>
-      <p:pic>
-        <p:nvPicPr>
-          <p:cNvPr id="38" name="Graphic 37" descr="Palm tree">
-            <a:extLst>
-              <a:ext uri="{FF2B5EF4-FFF2-40B4-BE49-F238E27FC236}">
-                <a16:creationId xmlns:a16="http://schemas.microsoft.com/office/drawing/2014/main" id="{11C9CA6F-B5F0-4837-8E50-85C201ADA4F1}"/>
-              </a:ext>
-            </a:extLst>
-          </p:cNvPr>
-          <p:cNvPicPr>
-            <a:picLocks noChangeAspect="1"/>
-          </p:cNvPicPr>
-          <p:nvPr/>
-        </p:nvPicPr>
-        <p:blipFill>
-          <a:blip r:embed="rId4">
-            <a:extLst>
-              <a:ext uri="{28A0092B-C50C-407E-A947-70E740481C1C}">
-                <a14:useLocalDpi xmlns:a14="http://schemas.microsoft.com/office/drawing/2010/main" val="0"/>
-              </a:ext>
-              <a:ext uri="{96DAC541-7B7A-43D3-8B79-37D633B846F1}">
-                <asvg:svgBlip xmlns:asvg="http://schemas.microsoft.com/office/drawing/2016/SVG/main" r:embed="rId5"/>
-              </a:ext>
-            </a:extLst>
-          </a:blip>
-          <a:stretch>
-            <a:fillRect/>
-          </a:stretch>
-        </p:blipFill>
-        <p:spPr>
-          <a:xfrm>
-            <a:off x="8834542" y="1142112"/>
-            <a:ext cx="553133" cy="553133"/>
-          </a:xfrm>
-          <a:prstGeom prst="rect">
-            <a:avLst/>
-          </a:prstGeom>
-        </p:spPr>
-      </p:pic>
-      <p:pic>
-        <p:nvPicPr>
-          <p:cNvPr id="39" name="Graphic 38" descr="Palm tree">
-            <a:extLst>
-              <a:ext uri="{FF2B5EF4-FFF2-40B4-BE49-F238E27FC236}">
-                <a16:creationId xmlns:a16="http://schemas.microsoft.com/office/drawing/2014/main" id="{585AC1AD-01C8-4E2D-8361-4BEA62A48584}"/>
-              </a:ext>
-            </a:extLst>
-          </p:cNvPr>
-          <p:cNvPicPr>
-            <a:picLocks noChangeAspect="1"/>
-          </p:cNvPicPr>
-          <p:nvPr/>
-        </p:nvPicPr>
-        <p:blipFill>
-          <a:blip r:embed="rId4">
-            <a:extLst>
-              <a:ext uri="{28A0092B-C50C-407E-A947-70E740481C1C}">
-                <a14:useLocalDpi xmlns:a14="http://schemas.microsoft.com/office/drawing/2010/main" val="0"/>
-              </a:ext>
-              <a:ext uri="{96DAC541-7B7A-43D3-8B79-37D633B846F1}">
-                <asvg:svgBlip xmlns:asvg="http://schemas.microsoft.com/office/drawing/2016/SVG/main" r:embed="rId5"/>
-              </a:ext>
-            </a:extLst>
-          </a:blip>
-          <a:stretch>
-            <a:fillRect/>
-          </a:stretch>
-        </p:blipFill>
-        <p:spPr>
-          <a:xfrm>
-            <a:off x="9387675" y="1277468"/>
-            <a:ext cx="404329" cy="404329"/>
-          </a:xfrm>
-          <a:prstGeom prst="rect">
-            <a:avLst/>
-          </a:prstGeom>
-        </p:spPr>
-      </p:pic>
-      <p:pic>
-        <p:nvPicPr>
-          <p:cNvPr id="3" name="Picture 2">
-            <a:extLst>
-              <a:ext uri="{FF2B5EF4-FFF2-40B4-BE49-F238E27FC236}">
-                <a16:creationId xmlns:a16="http://schemas.microsoft.com/office/drawing/2014/main" id="{F961354E-72A0-4D1F-A142-123168DA961B}"/>
-              </a:ext>
-            </a:extLst>
-          </p:cNvPr>
-          <p:cNvPicPr>
-            <a:picLocks noChangeAspect="1"/>
-          </p:cNvPicPr>
-          <p:nvPr/>
-        </p:nvPicPr>
-        <p:blipFill>
-          <a:blip r:embed="rId6"/>
-          <a:stretch>
-            <a:fillRect/>
-          </a:stretch>
-        </p:blipFill>
-        <p:spPr>
-          <a:xfrm>
-            <a:off x="1196411" y="2460839"/>
-            <a:ext cx="5514975" cy="2562225"/>
-          </a:xfrm>
-          <a:prstGeom prst="rect">
-            <a:avLst/>
-          </a:prstGeom>
-          <a:ln w="38100">
-            <a:solidFill>
-              <a:srgbClr val="11B29F"/>
-            </a:solidFill>
-          </a:ln>
-          <a:effectLst>
-            <a:outerShdw blurRad="292100" dist="139700" dir="2700000" algn="tl" rotWithShape="0">
-              <a:srgbClr val="333333">
-                <a:alpha val="65000"/>
-              </a:srgbClr>
-            </a:outerShdw>
-          </a:effectLst>
-        </p:spPr>
-      </p:pic>
-      <mc:AlternateContent xmlns:mc="http://schemas.openxmlformats.org/markup-compatibility/2006">
-        <mc:Choice xmlns:a14="http://schemas.microsoft.com/office/drawing/2010/main" Requires="a14">
-          <p:sp>
-            <p:nvSpPr>
-              <p:cNvPr id="6" name="TextBox 5">
-                <a:extLst>
-                  <a:ext uri="{FF2B5EF4-FFF2-40B4-BE49-F238E27FC236}">
-                    <a16:creationId xmlns:a16="http://schemas.microsoft.com/office/drawing/2014/main" id="{292368F2-1640-4F82-BAE8-BD174DF29824}"/>
-                  </a:ext>
-                </a:extLst>
-              </p:cNvPr>
-              <p:cNvSpPr txBox="1"/>
-              <p:nvPr/>
-            </p:nvSpPr>
-            <p:spPr>
-              <a:xfrm>
-                <a:off x="924606" y="5671663"/>
-                <a:ext cx="4060303" cy="400110"/>
-              </a:xfrm>
-              <a:prstGeom prst="rect">
-                <a:avLst/>
-              </a:prstGeom>
-              <a:noFill/>
-            </p:spPr>
-            <p:txBody>
-              <a:bodyPr wrap="square" rtlCol="0">
-                <a:spAutoFit/>
-              </a:bodyPr>
-              <a:lstStyle/>
-              <a:p>
-                <a:pPr/>
-                <a14:m>
-                  <m:oMathPara xmlns:m="http://schemas.openxmlformats.org/officeDocument/2006/math">
-                    <m:oMathParaPr>
-                      <m:jc m:val="centerGroup"/>
-                    </m:oMathParaPr>
-                    <m:oMath xmlns:m="http://schemas.openxmlformats.org/officeDocument/2006/math">
-                      <m:r>
-                        <a:rPr lang="en-US" sz="2000" b="0" i="1" smtClean="0">
-                          <a:latin typeface="Cambria Math" panose="02040503050406030204" pitchFamily="18" charset="0"/>
-                        </a:rPr>
-                        <m:t>9+15+12+14+8+14=72</m:t>
-                      </m:r>
-                    </m:oMath>
-                  </m:oMathPara>
-                </a14:m>
-                <a:endParaRPr lang="en-US" sz="2000" b="0" dirty="0"/>
-              </a:p>
-            </p:txBody>
-          </p:sp>
-        </mc:Choice>
-        <mc:Fallback>
-          <p:sp>
-            <p:nvSpPr>
-              <p:cNvPr id="6" name="TextBox 5">
-                <a:extLst>
-                  <a:ext uri="{FF2B5EF4-FFF2-40B4-BE49-F238E27FC236}">
-                    <a16:creationId xmlns:a16="http://schemas.microsoft.com/office/drawing/2014/main" id="{292368F2-1640-4F82-BAE8-BD174DF29824}"/>
-                  </a:ext>
-                </a:extLst>
-              </p:cNvPr>
-              <p:cNvSpPr txBox="1">
-                <a:spLocks noRot="1" noChangeAspect="1" noMove="1" noResize="1" noEditPoints="1" noAdjustHandles="1" noChangeArrowheads="1" noChangeShapeType="1" noTextEdit="1"/>
-              </p:cNvSpPr>
-              <p:nvPr/>
-            </p:nvSpPr>
-            <p:spPr>
-              <a:xfrm>
-                <a:off x="924606" y="5671663"/>
-                <a:ext cx="4060303" cy="400110"/>
-              </a:xfrm>
-              <a:prstGeom prst="rect">
-                <a:avLst/>
-              </a:prstGeom>
-              <a:blipFill>
-                <a:blip r:embed="rId7"/>
-                <a:stretch>
-                  <a:fillRect/>
-                </a:stretch>
-              </a:blipFill>
-            </p:spPr>
-            <p:txBody>
-              <a:bodyPr/>
-              <a:lstStyle/>
-              <a:p>
-                <a:r>
-                  <a:rPr lang="en-US">
-                    <a:noFill/>
-                  </a:rPr>
-                  <a:t> </a:t>
-                </a:r>
-              </a:p>
-            </p:txBody>
-          </p:sp>
-        </mc:Fallback>
-      </mc:AlternateContent>
-      <p:cxnSp>
-        <p:nvCxnSpPr>
-          <p:cNvPr id="8" name="Straight Connector 7">
-            <a:extLst>
-              <a:ext uri="{FF2B5EF4-FFF2-40B4-BE49-F238E27FC236}">
-                <a16:creationId xmlns:a16="http://schemas.microsoft.com/office/drawing/2014/main" id="{85CE96D6-618F-4C5B-B152-77EBA306C5CF}"/>
-              </a:ext>
-            </a:extLst>
-          </p:cNvPr>
-          <p:cNvCxnSpPr/>
-          <p:nvPr/>
-        </p:nvCxnSpPr>
-        <p:spPr>
-          <a:xfrm>
-            <a:off x="1763571" y="3923308"/>
-            <a:ext cx="1069041" cy="511414"/>
-          </a:xfrm>
-          <a:prstGeom prst="line">
-            <a:avLst/>
-          </a:prstGeom>
-          <a:ln w="76200">
-            <a:solidFill>
-              <a:srgbClr val="A71B86"/>
-            </a:solidFill>
-          </a:ln>
-        </p:spPr>
-        <p:style>
-          <a:lnRef idx="1">
-            <a:schemeClr val="accent1"/>
-          </a:lnRef>
-          <a:fillRef idx="0">
-            <a:schemeClr val="accent1"/>
-          </a:fillRef>
-          <a:effectRef idx="0">
-            <a:schemeClr val="accent1"/>
-          </a:effectRef>
-          <a:fontRef idx="minor">
-            <a:schemeClr val="tx1"/>
-          </a:fontRef>
-        </p:style>
-      </p:cxnSp>
-      <p:cxnSp>
-        <p:nvCxnSpPr>
-          <p:cNvPr id="29" name="Straight Connector 28">
-            <a:extLst>
-              <a:ext uri="{FF2B5EF4-FFF2-40B4-BE49-F238E27FC236}">
-                <a16:creationId xmlns:a16="http://schemas.microsoft.com/office/drawing/2014/main" id="{C96A7302-F16F-408E-B83C-FA052C4F754E}"/>
-              </a:ext>
-            </a:extLst>
-          </p:cNvPr>
-          <p:cNvCxnSpPr>
-            <a:cxnSpLocks/>
-          </p:cNvCxnSpPr>
-          <p:nvPr/>
-        </p:nvCxnSpPr>
-        <p:spPr>
-          <a:xfrm>
-            <a:off x="3435487" y="2838205"/>
-            <a:ext cx="593911" cy="506893"/>
-          </a:xfrm>
-          <a:prstGeom prst="line">
-            <a:avLst/>
-          </a:prstGeom>
-          <a:ln w="76200">
-            <a:solidFill>
-              <a:srgbClr val="A71B86"/>
-            </a:solidFill>
-          </a:ln>
-        </p:spPr>
-        <p:style>
-          <a:lnRef idx="1">
-            <a:schemeClr val="accent1"/>
-          </a:lnRef>
-          <a:fillRef idx="0">
-            <a:schemeClr val="accent1"/>
-          </a:fillRef>
-          <a:effectRef idx="0">
-            <a:schemeClr val="accent1"/>
-          </a:effectRef>
-          <a:fontRef idx="minor">
-            <a:schemeClr val="tx1"/>
-          </a:fontRef>
-        </p:style>
-      </p:cxnSp>
-      <p:cxnSp>
-        <p:nvCxnSpPr>
-          <p:cNvPr id="30" name="Straight Connector 29">
-            <a:extLst>
-              <a:ext uri="{FF2B5EF4-FFF2-40B4-BE49-F238E27FC236}">
-                <a16:creationId xmlns:a16="http://schemas.microsoft.com/office/drawing/2014/main" id="{6FC0BAB5-5123-4BCD-8359-AAA29E44DAA2}"/>
-              </a:ext>
-            </a:extLst>
-          </p:cNvPr>
-          <p:cNvCxnSpPr>
-            <a:cxnSpLocks/>
-          </p:cNvCxnSpPr>
-          <p:nvPr/>
-        </p:nvCxnSpPr>
-        <p:spPr>
-          <a:xfrm flipV="1">
-            <a:off x="3148629" y="3600571"/>
-            <a:ext cx="955457" cy="784699"/>
-          </a:xfrm>
-          <a:prstGeom prst="line">
-            <a:avLst/>
-          </a:prstGeom>
-          <a:ln w="76200">
-            <a:solidFill>
-              <a:srgbClr val="A71B86"/>
-            </a:solidFill>
-          </a:ln>
-        </p:spPr>
-        <p:style>
-          <a:lnRef idx="1">
-            <a:schemeClr val="accent1"/>
-          </a:lnRef>
-          <a:fillRef idx="0">
-            <a:schemeClr val="accent1"/>
-          </a:fillRef>
-          <a:effectRef idx="0">
-            <a:schemeClr val="accent1"/>
-          </a:effectRef>
-          <a:fontRef idx="minor">
-            <a:schemeClr val="tx1"/>
-          </a:fontRef>
-        </p:style>
-      </p:cxnSp>
-      <p:cxnSp>
-        <p:nvCxnSpPr>
-          <p:cNvPr id="31" name="Straight Connector 30">
-            <a:extLst>
-              <a:ext uri="{FF2B5EF4-FFF2-40B4-BE49-F238E27FC236}">
-                <a16:creationId xmlns:a16="http://schemas.microsoft.com/office/drawing/2014/main" id="{38DEAABC-341B-4A3C-98A8-BFE1C67A8B1B}"/>
-              </a:ext>
-            </a:extLst>
-          </p:cNvPr>
-          <p:cNvCxnSpPr>
-            <a:cxnSpLocks/>
-          </p:cNvCxnSpPr>
-          <p:nvPr/>
-        </p:nvCxnSpPr>
-        <p:spPr>
-          <a:xfrm flipV="1">
-            <a:off x="4345415" y="2982402"/>
-            <a:ext cx="665620" cy="398822"/>
-          </a:xfrm>
-          <a:prstGeom prst="line">
-            <a:avLst/>
-          </a:prstGeom>
-          <a:ln w="76200">
-            <a:solidFill>
-              <a:srgbClr val="A71B86"/>
-            </a:solidFill>
-          </a:ln>
-        </p:spPr>
-        <p:style>
-          <a:lnRef idx="1">
-            <a:schemeClr val="accent1"/>
-          </a:lnRef>
-          <a:fillRef idx="0">
-            <a:schemeClr val="accent1"/>
-          </a:fillRef>
-          <a:effectRef idx="0">
-            <a:schemeClr val="accent1"/>
-          </a:effectRef>
-          <a:fontRef idx="minor">
-            <a:schemeClr val="tx1"/>
-          </a:fontRef>
-        </p:style>
-      </p:cxnSp>
-      <p:cxnSp>
-        <p:nvCxnSpPr>
-          <p:cNvPr id="40" name="Straight Connector 39">
-            <a:extLst>
-              <a:ext uri="{FF2B5EF4-FFF2-40B4-BE49-F238E27FC236}">
-                <a16:creationId xmlns:a16="http://schemas.microsoft.com/office/drawing/2014/main" id="{3CD6223C-D1D4-4254-8827-C0CDD6251FCD}"/>
-              </a:ext>
-            </a:extLst>
-          </p:cNvPr>
-          <p:cNvCxnSpPr>
-            <a:cxnSpLocks/>
-          </p:cNvCxnSpPr>
-          <p:nvPr/>
-        </p:nvCxnSpPr>
-        <p:spPr>
-          <a:xfrm>
-            <a:off x="5319136" y="2941676"/>
-            <a:ext cx="981624" cy="692523"/>
-          </a:xfrm>
-          <a:prstGeom prst="line">
-            <a:avLst/>
-          </a:prstGeom>
-          <a:ln w="76200">
-            <a:solidFill>
-              <a:srgbClr val="A71B86"/>
-            </a:solidFill>
-          </a:ln>
-        </p:spPr>
-        <p:style>
-          <a:lnRef idx="1">
-            <a:schemeClr val="accent1"/>
-          </a:lnRef>
-          <a:fillRef idx="0">
-            <a:schemeClr val="accent1"/>
-          </a:fillRef>
-          <a:effectRef idx="0">
-            <a:schemeClr val="accent1"/>
-          </a:effectRef>
-          <a:fontRef idx="minor">
-            <a:schemeClr val="tx1"/>
-          </a:fontRef>
-        </p:style>
-      </p:cxnSp>
-      <p:cxnSp>
-        <p:nvCxnSpPr>
-          <p:cNvPr id="41" name="Straight Connector 40">
-            <a:extLst>
-              <a:ext uri="{FF2B5EF4-FFF2-40B4-BE49-F238E27FC236}">
-                <a16:creationId xmlns:a16="http://schemas.microsoft.com/office/drawing/2014/main" id="{D214B847-5068-4FBE-9970-1B74864F6D1C}"/>
-              </a:ext>
-            </a:extLst>
-          </p:cNvPr>
-          <p:cNvCxnSpPr>
-            <a:cxnSpLocks/>
-          </p:cNvCxnSpPr>
-          <p:nvPr/>
-        </p:nvCxnSpPr>
-        <p:spPr>
-          <a:xfrm flipV="1">
-            <a:off x="5461820" y="3883356"/>
-            <a:ext cx="865836" cy="743686"/>
-          </a:xfrm>
-          <a:prstGeom prst="line">
-            <a:avLst/>
-          </a:prstGeom>
-          <a:ln w="76200">
-            <a:solidFill>
-              <a:srgbClr val="A71B86"/>
-            </a:solidFill>
-          </a:ln>
-        </p:spPr>
-        <p:style>
-          <a:lnRef idx="1">
-            <a:schemeClr val="accent1"/>
-          </a:lnRef>
-          <a:fillRef idx="0">
-            <a:schemeClr val="accent1"/>
-          </a:fillRef>
-          <a:effectRef idx="0">
-            <a:schemeClr val="accent1"/>
-          </a:effectRef>
-          <a:fontRef idx="minor">
-            <a:schemeClr val="tx1"/>
-          </a:fontRef>
-        </p:style>
-      </p:cxnSp>
-    </p:spTree>
-    <p:extLst>
-      <p:ext uri="{BB962C8B-B14F-4D97-AF65-F5344CB8AC3E}">
-        <p14:creationId xmlns:p14="http://schemas.microsoft.com/office/powerpoint/2010/main" val="2751095"/>
-      </p:ext>
-    </p:extLst>
-  </p:cSld>
-  <p:clrMapOvr>
-    <a:masterClrMapping/>
-  </p:clrMapOvr>
-</p:sld>
-</file>
-
-<file path=ppt/slides/slide20.xml><?xml version="1.0" encoding="utf-8"?>
+<file path=ppt/slides/slide19.xml><?xml version="1.0" encoding="utf-8"?>
 <p:sld xmlns:a="http://schemas.openxmlformats.org/drawingml/2006/main" xmlns:r="http://schemas.openxmlformats.org/officeDocument/2006/relationships" xmlns:p="http://schemas.openxmlformats.org/presentationml/2006/main">
   <p:cSld>
     <p:spTree>
@@ -27435,7 +24832,1479 @@
 </p:sld>
 </file>
 
-<file path=ppt/slides/slide21.xml><?xml version="1.0" encoding="utf-8"?>
+<file path=ppt/slides/slide2.xml><?xml version="1.0" encoding="utf-8"?>
+<p:sld xmlns:a="http://schemas.openxmlformats.org/drawingml/2006/main" xmlns:r="http://schemas.openxmlformats.org/officeDocument/2006/relationships" xmlns:p="http://schemas.openxmlformats.org/presentationml/2006/main">
+  <p:cSld>
+    <p:spTree>
+      <p:nvGrpSpPr>
+        <p:cNvPr id="1" name=""/>
+        <p:cNvGrpSpPr/>
+        <p:nvPr/>
+      </p:nvGrpSpPr>
+      <p:grpSpPr>
+        <a:xfrm>
+          <a:off x="0" y="0"/>
+          <a:ext cx="0" cy="0"/>
+          <a:chOff x="0" y="0"/>
+          <a:chExt cx="0" cy="0"/>
+        </a:xfrm>
+      </p:grpSpPr>
+      <p:sp>
+        <p:nvSpPr>
+          <p:cNvPr id="28" name="Rectangle 27">
+            <a:extLst>
+              <a:ext uri="{FF2B5EF4-FFF2-40B4-BE49-F238E27FC236}">
+                <a16:creationId xmlns:a16="http://schemas.microsoft.com/office/drawing/2014/main" id="{1568D3DA-67F7-464C-95FF-D7D56F4038D6}"/>
+              </a:ext>
+            </a:extLst>
+          </p:cNvPr>
+          <p:cNvSpPr/>
+          <p:nvPr/>
+        </p:nvSpPr>
+        <p:spPr>
+          <a:xfrm rot="19800000">
+            <a:off x="-597297" y="674901"/>
+            <a:ext cx="4026751" cy="269178"/>
+          </a:xfrm>
+          <a:prstGeom prst="rect">
+            <a:avLst/>
+          </a:prstGeom>
+          <a:solidFill>
+            <a:srgbClr val="A71B86"/>
+          </a:solidFill>
+          <a:ln>
+            <a:noFill/>
+          </a:ln>
+        </p:spPr>
+        <p:style>
+          <a:lnRef idx="2">
+            <a:schemeClr val="accent1">
+              <a:shade val="50000"/>
+            </a:schemeClr>
+          </a:lnRef>
+          <a:fillRef idx="1">
+            <a:schemeClr val="accent1"/>
+          </a:fillRef>
+          <a:effectRef idx="0">
+            <a:schemeClr val="accent1"/>
+          </a:effectRef>
+          <a:fontRef idx="minor">
+            <a:schemeClr val="lt1"/>
+          </a:fontRef>
+        </p:style>
+        <p:txBody>
+          <a:bodyPr rtlCol="0" anchor="ctr"/>
+          <a:lstStyle/>
+          <a:p>
+            <a:pPr algn="ctr"/>
+            <a:endParaRPr lang="en-US"/>
+          </a:p>
+        </p:txBody>
+      </p:sp>
+      <p:pic>
+        <p:nvPicPr>
+          <p:cNvPr id="11" name="Picture 10" descr="A large body of water&#10;&#10;Description automatically generated">
+            <a:extLst>
+              <a:ext uri="{FF2B5EF4-FFF2-40B4-BE49-F238E27FC236}">
+                <a16:creationId xmlns:a16="http://schemas.microsoft.com/office/drawing/2014/main" id="{B83B0471-BE25-41B4-B185-53BEB6528B89}"/>
+              </a:ext>
+            </a:extLst>
+          </p:cNvPr>
+          <p:cNvPicPr>
+            <a:picLocks noChangeAspect="1"/>
+          </p:cNvPicPr>
+          <p:nvPr/>
+        </p:nvPicPr>
+        <p:blipFill rotWithShape="1">
+          <a:blip r:embed="rId2">
+            <a:alphaModFix amt="20000"/>
+            <a:extLst>
+              <a:ext uri="{28A0092B-C50C-407E-A947-70E740481C1C}">
+                <a14:useLocalDpi xmlns:a14="http://schemas.microsoft.com/office/drawing/2010/main" val="0"/>
+              </a:ext>
+            </a:extLst>
+          </a:blip>
+          <a:srcRect t="34654" b="43573"/>
+          <a:stretch/>
+        </p:blipFill>
+        <p:spPr>
+          <a:xfrm>
+            <a:off x="773935" y="442465"/>
+            <a:ext cx="9018070" cy="1308226"/>
+          </a:xfrm>
+          <a:prstGeom prst="rect">
+            <a:avLst/>
+          </a:prstGeom>
+        </p:spPr>
+      </p:pic>
+      <p:sp>
+        <p:nvSpPr>
+          <p:cNvPr id="34" name="Rectangle 33">
+            <a:extLst>
+              <a:ext uri="{FF2B5EF4-FFF2-40B4-BE49-F238E27FC236}">
+                <a16:creationId xmlns:a16="http://schemas.microsoft.com/office/drawing/2014/main" id="{BFE7775A-1FAD-4E84-8B9E-DA4B39640B5E}"/>
+              </a:ext>
+            </a:extLst>
+          </p:cNvPr>
+          <p:cNvSpPr/>
+          <p:nvPr/>
+        </p:nvSpPr>
+        <p:spPr>
+          <a:xfrm rot="19800000">
+            <a:off x="9089102" y="5937184"/>
+            <a:ext cx="4026751" cy="269178"/>
+          </a:xfrm>
+          <a:prstGeom prst="rect">
+            <a:avLst/>
+          </a:prstGeom>
+          <a:solidFill>
+            <a:srgbClr val="A71B86"/>
+          </a:solidFill>
+          <a:ln>
+            <a:noFill/>
+          </a:ln>
+        </p:spPr>
+        <p:style>
+          <a:lnRef idx="2">
+            <a:schemeClr val="accent1">
+              <a:shade val="50000"/>
+            </a:schemeClr>
+          </a:lnRef>
+          <a:fillRef idx="1">
+            <a:schemeClr val="accent1"/>
+          </a:fillRef>
+          <a:effectRef idx="0">
+            <a:schemeClr val="accent1"/>
+          </a:effectRef>
+          <a:fontRef idx="minor">
+            <a:schemeClr val="lt1"/>
+          </a:fontRef>
+        </p:style>
+        <p:txBody>
+          <a:bodyPr rtlCol="0" anchor="ctr"/>
+          <a:lstStyle/>
+          <a:p>
+            <a:pPr algn="ctr"/>
+            <a:endParaRPr lang="en-US"/>
+          </a:p>
+        </p:txBody>
+      </p:sp>
+      <p:sp>
+        <p:nvSpPr>
+          <p:cNvPr id="2" name="Title 1">
+            <a:extLst>
+              <a:ext uri="{FF2B5EF4-FFF2-40B4-BE49-F238E27FC236}">
+                <a16:creationId xmlns:a16="http://schemas.microsoft.com/office/drawing/2014/main" id="{95D79E09-6E77-4F87-B358-F18D99FA343D}"/>
+              </a:ext>
+            </a:extLst>
+          </p:cNvPr>
+          <p:cNvSpPr>
+            <a:spLocks noGrp="1"/>
+          </p:cNvSpPr>
+          <p:nvPr>
+            <p:ph type="title"/>
+          </p:nvPr>
+        </p:nvSpPr>
+        <p:spPr>
+          <a:xfrm>
+            <a:off x="773934" y="425128"/>
+            <a:ext cx="9018070" cy="1325563"/>
+          </a:xfrm>
+          <a:noFill/>
+          <a:ln w="76200">
+            <a:solidFill>
+              <a:srgbClr val="11B29F"/>
+            </a:solidFill>
+          </a:ln>
+        </p:spPr>
+        <p:txBody>
+          <a:bodyPr/>
+          <a:lstStyle/>
+          <a:p>
+            <a:pPr algn="ctr"/>
+            <a:r>
+              <a:rPr lang="en-US" dirty="0">
+                <a:solidFill>
+                  <a:srgbClr val="404040"/>
+                </a:solidFill>
+                <a:latin typeface="Bodoni MT" panose="02070603080606020203" pitchFamily="18" charset="0"/>
+              </a:rPr>
+              <a:t>Ex: Cable Company</a:t>
+            </a:r>
+          </a:p>
+        </p:txBody>
+      </p:sp>
+      <p:pic>
+        <p:nvPicPr>
+          <p:cNvPr id="5" name="Content Placeholder 4" descr="A picture containing cage&#10;&#10;Description automatically generated">
+            <a:extLst>
+              <a:ext uri="{FF2B5EF4-FFF2-40B4-BE49-F238E27FC236}">
+                <a16:creationId xmlns:a16="http://schemas.microsoft.com/office/drawing/2014/main" id="{EF817497-4F98-4236-83EE-74FD8376B077}"/>
+              </a:ext>
+            </a:extLst>
+          </p:cNvPr>
+          <p:cNvPicPr>
+            <a:picLocks noGrp="1" noChangeAspect="1"/>
+          </p:cNvPicPr>
+          <p:nvPr>
+            <p:ph idx="1"/>
+          </p:nvPr>
+        </p:nvPicPr>
+        <p:blipFill>
+          <a:blip r:embed="rId3">
+            <a:extLst>
+              <a:ext uri="{28A0092B-C50C-407E-A947-70E740481C1C}">
+                <a14:useLocalDpi xmlns:a14="http://schemas.microsoft.com/office/drawing/2010/main" val="0"/>
+              </a:ext>
+            </a:extLst>
+          </a:blip>
+          <a:stretch>
+            <a:fillRect/>
+          </a:stretch>
+        </p:blipFill>
+        <p:spPr>
+          <a:xfrm>
+            <a:off x="9887140" y="47697"/>
+            <a:ext cx="2143125" cy="2143125"/>
+          </a:xfrm>
+        </p:spPr>
+      </p:pic>
+      <p:sp>
+        <p:nvSpPr>
+          <p:cNvPr id="17" name="Rectangle 16">
+            <a:extLst>
+              <a:ext uri="{FF2B5EF4-FFF2-40B4-BE49-F238E27FC236}">
+                <a16:creationId xmlns:a16="http://schemas.microsoft.com/office/drawing/2014/main" id="{C723ED3C-F5E6-4121-9EF2-DD9574E1A49F}"/>
+              </a:ext>
+            </a:extLst>
+          </p:cNvPr>
+          <p:cNvSpPr/>
+          <p:nvPr/>
+        </p:nvSpPr>
+        <p:spPr>
+          <a:xfrm>
+            <a:off x="10085294" y="2008116"/>
+            <a:ext cx="1776920" cy="76178"/>
+          </a:xfrm>
+          <a:prstGeom prst="rect">
+            <a:avLst/>
+          </a:prstGeom>
+          <a:solidFill>
+            <a:srgbClr val="11B29F"/>
+          </a:solidFill>
+          <a:ln>
+            <a:noFill/>
+          </a:ln>
+        </p:spPr>
+        <p:style>
+          <a:lnRef idx="2">
+            <a:schemeClr val="accent1">
+              <a:shade val="50000"/>
+            </a:schemeClr>
+          </a:lnRef>
+          <a:fillRef idx="1">
+            <a:schemeClr val="accent1"/>
+          </a:fillRef>
+          <a:effectRef idx="0">
+            <a:schemeClr val="accent1"/>
+          </a:effectRef>
+          <a:fontRef idx="minor">
+            <a:schemeClr val="lt1"/>
+          </a:fontRef>
+        </p:style>
+        <p:txBody>
+          <a:bodyPr rtlCol="0" anchor="ctr"/>
+          <a:lstStyle/>
+          <a:p>
+            <a:pPr algn="ctr"/>
+            <a:endParaRPr lang="en-US"/>
+          </a:p>
+        </p:txBody>
+      </p:sp>
+      <p:sp>
+        <p:nvSpPr>
+          <p:cNvPr id="21" name="Rectangle 20">
+            <a:extLst>
+              <a:ext uri="{FF2B5EF4-FFF2-40B4-BE49-F238E27FC236}">
+                <a16:creationId xmlns:a16="http://schemas.microsoft.com/office/drawing/2014/main" id="{F9E0EC60-66D4-4536-A867-30142339BAA7}"/>
+              </a:ext>
+            </a:extLst>
+          </p:cNvPr>
+          <p:cNvSpPr/>
+          <p:nvPr/>
+        </p:nvSpPr>
+        <p:spPr>
+          <a:xfrm>
+            <a:off x="10085294" y="2129819"/>
+            <a:ext cx="1776920" cy="76178"/>
+          </a:xfrm>
+          <a:prstGeom prst="rect">
+            <a:avLst/>
+          </a:prstGeom>
+          <a:solidFill>
+            <a:srgbClr val="A71B86"/>
+          </a:solidFill>
+          <a:ln>
+            <a:noFill/>
+          </a:ln>
+        </p:spPr>
+        <p:style>
+          <a:lnRef idx="2">
+            <a:schemeClr val="accent1">
+              <a:shade val="50000"/>
+            </a:schemeClr>
+          </a:lnRef>
+          <a:fillRef idx="1">
+            <a:schemeClr val="accent1"/>
+          </a:fillRef>
+          <a:effectRef idx="0">
+            <a:schemeClr val="accent1"/>
+          </a:effectRef>
+          <a:fontRef idx="minor">
+            <a:schemeClr val="lt1"/>
+          </a:fontRef>
+        </p:style>
+        <p:txBody>
+          <a:bodyPr rtlCol="0" anchor="ctr"/>
+          <a:lstStyle/>
+          <a:p>
+            <a:pPr algn="ctr"/>
+            <a:endParaRPr lang="en-US"/>
+          </a:p>
+        </p:txBody>
+      </p:sp>
+      <p:sp>
+        <p:nvSpPr>
+          <p:cNvPr id="22" name="Rectangle 21">
+            <a:extLst>
+              <a:ext uri="{FF2B5EF4-FFF2-40B4-BE49-F238E27FC236}">
+                <a16:creationId xmlns:a16="http://schemas.microsoft.com/office/drawing/2014/main" id="{F95AED49-24A8-4D10-9D31-F944565EC1B2}"/>
+              </a:ext>
+            </a:extLst>
+          </p:cNvPr>
+          <p:cNvSpPr/>
+          <p:nvPr/>
+        </p:nvSpPr>
+        <p:spPr>
+          <a:xfrm>
+            <a:off x="10085294" y="2251522"/>
+            <a:ext cx="1776920" cy="150200"/>
+          </a:xfrm>
+          <a:prstGeom prst="rect">
+            <a:avLst/>
+          </a:prstGeom>
+          <a:solidFill>
+            <a:srgbClr val="11B29F"/>
+          </a:solidFill>
+          <a:ln>
+            <a:noFill/>
+          </a:ln>
+        </p:spPr>
+        <p:style>
+          <a:lnRef idx="2">
+            <a:schemeClr val="accent1">
+              <a:shade val="50000"/>
+            </a:schemeClr>
+          </a:lnRef>
+          <a:fillRef idx="1">
+            <a:schemeClr val="accent1"/>
+          </a:fillRef>
+          <a:effectRef idx="0">
+            <a:schemeClr val="accent1"/>
+          </a:effectRef>
+          <a:fontRef idx="minor">
+            <a:schemeClr val="lt1"/>
+          </a:fontRef>
+        </p:style>
+        <p:txBody>
+          <a:bodyPr rtlCol="0" anchor="ctr"/>
+          <a:lstStyle/>
+          <a:p>
+            <a:pPr algn="ctr"/>
+            <a:endParaRPr lang="en-US"/>
+          </a:p>
+        </p:txBody>
+      </p:sp>
+      <p:sp>
+        <p:nvSpPr>
+          <p:cNvPr id="24" name="Rectangle 23">
+            <a:extLst>
+              <a:ext uri="{FF2B5EF4-FFF2-40B4-BE49-F238E27FC236}">
+                <a16:creationId xmlns:a16="http://schemas.microsoft.com/office/drawing/2014/main" id="{993D5826-407C-4F65-BE3A-EB593B942A36}"/>
+              </a:ext>
+            </a:extLst>
+          </p:cNvPr>
+          <p:cNvSpPr/>
+          <p:nvPr/>
+        </p:nvSpPr>
+        <p:spPr>
+          <a:xfrm>
+            <a:off x="10085294" y="2447247"/>
+            <a:ext cx="1776920" cy="150200"/>
+          </a:xfrm>
+          <a:prstGeom prst="rect">
+            <a:avLst/>
+          </a:prstGeom>
+          <a:solidFill>
+            <a:srgbClr val="A71B86"/>
+          </a:solidFill>
+          <a:ln>
+            <a:noFill/>
+          </a:ln>
+        </p:spPr>
+        <p:style>
+          <a:lnRef idx="2">
+            <a:schemeClr val="accent1">
+              <a:shade val="50000"/>
+            </a:schemeClr>
+          </a:lnRef>
+          <a:fillRef idx="1">
+            <a:schemeClr val="accent1"/>
+          </a:fillRef>
+          <a:effectRef idx="0">
+            <a:schemeClr val="accent1"/>
+          </a:effectRef>
+          <a:fontRef idx="minor">
+            <a:schemeClr val="lt1"/>
+          </a:fontRef>
+        </p:style>
+        <p:txBody>
+          <a:bodyPr rtlCol="0" anchor="ctr"/>
+          <a:lstStyle/>
+          <a:p>
+            <a:pPr algn="ctr"/>
+            <a:endParaRPr lang="en-US"/>
+          </a:p>
+        </p:txBody>
+      </p:sp>
+      <p:sp>
+        <p:nvSpPr>
+          <p:cNvPr id="25" name="Rectangle 24">
+            <a:extLst>
+              <a:ext uri="{FF2B5EF4-FFF2-40B4-BE49-F238E27FC236}">
+                <a16:creationId xmlns:a16="http://schemas.microsoft.com/office/drawing/2014/main" id="{D2785A94-4D0B-4559-9303-3C963AA0EF9A}"/>
+              </a:ext>
+            </a:extLst>
+          </p:cNvPr>
+          <p:cNvSpPr/>
+          <p:nvPr/>
+        </p:nvSpPr>
+        <p:spPr>
+          <a:xfrm>
+            <a:off x="10085294" y="2642972"/>
+            <a:ext cx="1776920" cy="362446"/>
+          </a:xfrm>
+          <a:prstGeom prst="rect">
+            <a:avLst/>
+          </a:prstGeom>
+          <a:solidFill>
+            <a:srgbClr val="11B29F"/>
+          </a:solidFill>
+          <a:ln>
+            <a:noFill/>
+          </a:ln>
+        </p:spPr>
+        <p:style>
+          <a:lnRef idx="2">
+            <a:schemeClr val="accent1">
+              <a:shade val="50000"/>
+            </a:schemeClr>
+          </a:lnRef>
+          <a:fillRef idx="1">
+            <a:schemeClr val="accent1"/>
+          </a:fillRef>
+          <a:effectRef idx="0">
+            <a:schemeClr val="accent1"/>
+          </a:effectRef>
+          <a:fontRef idx="minor">
+            <a:schemeClr val="lt1"/>
+          </a:fontRef>
+        </p:style>
+        <p:txBody>
+          <a:bodyPr rtlCol="0" anchor="ctr"/>
+          <a:lstStyle/>
+          <a:p>
+            <a:pPr algn="ctr"/>
+            <a:endParaRPr lang="en-US"/>
+          </a:p>
+        </p:txBody>
+      </p:sp>
+      <p:sp>
+        <p:nvSpPr>
+          <p:cNvPr id="26" name="Rectangle 25">
+            <a:extLst>
+              <a:ext uri="{FF2B5EF4-FFF2-40B4-BE49-F238E27FC236}">
+                <a16:creationId xmlns:a16="http://schemas.microsoft.com/office/drawing/2014/main" id="{B235F2E9-4558-433D-9527-7EFF5C5E78A8}"/>
+              </a:ext>
+            </a:extLst>
+          </p:cNvPr>
+          <p:cNvSpPr/>
+          <p:nvPr/>
+        </p:nvSpPr>
+        <p:spPr>
+          <a:xfrm>
+            <a:off x="10085294" y="3050943"/>
+            <a:ext cx="1776920" cy="362446"/>
+          </a:xfrm>
+          <a:prstGeom prst="rect">
+            <a:avLst/>
+          </a:prstGeom>
+          <a:solidFill>
+            <a:srgbClr val="A71B86"/>
+          </a:solidFill>
+          <a:ln>
+            <a:noFill/>
+          </a:ln>
+        </p:spPr>
+        <p:style>
+          <a:lnRef idx="2">
+            <a:schemeClr val="accent1">
+              <a:shade val="50000"/>
+            </a:schemeClr>
+          </a:lnRef>
+          <a:fillRef idx="1">
+            <a:schemeClr val="accent1"/>
+          </a:fillRef>
+          <a:effectRef idx="0">
+            <a:schemeClr val="accent1"/>
+          </a:effectRef>
+          <a:fontRef idx="minor">
+            <a:schemeClr val="lt1"/>
+          </a:fontRef>
+        </p:style>
+        <p:txBody>
+          <a:bodyPr rtlCol="0" anchor="ctr"/>
+          <a:lstStyle/>
+          <a:p>
+            <a:pPr algn="ctr"/>
+            <a:endParaRPr lang="en-US"/>
+          </a:p>
+        </p:txBody>
+      </p:sp>
+      <p:sp>
+        <p:nvSpPr>
+          <p:cNvPr id="27" name="Rectangle 26">
+            <a:extLst>
+              <a:ext uri="{FF2B5EF4-FFF2-40B4-BE49-F238E27FC236}">
+                <a16:creationId xmlns:a16="http://schemas.microsoft.com/office/drawing/2014/main" id="{99613B87-411B-4008-BF30-F1A3B8F247B5}"/>
+              </a:ext>
+            </a:extLst>
+          </p:cNvPr>
+          <p:cNvSpPr/>
+          <p:nvPr/>
+        </p:nvSpPr>
+        <p:spPr>
+          <a:xfrm>
+            <a:off x="10085294" y="3490136"/>
+            <a:ext cx="1776920" cy="3367864"/>
+          </a:xfrm>
+          <a:prstGeom prst="rect">
+            <a:avLst/>
+          </a:prstGeom>
+          <a:solidFill>
+            <a:srgbClr val="11B29F"/>
+          </a:solidFill>
+          <a:ln>
+            <a:noFill/>
+          </a:ln>
+        </p:spPr>
+        <p:style>
+          <a:lnRef idx="2">
+            <a:schemeClr val="accent1">
+              <a:shade val="50000"/>
+            </a:schemeClr>
+          </a:lnRef>
+          <a:fillRef idx="1">
+            <a:schemeClr val="accent1"/>
+          </a:fillRef>
+          <a:effectRef idx="0">
+            <a:schemeClr val="accent1"/>
+          </a:effectRef>
+          <a:fontRef idx="minor">
+            <a:schemeClr val="lt1"/>
+          </a:fontRef>
+        </p:style>
+        <p:txBody>
+          <a:bodyPr rtlCol="0" anchor="ctr"/>
+          <a:lstStyle/>
+          <a:p>
+            <a:pPr algn="ctr"/>
+            <a:endParaRPr lang="en-US"/>
+          </a:p>
+        </p:txBody>
+      </p:sp>
+      <p:sp>
+        <p:nvSpPr>
+          <p:cNvPr id="32" name="Rectangle 31">
+            <a:extLst>
+              <a:ext uri="{FF2B5EF4-FFF2-40B4-BE49-F238E27FC236}">
+                <a16:creationId xmlns:a16="http://schemas.microsoft.com/office/drawing/2014/main" id="{145B3BD2-B1C1-4ED2-A4E0-5E17DD3736F1}"/>
+              </a:ext>
+            </a:extLst>
+          </p:cNvPr>
+          <p:cNvSpPr/>
+          <p:nvPr/>
+        </p:nvSpPr>
+        <p:spPr>
+          <a:xfrm rot="19800000">
+            <a:off x="-765351" y="385789"/>
+            <a:ext cx="4026751" cy="269178"/>
+          </a:xfrm>
+          <a:prstGeom prst="rect">
+            <a:avLst/>
+          </a:prstGeom>
+          <a:solidFill>
+            <a:srgbClr val="A71B86"/>
+          </a:solidFill>
+          <a:ln>
+            <a:noFill/>
+          </a:ln>
+        </p:spPr>
+        <p:style>
+          <a:lnRef idx="2">
+            <a:schemeClr val="accent1">
+              <a:shade val="50000"/>
+            </a:schemeClr>
+          </a:lnRef>
+          <a:fillRef idx="1">
+            <a:schemeClr val="accent1"/>
+          </a:fillRef>
+          <a:effectRef idx="0">
+            <a:schemeClr val="accent1"/>
+          </a:effectRef>
+          <a:fontRef idx="minor">
+            <a:schemeClr val="lt1"/>
+          </a:fontRef>
+        </p:style>
+        <p:txBody>
+          <a:bodyPr rtlCol="0" anchor="ctr"/>
+          <a:lstStyle/>
+          <a:p>
+            <a:pPr algn="ctr"/>
+            <a:endParaRPr lang="en-US"/>
+          </a:p>
+        </p:txBody>
+      </p:sp>
+      <p:sp>
+        <p:nvSpPr>
+          <p:cNvPr id="33" name="Rectangle 32">
+            <a:extLst>
+              <a:ext uri="{FF2B5EF4-FFF2-40B4-BE49-F238E27FC236}">
+                <a16:creationId xmlns:a16="http://schemas.microsoft.com/office/drawing/2014/main" id="{DC3B2826-65DD-408B-8F18-8CCD6C052D8D}"/>
+              </a:ext>
+            </a:extLst>
+          </p:cNvPr>
+          <p:cNvSpPr/>
+          <p:nvPr/>
+        </p:nvSpPr>
+        <p:spPr>
+          <a:xfrm rot="19800000">
+            <a:off x="9257156" y="6226296"/>
+            <a:ext cx="4026751" cy="269178"/>
+          </a:xfrm>
+          <a:prstGeom prst="rect">
+            <a:avLst/>
+          </a:prstGeom>
+          <a:solidFill>
+            <a:srgbClr val="A71B86"/>
+          </a:solidFill>
+          <a:ln>
+            <a:noFill/>
+          </a:ln>
+        </p:spPr>
+        <p:style>
+          <a:lnRef idx="2">
+            <a:schemeClr val="accent1">
+              <a:shade val="50000"/>
+            </a:schemeClr>
+          </a:lnRef>
+          <a:fillRef idx="1">
+            <a:schemeClr val="accent1"/>
+          </a:fillRef>
+          <a:effectRef idx="0">
+            <a:schemeClr val="accent1"/>
+          </a:effectRef>
+          <a:fontRef idx="minor">
+            <a:schemeClr val="lt1"/>
+          </a:fontRef>
+        </p:style>
+        <p:txBody>
+          <a:bodyPr rtlCol="0" anchor="ctr"/>
+          <a:lstStyle/>
+          <a:p>
+            <a:pPr algn="ctr"/>
+            <a:endParaRPr lang="en-US"/>
+          </a:p>
+        </p:txBody>
+      </p:sp>
+      <p:sp>
+        <p:nvSpPr>
+          <p:cNvPr id="35" name="Rectangle 34">
+            <a:extLst>
+              <a:ext uri="{FF2B5EF4-FFF2-40B4-BE49-F238E27FC236}">
+                <a16:creationId xmlns:a16="http://schemas.microsoft.com/office/drawing/2014/main" id="{4935F901-F632-4698-8C7A-AC29B2397A6C}"/>
+              </a:ext>
+            </a:extLst>
+          </p:cNvPr>
+          <p:cNvSpPr/>
+          <p:nvPr/>
+        </p:nvSpPr>
+        <p:spPr>
+          <a:xfrm rot="19800000">
+            <a:off x="8263809" y="5824178"/>
+            <a:ext cx="4731177" cy="269178"/>
+          </a:xfrm>
+          <a:prstGeom prst="rect">
+            <a:avLst/>
+          </a:prstGeom>
+          <a:solidFill>
+            <a:srgbClr val="A71B86"/>
+          </a:solidFill>
+          <a:ln>
+            <a:noFill/>
+          </a:ln>
+        </p:spPr>
+        <p:style>
+          <a:lnRef idx="2">
+            <a:schemeClr val="accent1">
+              <a:shade val="50000"/>
+            </a:schemeClr>
+          </a:lnRef>
+          <a:fillRef idx="1">
+            <a:schemeClr val="accent1"/>
+          </a:fillRef>
+          <a:effectRef idx="0">
+            <a:schemeClr val="accent1"/>
+          </a:effectRef>
+          <a:fontRef idx="minor">
+            <a:schemeClr val="lt1"/>
+          </a:fontRef>
+        </p:style>
+        <p:txBody>
+          <a:bodyPr rtlCol="0" anchor="ctr"/>
+          <a:lstStyle/>
+          <a:p>
+            <a:pPr algn="ctr"/>
+            <a:endParaRPr lang="en-US"/>
+          </a:p>
+        </p:txBody>
+      </p:sp>
+      <p:sp>
+        <p:nvSpPr>
+          <p:cNvPr id="36" name="TextBox 35">
+            <a:extLst>
+              <a:ext uri="{FF2B5EF4-FFF2-40B4-BE49-F238E27FC236}">
+                <a16:creationId xmlns:a16="http://schemas.microsoft.com/office/drawing/2014/main" id="{389720C5-6DCB-428D-8C4F-A02DEC239333}"/>
+              </a:ext>
+            </a:extLst>
+          </p:cNvPr>
+          <p:cNvSpPr txBox="1"/>
+          <p:nvPr/>
+        </p:nvSpPr>
+        <p:spPr>
+          <a:xfrm>
+            <a:off x="773935" y="1947592"/>
+            <a:ext cx="8859163" cy="4093428"/>
+          </a:xfrm>
+          <a:prstGeom prst="rect">
+            <a:avLst/>
+          </a:prstGeom>
+          <a:noFill/>
+        </p:spPr>
+        <p:txBody>
+          <a:bodyPr wrap="square" rtlCol="0">
+            <a:spAutoFit/>
+          </a:bodyPr>
+          <a:lstStyle/>
+          <a:p>
+            <a:pPr marL="285750" indent="-285750">
+              <a:buFont typeface="Arial" panose="020B0604020202020204" pitchFamily="34" charset="0"/>
+              <a:buChar char="•"/>
+            </a:pPr>
+            <a:r>
+              <a:rPr lang="en-US" sz="2000" dirty="0">
+                <a:solidFill>
+                  <a:srgbClr val="404040"/>
+                </a:solidFill>
+                <a:latin typeface="Corbel" panose="020B0503020204020204" pitchFamily="34" charset="0"/>
+              </a:rPr>
+              <a:t>Recall the solution the minimal spanning tree problem for the cable example</a:t>
+            </a:r>
+          </a:p>
+          <a:p>
+            <a:pPr marL="285750" indent="-285750">
+              <a:buFont typeface="Arial" panose="020B0604020202020204" pitchFamily="34" charset="0"/>
+              <a:buChar char="•"/>
+            </a:pPr>
+            <a:endParaRPr lang="en-US" sz="2000" dirty="0">
+              <a:solidFill>
+                <a:srgbClr val="404040"/>
+              </a:solidFill>
+              <a:latin typeface="Corbel" panose="020B0503020204020204" pitchFamily="34" charset="0"/>
+            </a:endParaRPr>
+          </a:p>
+          <a:p>
+            <a:pPr marL="285750" indent="-285750">
+              <a:buFont typeface="Arial" panose="020B0604020202020204" pitchFamily="34" charset="0"/>
+              <a:buChar char="•"/>
+            </a:pPr>
+            <a:endParaRPr lang="en-US" sz="2000" dirty="0">
+              <a:solidFill>
+                <a:srgbClr val="404040"/>
+              </a:solidFill>
+              <a:latin typeface="Corbel" panose="020B0503020204020204" pitchFamily="34" charset="0"/>
+            </a:endParaRPr>
+          </a:p>
+          <a:p>
+            <a:pPr marL="285750" indent="-285750">
+              <a:buFont typeface="Arial" panose="020B0604020202020204" pitchFamily="34" charset="0"/>
+              <a:buChar char="•"/>
+            </a:pPr>
+            <a:endParaRPr lang="en-US" sz="2000" dirty="0">
+              <a:solidFill>
+                <a:srgbClr val="404040"/>
+              </a:solidFill>
+              <a:latin typeface="Corbel" panose="020B0503020204020204" pitchFamily="34" charset="0"/>
+            </a:endParaRPr>
+          </a:p>
+          <a:p>
+            <a:pPr marL="285750" indent="-285750">
+              <a:buFont typeface="Arial" panose="020B0604020202020204" pitchFamily="34" charset="0"/>
+              <a:buChar char="•"/>
+            </a:pPr>
+            <a:endParaRPr lang="en-US" sz="2000" dirty="0">
+              <a:solidFill>
+                <a:srgbClr val="404040"/>
+              </a:solidFill>
+              <a:latin typeface="Corbel" panose="020B0503020204020204" pitchFamily="34" charset="0"/>
+            </a:endParaRPr>
+          </a:p>
+          <a:p>
+            <a:pPr marL="285750" indent="-285750">
+              <a:buFont typeface="Arial" panose="020B0604020202020204" pitchFamily="34" charset="0"/>
+              <a:buChar char="•"/>
+            </a:pPr>
+            <a:endParaRPr lang="en-US" sz="2000" dirty="0">
+              <a:solidFill>
+                <a:srgbClr val="404040"/>
+              </a:solidFill>
+              <a:latin typeface="Corbel" panose="020B0503020204020204" pitchFamily="34" charset="0"/>
+            </a:endParaRPr>
+          </a:p>
+          <a:p>
+            <a:pPr marL="285750" indent="-285750">
+              <a:buFont typeface="Arial" panose="020B0604020202020204" pitchFamily="34" charset="0"/>
+              <a:buChar char="•"/>
+            </a:pPr>
+            <a:endParaRPr lang="en-US" sz="2000" dirty="0">
+              <a:solidFill>
+                <a:srgbClr val="404040"/>
+              </a:solidFill>
+              <a:latin typeface="Corbel" panose="020B0503020204020204" pitchFamily="34" charset="0"/>
+            </a:endParaRPr>
+          </a:p>
+          <a:p>
+            <a:pPr marL="285750" indent="-285750">
+              <a:buFont typeface="Arial" panose="020B0604020202020204" pitchFamily="34" charset="0"/>
+              <a:buChar char="•"/>
+            </a:pPr>
+            <a:endParaRPr lang="en-US" sz="2000" dirty="0">
+              <a:solidFill>
+                <a:srgbClr val="404040"/>
+              </a:solidFill>
+              <a:latin typeface="Corbel" panose="020B0503020204020204" pitchFamily="34" charset="0"/>
+            </a:endParaRPr>
+          </a:p>
+          <a:p>
+            <a:pPr marL="285750" indent="-285750">
+              <a:buFont typeface="Arial" panose="020B0604020202020204" pitchFamily="34" charset="0"/>
+              <a:buChar char="•"/>
+            </a:pPr>
+            <a:endParaRPr lang="en-US" sz="2000" dirty="0">
+              <a:solidFill>
+                <a:srgbClr val="404040"/>
+              </a:solidFill>
+              <a:latin typeface="Corbel" panose="020B0503020204020204" pitchFamily="34" charset="0"/>
+            </a:endParaRPr>
+          </a:p>
+          <a:p>
+            <a:pPr marL="285750" indent="-285750">
+              <a:buFont typeface="Arial" panose="020B0604020202020204" pitchFamily="34" charset="0"/>
+              <a:buChar char="•"/>
+            </a:pPr>
+            <a:endParaRPr lang="en-US" sz="2000" dirty="0">
+              <a:solidFill>
+                <a:srgbClr val="404040"/>
+              </a:solidFill>
+              <a:latin typeface="Corbel" panose="020B0503020204020204" pitchFamily="34" charset="0"/>
+            </a:endParaRPr>
+          </a:p>
+          <a:p>
+            <a:pPr marL="285750" indent="-285750">
+              <a:buFont typeface="Arial" panose="020B0604020202020204" pitchFamily="34" charset="0"/>
+              <a:buChar char="•"/>
+            </a:pPr>
+            <a:endParaRPr lang="en-US" sz="2000" dirty="0">
+              <a:solidFill>
+                <a:srgbClr val="404040"/>
+              </a:solidFill>
+              <a:latin typeface="Corbel" panose="020B0503020204020204" pitchFamily="34" charset="0"/>
+            </a:endParaRPr>
+          </a:p>
+          <a:p>
+            <a:pPr marL="285750" indent="-285750">
+              <a:buFont typeface="Arial" panose="020B0604020202020204" pitchFamily="34" charset="0"/>
+              <a:buChar char="•"/>
+            </a:pPr>
+            <a:r>
+              <a:rPr lang="en-US" sz="2000" dirty="0">
+                <a:solidFill>
+                  <a:srgbClr val="404040"/>
+                </a:solidFill>
+                <a:latin typeface="Corbel" panose="020B0503020204020204" pitchFamily="34" charset="0"/>
+              </a:rPr>
+              <a:t>Length of the minimal spanning tree is the sum of lengths of chosen edges</a:t>
+            </a:r>
+          </a:p>
+          <a:p>
+            <a:pPr marL="742950" lvl="1" indent="-285750">
+              <a:buFont typeface="Arial" panose="020B0604020202020204" pitchFamily="34" charset="0"/>
+              <a:buChar char="•"/>
+            </a:pPr>
+            <a:endParaRPr lang="en-US" sz="2000" dirty="0">
+              <a:solidFill>
+                <a:srgbClr val="404040"/>
+              </a:solidFill>
+              <a:latin typeface="Corbel" panose="020B0503020204020204" pitchFamily="34" charset="0"/>
+            </a:endParaRPr>
+          </a:p>
+        </p:txBody>
+      </p:sp>
+      <p:pic>
+        <p:nvPicPr>
+          <p:cNvPr id="37" name="Graphic 36" descr="Palm tree">
+            <a:extLst>
+              <a:ext uri="{FF2B5EF4-FFF2-40B4-BE49-F238E27FC236}">
+                <a16:creationId xmlns:a16="http://schemas.microsoft.com/office/drawing/2014/main" id="{79F2EC1B-9713-4CCF-8301-82ED265F3940}"/>
+              </a:ext>
+            </a:extLst>
+          </p:cNvPr>
+          <p:cNvPicPr>
+            <a:picLocks noChangeAspect="1"/>
+          </p:cNvPicPr>
+          <p:nvPr/>
+        </p:nvPicPr>
+        <p:blipFill>
+          <a:blip r:embed="rId4">
+            <a:extLst>
+              <a:ext uri="{28A0092B-C50C-407E-A947-70E740481C1C}">
+                <a14:useLocalDpi xmlns:a14="http://schemas.microsoft.com/office/drawing/2010/main" val="0"/>
+              </a:ext>
+              <a:ext uri="{96DAC541-7B7A-43D3-8B79-37D633B846F1}">
+                <asvg:svgBlip xmlns:asvg="http://schemas.microsoft.com/office/drawing/2016/SVG/main" r:embed="rId5"/>
+              </a:ext>
+            </a:extLst>
+          </a:blip>
+          <a:stretch>
+            <a:fillRect/>
+          </a:stretch>
+        </p:blipFill>
+        <p:spPr>
+          <a:xfrm>
+            <a:off x="8964994" y="809490"/>
+            <a:ext cx="914400" cy="914400"/>
+          </a:xfrm>
+          <a:prstGeom prst="rect">
+            <a:avLst/>
+          </a:prstGeom>
+        </p:spPr>
+      </p:pic>
+      <p:pic>
+        <p:nvPicPr>
+          <p:cNvPr id="38" name="Graphic 37" descr="Palm tree">
+            <a:extLst>
+              <a:ext uri="{FF2B5EF4-FFF2-40B4-BE49-F238E27FC236}">
+                <a16:creationId xmlns:a16="http://schemas.microsoft.com/office/drawing/2014/main" id="{11C9CA6F-B5F0-4837-8E50-85C201ADA4F1}"/>
+              </a:ext>
+            </a:extLst>
+          </p:cNvPr>
+          <p:cNvPicPr>
+            <a:picLocks noChangeAspect="1"/>
+          </p:cNvPicPr>
+          <p:nvPr/>
+        </p:nvPicPr>
+        <p:blipFill>
+          <a:blip r:embed="rId4">
+            <a:extLst>
+              <a:ext uri="{28A0092B-C50C-407E-A947-70E740481C1C}">
+                <a14:useLocalDpi xmlns:a14="http://schemas.microsoft.com/office/drawing/2010/main" val="0"/>
+              </a:ext>
+              <a:ext uri="{96DAC541-7B7A-43D3-8B79-37D633B846F1}">
+                <asvg:svgBlip xmlns:asvg="http://schemas.microsoft.com/office/drawing/2016/SVG/main" r:embed="rId5"/>
+              </a:ext>
+            </a:extLst>
+          </a:blip>
+          <a:stretch>
+            <a:fillRect/>
+          </a:stretch>
+        </p:blipFill>
+        <p:spPr>
+          <a:xfrm>
+            <a:off x="8834542" y="1142112"/>
+            <a:ext cx="553133" cy="553133"/>
+          </a:xfrm>
+          <a:prstGeom prst="rect">
+            <a:avLst/>
+          </a:prstGeom>
+        </p:spPr>
+      </p:pic>
+      <p:pic>
+        <p:nvPicPr>
+          <p:cNvPr id="39" name="Graphic 38" descr="Palm tree">
+            <a:extLst>
+              <a:ext uri="{FF2B5EF4-FFF2-40B4-BE49-F238E27FC236}">
+                <a16:creationId xmlns:a16="http://schemas.microsoft.com/office/drawing/2014/main" id="{585AC1AD-01C8-4E2D-8361-4BEA62A48584}"/>
+              </a:ext>
+            </a:extLst>
+          </p:cNvPr>
+          <p:cNvPicPr>
+            <a:picLocks noChangeAspect="1"/>
+          </p:cNvPicPr>
+          <p:nvPr/>
+        </p:nvPicPr>
+        <p:blipFill>
+          <a:blip r:embed="rId4">
+            <a:extLst>
+              <a:ext uri="{28A0092B-C50C-407E-A947-70E740481C1C}">
+                <a14:useLocalDpi xmlns:a14="http://schemas.microsoft.com/office/drawing/2010/main" val="0"/>
+              </a:ext>
+              <a:ext uri="{96DAC541-7B7A-43D3-8B79-37D633B846F1}">
+                <asvg:svgBlip xmlns:asvg="http://schemas.microsoft.com/office/drawing/2016/SVG/main" r:embed="rId5"/>
+              </a:ext>
+            </a:extLst>
+          </a:blip>
+          <a:stretch>
+            <a:fillRect/>
+          </a:stretch>
+        </p:blipFill>
+        <p:spPr>
+          <a:xfrm>
+            <a:off x="9387675" y="1277468"/>
+            <a:ext cx="404329" cy="404329"/>
+          </a:xfrm>
+          <a:prstGeom prst="rect">
+            <a:avLst/>
+          </a:prstGeom>
+        </p:spPr>
+      </p:pic>
+      <p:pic>
+        <p:nvPicPr>
+          <p:cNvPr id="3" name="Picture 2">
+            <a:extLst>
+              <a:ext uri="{FF2B5EF4-FFF2-40B4-BE49-F238E27FC236}">
+                <a16:creationId xmlns:a16="http://schemas.microsoft.com/office/drawing/2014/main" id="{F961354E-72A0-4D1F-A142-123168DA961B}"/>
+              </a:ext>
+            </a:extLst>
+          </p:cNvPr>
+          <p:cNvPicPr>
+            <a:picLocks noChangeAspect="1"/>
+          </p:cNvPicPr>
+          <p:nvPr/>
+        </p:nvPicPr>
+        <p:blipFill>
+          <a:blip r:embed="rId6"/>
+          <a:stretch>
+            <a:fillRect/>
+          </a:stretch>
+        </p:blipFill>
+        <p:spPr>
+          <a:xfrm>
+            <a:off x="1196411" y="2460839"/>
+            <a:ext cx="5514975" cy="2562225"/>
+          </a:xfrm>
+          <a:prstGeom prst="rect">
+            <a:avLst/>
+          </a:prstGeom>
+          <a:ln w="38100">
+            <a:solidFill>
+              <a:srgbClr val="11B29F"/>
+            </a:solidFill>
+          </a:ln>
+          <a:effectLst>
+            <a:outerShdw blurRad="292100" dist="139700" dir="2700000" algn="tl" rotWithShape="0">
+              <a:srgbClr val="333333">
+                <a:alpha val="65000"/>
+              </a:srgbClr>
+            </a:outerShdw>
+          </a:effectLst>
+        </p:spPr>
+      </p:pic>
+      <mc:AlternateContent xmlns:mc="http://schemas.openxmlformats.org/markup-compatibility/2006" xmlns:a14="http://schemas.microsoft.com/office/drawing/2010/main">
+        <mc:Choice Requires="a14">
+          <p:sp>
+            <p:nvSpPr>
+              <p:cNvPr id="6" name="TextBox 5">
+                <a:extLst>
+                  <a:ext uri="{FF2B5EF4-FFF2-40B4-BE49-F238E27FC236}">
+                    <a16:creationId xmlns:a16="http://schemas.microsoft.com/office/drawing/2014/main" id="{292368F2-1640-4F82-BAE8-BD174DF29824}"/>
+                  </a:ext>
+                </a:extLst>
+              </p:cNvPr>
+              <p:cNvSpPr txBox="1"/>
+              <p:nvPr/>
+            </p:nvSpPr>
+            <p:spPr>
+              <a:xfrm>
+                <a:off x="924606" y="5671663"/>
+                <a:ext cx="4060303" cy="400110"/>
+              </a:xfrm>
+              <a:prstGeom prst="rect">
+                <a:avLst/>
+              </a:prstGeom>
+              <a:noFill/>
+            </p:spPr>
+            <p:txBody>
+              <a:bodyPr wrap="square" rtlCol="0">
+                <a:spAutoFit/>
+              </a:bodyPr>
+              <a:lstStyle/>
+              <a:p>
+                <a:pPr/>
+                <a14:m>
+                  <m:oMathPara xmlns:m="http://schemas.openxmlformats.org/officeDocument/2006/math">
+                    <m:oMathParaPr>
+                      <m:jc m:val="centerGroup"/>
+                    </m:oMathParaPr>
+                    <m:oMath xmlns:m="http://schemas.openxmlformats.org/officeDocument/2006/math">
+                      <m:r>
+                        <a:rPr lang="en-US" sz="2000" b="0" i="1" smtClean="0">
+                          <a:latin typeface="Cambria Math" panose="02040503050406030204" pitchFamily="18" charset="0"/>
+                        </a:rPr>
+                        <m:t>9+15+12+14+8+14=72</m:t>
+                      </m:r>
+                    </m:oMath>
+                  </m:oMathPara>
+                </a14:m>
+                <a:endParaRPr lang="en-US" sz="2000" b="0" dirty="0"/>
+              </a:p>
+            </p:txBody>
+          </p:sp>
+        </mc:Choice>
+        <mc:Fallback xmlns="">
+          <p:sp>
+            <p:nvSpPr>
+              <p:cNvPr id="6" name="TextBox 5">
+                <a:extLst>
+                  <a:ext uri="{FF2B5EF4-FFF2-40B4-BE49-F238E27FC236}">
+                    <a16:creationId xmlns:a16="http://schemas.microsoft.com/office/drawing/2014/main" id="{292368F2-1640-4F82-BAE8-BD174DF29824}"/>
+                  </a:ext>
+                </a:extLst>
+              </p:cNvPr>
+              <p:cNvSpPr txBox="1">
+                <a:spLocks noRot="1" noChangeAspect="1" noMove="1" noResize="1" noEditPoints="1" noAdjustHandles="1" noChangeArrowheads="1" noChangeShapeType="1" noTextEdit="1"/>
+              </p:cNvSpPr>
+              <p:nvPr/>
+            </p:nvSpPr>
+            <p:spPr>
+              <a:xfrm>
+                <a:off x="924606" y="5671663"/>
+                <a:ext cx="4060303" cy="400110"/>
+              </a:xfrm>
+              <a:prstGeom prst="rect">
+                <a:avLst/>
+              </a:prstGeom>
+              <a:blipFill>
+                <a:blip r:embed="rId7"/>
+                <a:stretch>
+                  <a:fillRect/>
+                </a:stretch>
+              </a:blipFill>
+            </p:spPr>
+            <p:txBody>
+              <a:bodyPr/>
+              <a:lstStyle/>
+              <a:p>
+                <a:r>
+                  <a:rPr lang="en-US">
+                    <a:noFill/>
+                  </a:rPr>
+                  <a:t> </a:t>
+                </a:r>
+              </a:p>
+            </p:txBody>
+          </p:sp>
+        </mc:Fallback>
+      </mc:AlternateContent>
+      <p:cxnSp>
+        <p:nvCxnSpPr>
+          <p:cNvPr id="8" name="Straight Connector 7">
+            <a:extLst>
+              <a:ext uri="{FF2B5EF4-FFF2-40B4-BE49-F238E27FC236}">
+                <a16:creationId xmlns:a16="http://schemas.microsoft.com/office/drawing/2014/main" id="{85CE96D6-618F-4C5B-B152-77EBA306C5CF}"/>
+              </a:ext>
+            </a:extLst>
+          </p:cNvPr>
+          <p:cNvCxnSpPr/>
+          <p:nvPr/>
+        </p:nvCxnSpPr>
+        <p:spPr>
+          <a:xfrm>
+            <a:off x="1763571" y="3923308"/>
+            <a:ext cx="1069041" cy="511414"/>
+          </a:xfrm>
+          <a:prstGeom prst="line">
+            <a:avLst/>
+          </a:prstGeom>
+          <a:ln w="76200">
+            <a:solidFill>
+              <a:srgbClr val="A71B86"/>
+            </a:solidFill>
+          </a:ln>
+        </p:spPr>
+        <p:style>
+          <a:lnRef idx="1">
+            <a:schemeClr val="accent1"/>
+          </a:lnRef>
+          <a:fillRef idx="0">
+            <a:schemeClr val="accent1"/>
+          </a:fillRef>
+          <a:effectRef idx="0">
+            <a:schemeClr val="accent1"/>
+          </a:effectRef>
+          <a:fontRef idx="minor">
+            <a:schemeClr val="tx1"/>
+          </a:fontRef>
+        </p:style>
+      </p:cxnSp>
+      <p:cxnSp>
+        <p:nvCxnSpPr>
+          <p:cNvPr id="29" name="Straight Connector 28">
+            <a:extLst>
+              <a:ext uri="{FF2B5EF4-FFF2-40B4-BE49-F238E27FC236}">
+                <a16:creationId xmlns:a16="http://schemas.microsoft.com/office/drawing/2014/main" id="{C96A7302-F16F-408E-B83C-FA052C4F754E}"/>
+              </a:ext>
+            </a:extLst>
+          </p:cNvPr>
+          <p:cNvCxnSpPr>
+            <a:cxnSpLocks/>
+          </p:cNvCxnSpPr>
+          <p:nvPr/>
+        </p:nvCxnSpPr>
+        <p:spPr>
+          <a:xfrm>
+            <a:off x="3435487" y="2838205"/>
+            <a:ext cx="593911" cy="506893"/>
+          </a:xfrm>
+          <a:prstGeom prst="line">
+            <a:avLst/>
+          </a:prstGeom>
+          <a:ln w="76200">
+            <a:solidFill>
+              <a:srgbClr val="A71B86"/>
+            </a:solidFill>
+          </a:ln>
+        </p:spPr>
+        <p:style>
+          <a:lnRef idx="1">
+            <a:schemeClr val="accent1"/>
+          </a:lnRef>
+          <a:fillRef idx="0">
+            <a:schemeClr val="accent1"/>
+          </a:fillRef>
+          <a:effectRef idx="0">
+            <a:schemeClr val="accent1"/>
+          </a:effectRef>
+          <a:fontRef idx="minor">
+            <a:schemeClr val="tx1"/>
+          </a:fontRef>
+        </p:style>
+      </p:cxnSp>
+      <p:cxnSp>
+        <p:nvCxnSpPr>
+          <p:cNvPr id="30" name="Straight Connector 29">
+            <a:extLst>
+              <a:ext uri="{FF2B5EF4-FFF2-40B4-BE49-F238E27FC236}">
+                <a16:creationId xmlns:a16="http://schemas.microsoft.com/office/drawing/2014/main" id="{6FC0BAB5-5123-4BCD-8359-AAA29E44DAA2}"/>
+              </a:ext>
+            </a:extLst>
+          </p:cNvPr>
+          <p:cNvCxnSpPr>
+            <a:cxnSpLocks/>
+          </p:cNvCxnSpPr>
+          <p:nvPr/>
+        </p:nvCxnSpPr>
+        <p:spPr>
+          <a:xfrm flipV="1">
+            <a:off x="3148629" y="3600571"/>
+            <a:ext cx="955457" cy="784699"/>
+          </a:xfrm>
+          <a:prstGeom prst="line">
+            <a:avLst/>
+          </a:prstGeom>
+          <a:ln w="76200">
+            <a:solidFill>
+              <a:srgbClr val="A71B86"/>
+            </a:solidFill>
+          </a:ln>
+        </p:spPr>
+        <p:style>
+          <a:lnRef idx="1">
+            <a:schemeClr val="accent1"/>
+          </a:lnRef>
+          <a:fillRef idx="0">
+            <a:schemeClr val="accent1"/>
+          </a:fillRef>
+          <a:effectRef idx="0">
+            <a:schemeClr val="accent1"/>
+          </a:effectRef>
+          <a:fontRef idx="minor">
+            <a:schemeClr val="tx1"/>
+          </a:fontRef>
+        </p:style>
+      </p:cxnSp>
+      <p:cxnSp>
+        <p:nvCxnSpPr>
+          <p:cNvPr id="31" name="Straight Connector 30">
+            <a:extLst>
+              <a:ext uri="{FF2B5EF4-FFF2-40B4-BE49-F238E27FC236}">
+                <a16:creationId xmlns:a16="http://schemas.microsoft.com/office/drawing/2014/main" id="{38DEAABC-341B-4A3C-98A8-BFE1C67A8B1B}"/>
+              </a:ext>
+            </a:extLst>
+          </p:cNvPr>
+          <p:cNvCxnSpPr>
+            <a:cxnSpLocks/>
+          </p:cNvCxnSpPr>
+          <p:nvPr/>
+        </p:nvCxnSpPr>
+        <p:spPr>
+          <a:xfrm flipV="1">
+            <a:off x="4345415" y="2982402"/>
+            <a:ext cx="665620" cy="398822"/>
+          </a:xfrm>
+          <a:prstGeom prst="line">
+            <a:avLst/>
+          </a:prstGeom>
+          <a:ln w="76200">
+            <a:solidFill>
+              <a:srgbClr val="A71B86"/>
+            </a:solidFill>
+          </a:ln>
+        </p:spPr>
+        <p:style>
+          <a:lnRef idx="1">
+            <a:schemeClr val="accent1"/>
+          </a:lnRef>
+          <a:fillRef idx="0">
+            <a:schemeClr val="accent1"/>
+          </a:fillRef>
+          <a:effectRef idx="0">
+            <a:schemeClr val="accent1"/>
+          </a:effectRef>
+          <a:fontRef idx="minor">
+            <a:schemeClr val="tx1"/>
+          </a:fontRef>
+        </p:style>
+      </p:cxnSp>
+      <p:cxnSp>
+        <p:nvCxnSpPr>
+          <p:cNvPr id="40" name="Straight Connector 39">
+            <a:extLst>
+              <a:ext uri="{FF2B5EF4-FFF2-40B4-BE49-F238E27FC236}">
+                <a16:creationId xmlns:a16="http://schemas.microsoft.com/office/drawing/2014/main" id="{3CD6223C-D1D4-4254-8827-C0CDD6251FCD}"/>
+              </a:ext>
+            </a:extLst>
+          </p:cNvPr>
+          <p:cNvCxnSpPr>
+            <a:cxnSpLocks/>
+          </p:cNvCxnSpPr>
+          <p:nvPr/>
+        </p:nvCxnSpPr>
+        <p:spPr>
+          <a:xfrm>
+            <a:off x="5319136" y="2941676"/>
+            <a:ext cx="981624" cy="692523"/>
+          </a:xfrm>
+          <a:prstGeom prst="line">
+            <a:avLst/>
+          </a:prstGeom>
+          <a:ln w="76200">
+            <a:solidFill>
+              <a:srgbClr val="A71B86"/>
+            </a:solidFill>
+          </a:ln>
+        </p:spPr>
+        <p:style>
+          <a:lnRef idx="1">
+            <a:schemeClr val="accent1"/>
+          </a:lnRef>
+          <a:fillRef idx="0">
+            <a:schemeClr val="accent1"/>
+          </a:fillRef>
+          <a:effectRef idx="0">
+            <a:schemeClr val="accent1"/>
+          </a:effectRef>
+          <a:fontRef idx="minor">
+            <a:schemeClr val="tx1"/>
+          </a:fontRef>
+        </p:style>
+      </p:cxnSp>
+      <p:cxnSp>
+        <p:nvCxnSpPr>
+          <p:cNvPr id="41" name="Straight Connector 40">
+            <a:extLst>
+              <a:ext uri="{FF2B5EF4-FFF2-40B4-BE49-F238E27FC236}">
+                <a16:creationId xmlns:a16="http://schemas.microsoft.com/office/drawing/2014/main" id="{D214B847-5068-4FBE-9970-1B74864F6D1C}"/>
+              </a:ext>
+            </a:extLst>
+          </p:cNvPr>
+          <p:cNvCxnSpPr>
+            <a:cxnSpLocks/>
+          </p:cNvCxnSpPr>
+          <p:nvPr/>
+        </p:nvCxnSpPr>
+        <p:spPr>
+          <a:xfrm flipV="1">
+            <a:off x="5461820" y="3883356"/>
+            <a:ext cx="865836" cy="743686"/>
+          </a:xfrm>
+          <a:prstGeom prst="line">
+            <a:avLst/>
+          </a:prstGeom>
+          <a:ln w="76200">
+            <a:solidFill>
+              <a:srgbClr val="A71B86"/>
+            </a:solidFill>
+          </a:ln>
+        </p:spPr>
+        <p:style>
+          <a:lnRef idx="1">
+            <a:schemeClr val="accent1"/>
+          </a:lnRef>
+          <a:fillRef idx="0">
+            <a:schemeClr val="accent1"/>
+          </a:fillRef>
+          <a:effectRef idx="0">
+            <a:schemeClr val="accent1"/>
+          </a:effectRef>
+          <a:fontRef idx="minor">
+            <a:schemeClr val="tx1"/>
+          </a:fontRef>
+        </p:style>
+      </p:cxnSp>
+    </p:spTree>
+    <p:extLst>
+      <p:ext uri="{BB962C8B-B14F-4D97-AF65-F5344CB8AC3E}">
+        <p14:creationId xmlns:p14="http://schemas.microsoft.com/office/powerpoint/2010/main" val="2751095"/>
+      </p:ext>
+    </p:extLst>
+  </p:cSld>
+  <p:clrMapOvr>
+    <a:masterClrMapping/>
+  </p:clrMapOvr>
+</p:sld>
+</file>
+
+<file path=ppt/slides/slide20.xml><?xml version="1.0" encoding="utf-8"?>
 <p:sld xmlns:a="http://schemas.openxmlformats.org/drawingml/2006/main" xmlns:r="http://schemas.openxmlformats.org/officeDocument/2006/relationships" xmlns:p="http://schemas.openxmlformats.org/presentationml/2006/main">
   <p:cSld>
     <p:spTree>
@@ -29430,7 +28299,7 @@
 </p:sld>
 </file>
 
-<file path=ppt/slides/slide22.xml><?xml version="1.0" encoding="utf-8"?>
+<file path=ppt/slides/slide21.xml><?xml version="1.0" encoding="utf-8"?>
 <p:sld xmlns:a="http://schemas.openxmlformats.org/drawingml/2006/main" xmlns:r="http://schemas.openxmlformats.org/officeDocument/2006/relationships" xmlns:p="http://schemas.openxmlformats.org/presentationml/2006/main">
   <p:cSld>
     <p:spTree>
@@ -31636,7 +30505,7 @@
 </p:sld>
 </file>
 
-<file path=ppt/slides/slide23.xml><?xml version="1.0" encoding="utf-8"?>
+<file path=ppt/slides/slide22.xml><?xml version="1.0" encoding="utf-8"?>
 <p:sld xmlns:a="http://schemas.openxmlformats.org/drawingml/2006/main" xmlns:r="http://schemas.openxmlformats.org/officeDocument/2006/relationships" xmlns:p="http://schemas.openxmlformats.org/presentationml/2006/main">
   <p:cSld>
     <p:spTree>
@@ -33983,7 +32852,7 @@
 </p:sld>
 </file>
 
-<file path=ppt/slides/slide24.xml><?xml version="1.0" encoding="utf-8"?>
+<file path=ppt/slides/slide23.xml><?xml version="1.0" encoding="utf-8"?>
 <p:sld xmlns:a="http://schemas.openxmlformats.org/drawingml/2006/main" xmlns:r="http://schemas.openxmlformats.org/officeDocument/2006/relationships" xmlns:p="http://schemas.openxmlformats.org/presentationml/2006/main">
   <p:cSld>
     <p:spTree>
@@ -36495,8 +35364,8 @@
           </a:p>
         </p:txBody>
       </p:sp>
-      <mc:AlternateContent xmlns:mc="http://schemas.openxmlformats.org/markup-compatibility/2006">
-        <mc:Choice xmlns:a14="http://schemas.microsoft.com/office/drawing/2010/main" Requires="a14">
+      <mc:AlternateContent xmlns:mc="http://schemas.openxmlformats.org/markup-compatibility/2006" xmlns:a14="http://schemas.microsoft.com/office/drawing/2010/main">
+        <mc:Choice Requires="a14">
           <p:sp>
             <p:nvSpPr>
               <p:cNvPr id="54" name="TextBox 53">
@@ -36525,6 +35394,7 @@
               </a:bodyPr>
               <a:lstStyle/>
               <a:p>
+                <a:pPr/>
                 <a14:m>
                   <m:oMathPara xmlns:m="http://schemas.openxmlformats.org/officeDocument/2006/math">
                     <m:oMathParaPr>
@@ -36545,7 +35415,7 @@
             </p:txBody>
           </p:sp>
         </mc:Choice>
-        <mc:Fallback>
+        <mc:Fallback xmlns="">
           <p:sp>
             <p:nvSpPr>
               <p:cNvPr id="54" name="TextBox 53">
@@ -36603,7 +35473,7 @@
 </p:sld>
 </file>
 
-<file path=ppt/slides/slide25.xml><?xml version="1.0" encoding="utf-8"?>
+<file path=ppt/slides/slide24.xml><?xml version="1.0" encoding="utf-8"?>
 <p:sld xmlns:a="http://schemas.openxmlformats.org/drawingml/2006/main" xmlns:r="http://schemas.openxmlformats.org/officeDocument/2006/relationships" xmlns:p="http://schemas.openxmlformats.org/presentationml/2006/main">
   <p:cSld>
     <p:spTree>
@@ -39598,7 +38468,7 @@
 </p:sld>
 </file>
 
-<file path=ppt/slides/slide26.xml><?xml version="1.0" encoding="utf-8"?>
+<file path=ppt/slides/slide25.xml><?xml version="1.0" encoding="utf-8"?>
 <p:sld xmlns:a="http://schemas.openxmlformats.org/drawingml/2006/main" xmlns:r="http://schemas.openxmlformats.org/officeDocument/2006/relationships" xmlns:p="http://schemas.openxmlformats.org/presentationml/2006/main">
   <p:cSld>
     <p:bg>
@@ -41091,8 +39961,8 @@
           </a:p>
         </p:txBody>
       </p:sp>
-      <mc:AlternateContent xmlns:mc="http://schemas.openxmlformats.org/markup-compatibility/2006">
-        <mc:Choice xmlns:a14="http://schemas.microsoft.com/office/drawing/2010/main" Requires="a14">
+      <mc:AlternateContent xmlns:mc="http://schemas.openxmlformats.org/markup-compatibility/2006" xmlns:a14="http://schemas.microsoft.com/office/drawing/2010/main">
+        <mc:Choice Requires="a14">
           <p:sp>
             <p:nvSpPr>
               <p:cNvPr id="36" name="TextBox 35">
@@ -41882,7 +40752,7 @@
             </p:txBody>
           </p:sp>
         </mc:Choice>
-        <mc:Fallback>
+        <mc:Fallback xmlns="">
           <p:sp>
             <p:nvSpPr>
               <p:cNvPr id="36" name="TextBox 35">
@@ -42856,8 +41726,8 @@
           </a:p>
         </p:txBody>
       </p:sp>
-      <mc:AlternateContent xmlns:mc="http://schemas.openxmlformats.org/markup-compatibility/2006">
-        <mc:Choice xmlns:a14="http://schemas.microsoft.com/office/drawing/2010/main" Requires="a14">
+      <mc:AlternateContent xmlns:mc="http://schemas.openxmlformats.org/markup-compatibility/2006" xmlns:a14="http://schemas.microsoft.com/office/drawing/2010/main">
+        <mc:Choice Requires="a14">
           <p:sp>
             <p:nvSpPr>
               <p:cNvPr id="36" name="TextBox 35">
@@ -44272,7 +43142,7 @@
             </p:txBody>
           </p:sp>
         </mc:Choice>
-        <mc:Fallback>
+        <mc:Fallback xmlns="">
           <p:sp>
             <p:nvSpPr>
               <p:cNvPr id="36" name="TextBox 35">
@@ -48994,7 +47864,7 @@
             <p:spPr>
               <a:xfrm>
                 <a:off x="773935" y="1947592"/>
-                <a:ext cx="8859163" cy="1376082"/>
+                <a:ext cx="8859163" cy="2607189"/>
               </a:xfrm>
               <a:prstGeom prst="rect">
                 <a:avLst/>
@@ -49067,24 +47937,6 @@
                 </a:pPr>
                 <a14:m>
                   <m:oMath xmlns:m="http://schemas.openxmlformats.org/officeDocument/2006/math">
-                    <m:r>
-                      <a:rPr lang="en-US" sz="2000" i="1">
-                        <a:solidFill>
-                          <a:srgbClr val="404040"/>
-                        </a:solidFill>
-                        <a:latin typeface="Cambria Math" panose="02040503050406030204" pitchFamily="18" charset="0"/>
-                      </a:rPr>
-                      <m:t>𝑍</m:t>
-                    </m:r>
-                    <m:r>
-                      <a:rPr lang="en-US" sz="2000" i="1">
-                        <a:solidFill>
-                          <a:srgbClr val="404040"/>
-                        </a:solidFill>
-                        <a:latin typeface="Cambria Math" panose="02040503050406030204" pitchFamily="18" charset="0"/>
-                      </a:rPr>
-                      <m:t>=</m:t>
-                    </m:r>
                     <m:nary>
                       <m:naryPr>
                         <m:chr m:val="∑"/>
@@ -49241,6 +48093,132 @@
                   <a:t>=6</a:t>
                 </a:r>
               </a:p>
+              <a:p>
+                <a:pPr marL="742950" lvl="1" indent="-285750">
+                  <a:buFont typeface="Arial" panose="020B0604020202020204" pitchFamily="34" charset="0"/>
+                  <a:buChar char="•"/>
+                </a:pPr>
+                <a:endParaRPr lang="en-US" sz="2000" dirty="0">
+                  <a:solidFill>
+                    <a:srgbClr val="404040"/>
+                  </a:solidFill>
+                  <a:latin typeface="Corbel" panose="020B0503020204020204" pitchFamily="34" charset="0"/>
+                </a:endParaRPr>
+              </a:p>
+              <a:p>
+                <a:pPr marL="285750" indent="-285750">
+                  <a:buFont typeface="Arial" panose="020B0604020202020204" pitchFamily="34" charset="0"/>
+                  <a:buChar char="•"/>
+                </a:pPr>
+                <a:r>
+                  <a:rPr lang="en-US" sz="2000" dirty="0">
+                    <a:solidFill>
+                      <a:srgbClr val="404040"/>
+                    </a:solidFill>
+                    <a:latin typeface="Corbel" panose="020B0503020204020204" pitchFamily="34" charset="0"/>
+                  </a:rPr>
+                  <a:t>Computer solution is difficult without Excel QM</a:t>
+                </a:r>
+              </a:p>
+              <a:p>
+                <a:pPr marL="285750" indent="-285750">
+                  <a:buFont typeface="Arial" panose="020B0604020202020204" pitchFamily="34" charset="0"/>
+                  <a:buChar char="•"/>
+                </a:pPr>
+                <a:endParaRPr lang="en-US" sz="2000" dirty="0">
+                  <a:solidFill>
+                    <a:srgbClr val="404040"/>
+                  </a:solidFill>
+                  <a:latin typeface="Corbel" panose="020B0503020204020204" pitchFamily="34" charset="0"/>
+                </a:endParaRPr>
+              </a:p>
+              <a:p>
+                <a:pPr marL="285750" indent="-285750">
+                  <a:buFont typeface="Arial" panose="020B0604020202020204" pitchFamily="34" charset="0"/>
+                  <a:buChar char="•"/>
+                </a:pPr>
+                <a:r>
+                  <a:rPr lang="en-US" sz="2000" dirty="0">
+                    <a:solidFill>
+                      <a:srgbClr val="404040"/>
+                    </a:solidFill>
+                    <a:latin typeface="Corbel" panose="020B0503020204020204" pitchFamily="34" charset="0"/>
+                  </a:rPr>
+                  <a:t>Difficult to ensure </a:t>
+                </a:r>
+                <a:r>
+                  <a:rPr lang="en-US" sz="2000">
+                    <a:solidFill>
+                      <a:srgbClr val="404040"/>
+                    </a:solidFill>
+                    <a:latin typeface="Corbel" panose="020B0503020204020204" pitchFamily="34" charset="0"/>
+                  </a:rPr>
+                  <a:t>that every subset </a:t>
+                </a:r>
+                <a:r>
+                  <a:rPr lang="en-US" sz="2000" dirty="0">
+                    <a:solidFill>
+                      <a:srgbClr val="404040"/>
+                    </a:solidFill>
+                    <a:latin typeface="Corbel" panose="020B0503020204020204" pitchFamily="34" charset="0"/>
+                  </a:rPr>
+                  <a:t>of </a:t>
+                </a:r>
+                <a:r>
+                  <a:rPr lang="en-US" sz="2000" i="1">
+                    <a:solidFill>
+                      <a:srgbClr val="A71B86"/>
+                    </a:solidFill>
+                    <a:latin typeface="Corbel" panose="020B0503020204020204" pitchFamily="34" charset="0"/>
+                  </a:rPr>
+                  <a:t>k</a:t>
+                </a:r>
+                <a:r>
+                  <a:rPr lang="en-US" sz="2000">
+                    <a:solidFill>
+                      <a:srgbClr val="404040"/>
+                    </a:solidFill>
+                    <a:latin typeface="Corbel" panose="020B0503020204020204" pitchFamily="34" charset="0"/>
+                  </a:rPr>
+                  <a:t> vertices </a:t>
+                </a:r>
+                <a:r>
+                  <a:rPr lang="en-US" sz="2000" dirty="0">
+                    <a:solidFill>
+                      <a:srgbClr val="404040"/>
+                    </a:solidFill>
+                    <a:latin typeface="Corbel" panose="020B0503020204020204" pitchFamily="34" charset="0"/>
+                  </a:rPr>
+                  <a:t>h</a:t>
+                </a:r>
+                <a:r>
+                  <a:rPr lang="en-US" sz="2000">
+                    <a:solidFill>
+                      <a:srgbClr val="404040"/>
+                    </a:solidFill>
+                    <a:latin typeface="Corbel" panose="020B0503020204020204" pitchFamily="34" charset="0"/>
+                  </a:rPr>
+                  <a:t>as at most </a:t>
+                </a:r>
+                <a:r>
+                  <a:rPr lang="en-US" sz="2000" dirty="0">
+                    <a:solidFill>
+                      <a:srgbClr val="A71B86"/>
+                    </a:solidFill>
+                    <a:latin typeface="Corbel" panose="020B0503020204020204" pitchFamily="34" charset="0"/>
+                  </a:rPr>
+                  <a:t>k-1 </a:t>
+                </a:r>
+                <a:r>
+                  <a:rPr lang="en-US" sz="2000" dirty="0">
+                    <a:solidFill>
+                      <a:srgbClr val="404040"/>
+                    </a:solidFill>
+                    <a:latin typeface="Corbel" panose="020B0503020204020204" pitchFamily="34" charset="0"/>
+                  </a:rPr>
+                  <a:t>edges</a:t>
+                </a:r>
+              </a:p>
             </p:txBody>
           </p:sp>
         </mc:Choice>
@@ -49262,7 +48240,7 @@
             <p:spPr>
               <a:xfrm>
                 <a:off x="773935" y="1947592"/>
-                <a:ext cx="8859163" cy="1376082"/>
+                <a:ext cx="8859163" cy="2607189"/>
               </a:xfrm>
               <a:prstGeom prst="rect">
                 <a:avLst/>
@@ -49270,7 +48248,7 @@
               <a:blipFill>
                 <a:blip r:embed="rId4"/>
                 <a:stretch>
-                  <a:fillRect l="-619" t="-2212" b="-50000"/>
+                  <a:fillRect l="-619" t="-1168" b="-3271"/>
                 </a:stretch>
               </a:blipFill>
             </p:spPr>
@@ -49616,1030 +48594,6 @@
                 </a:solidFill>
                 <a:latin typeface="Bodoni MT" panose="02070603080606020203" pitchFamily="18" charset="0"/>
               </a:rPr>
-              <a:t>Ex: Cable Company</a:t>
-            </a:r>
-          </a:p>
-        </p:txBody>
-      </p:sp>
-      <p:pic>
-        <p:nvPicPr>
-          <p:cNvPr id="5" name="Content Placeholder 4" descr="A picture containing cage&#10;&#10;Description automatically generated">
-            <a:extLst>
-              <a:ext uri="{FF2B5EF4-FFF2-40B4-BE49-F238E27FC236}">
-                <a16:creationId xmlns:a16="http://schemas.microsoft.com/office/drawing/2014/main" id="{EF817497-4F98-4236-83EE-74FD8376B077}"/>
-              </a:ext>
-            </a:extLst>
-          </p:cNvPr>
-          <p:cNvPicPr>
-            <a:picLocks noGrp="1" noChangeAspect="1"/>
-          </p:cNvPicPr>
-          <p:nvPr>
-            <p:ph idx="1"/>
-          </p:nvPr>
-        </p:nvPicPr>
-        <p:blipFill>
-          <a:blip r:embed="rId3">
-            <a:extLst>
-              <a:ext uri="{28A0092B-C50C-407E-A947-70E740481C1C}">
-                <a14:useLocalDpi xmlns:a14="http://schemas.microsoft.com/office/drawing/2010/main" val="0"/>
-              </a:ext>
-            </a:extLst>
-          </a:blip>
-          <a:stretch>
-            <a:fillRect/>
-          </a:stretch>
-        </p:blipFill>
-        <p:spPr>
-          <a:xfrm>
-            <a:off x="9887140" y="47697"/>
-            <a:ext cx="2143125" cy="2143125"/>
-          </a:xfrm>
-        </p:spPr>
-      </p:pic>
-      <p:sp>
-        <p:nvSpPr>
-          <p:cNvPr id="17" name="Rectangle 16">
-            <a:extLst>
-              <a:ext uri="{FF2B5EF4-FFF2-40B4-BE49-F238E27FC236}">
-                <a16:creationId xmlns:a16="http://schemas.microsoft.com/office/drawing/2014/main" id="{C723ED3C-F5E6-4121-9EF2-DD9574E1A49F}"/>
-              </a:ext>
-            </a:extLst>
-          </p:cNvPr>
-          <p:cNvSpPr/>
-          <p:nvPr/>
-        </p:nvSpPr>
-        <p:spPr>
-          <a:xfrm>
-            <a:off x="10085294" y="2008116"/>
-            <a:ext cx="1776920" cy="76178"/>
-          </a:xfrm>
-          <a:prstGeom prst="rect">
-            <a:avLst/>
-          </a:prstGeom>
-          <a:solidFill>
-            <a:srgbClr val="11B29F"/>
-          </a:solidFill>
-          <a:ln>
-            <a:noFill/>
-          </a:ln>
-        </p:spPr>
-        <p:style>
-          <a:lnRef idx="2">
-            <a:schemeClr val="accent1">
-              <a:shade val="50000"/>
-            </a:schemeClr>
-          </a:lnRef>
-          <a:fillRef idx="1">
-            <a:schemeClr val="accent1"/>
-          </a:fillRef>
-          <a:effectRef idx="0">
-            <a:schemeClr val="accent1"/>
-          </a:effectRef>
-          <a:fontRef idx="minor">
-            <a:schemeClr val="lt1"/>
-          </a:fontRef>
-        </p:style>
-        <p:txBody>
-          <a:bodyPr rtlCol="0" anchor="ctr"/>
-          <a:lstStyle/>
-          <a:p>
-            <a:pPr algn="ctr"/>
-            <a:endParaRPr lang="en-US"/>
-          </a:p>
-        </p:txBody>
-      </p:sp>
-      <p:sp>
-        <p:nvSpPr>
-          <p:cNvPr id="21" name="Rectangle 20">
-            <a:extLst>
-              <a:ext uri="{FF2B5EF4-FFF2-40B4-BE49-F238E27FC236}">
-                <a16:creationId xmlns:a16="http://schemas.microsoft.com/office/drawing/2014/main" id="{F9E0EC60-66D4-4536-A867-30142339BAA7}"/>
-              </a:ext>
-            </a:extLst>
-          </p:cNvPr>
-          <p:cNvSpPr/>
-          <p:nvPr/>
-        </p:nvSpPr>
-        <p:spPr>
-          <a:xfrm>
-            <a:off x="10085294" y="2129819"/>
-            <a:ext cx="1776920" cy="76178"/>
-          </a:xfrm>
-          <a:prstGeom prst="rect">
-            <a:avLst/>
-          </a:prstGeom>
-          <a:solidFill>
-            <a:srgbClr val="A71B86"/>
-          </a:solidFill>
-          <a:ln>
-            <a:noFill/>
-          </a:ln>
-        </p:spPr>
-        <p:style>
-          <a:lnRef idx="2">
-            <a:schemeClr val="accent1">
-              <a:shade val="50000"/>
-            </a:schemeClr>
-          </a:lnRef>
-          <a:fillRef idx="1">
-            <a:schemeClr val="accent1"/>
-          </a:fillRef>
-          <a:effectRef idx="0">
-            <a:schemeClr val="accent1"/>
-          </a:effectRef>
-          <a:fontRef idx="minor">
-            <a:schemeClr val="lt1"/>
-          </a:fontRef>
-        </p:style>
-        <p:txBody>
-          <a:bodyPr rtlCol="0" anchor="ctr"/>
-          <a:lstStyle/>
-          <a:p>
-            <a:pPr algn="ctr"/>
-            <a:endParaRPr lang="en-US"/>
-          </a:p>
-        </p:txBody>
-      </p:sp>
-      <p:sp>
-        <p:nvSpPr>
-          <p:cNvPr id="22" name="Rectangle 21">
-            <a:extLst>
-              <a:ext uri="{FF2B5EF4-FFF2-40B4-BE49-F238E27FC236}">
-                <a16:creationId xmlns:a16="http://schemas.microsoft.com/office/drawing/2014/main" id="{F95AED49-24A8-4D10-9D31-F944565EC1B2}"/>
-              </a:ext>
-            </a:extLst>
-          </p:cNvPr>
-          <p:cNvSpPr/>
-          <p:nvPr/>
-        </p:nvSpPr>
-        <p:spPr>
-          <a:xfrm>
-            <a:off x="10085294" y="2251522"/>
-            <a:ext cx="1776920" cy="150200"/>
-          </a:xfrm>
-          <a:prstGeom prst="rect">
-            <a:avLst/>
-          </a:prstGeom>
-          <a:solidFill>
-            <a:srgbClr val="11B29F"/>
-          </a:solidFill>
-          <a:ln>
-            <a:noFill/>
-          </a:ln>
-        </p:spPr>
-        <p:style>
-          <a:lnRef idx="2">
-            <a:schemeClr val="accent1">
-              <a:shade val="50000"/>
-            </a:schemeClr>
-          </a:lnRef>
-          <a:fillRef idx="1">
-            <a:schemeClr val="accent1"/>
-          </a:fillRef>
-          <a:effectRef idx="0">
-            <a:schemeClr val="accent1"/>
-          </a:effectRef>
-          <a:fontRef idx="minor">
-            <a:schemeClr val="lt1"/>
-          </a:fontRef>
-        </p:style>
-        <p:txBody>
-          <a:bodyPr rtlCol="0" anchor="ctr"/>
-          <a:lstStyle/>
-          <a:p>
-            <a:pPr algn="ctr"/>
-            <a:endParaRPr lang="en-US"/>
-          </a:p>
-        </p:txBody>
-      </p:sp>
-      <p:sp>
-        <p:nvSpPr>
-          <p:cNvPr id="24" name="Rectangle 23">
-            <a:extLst>
-              <a:ext uri="{FF2B5EF4-FFF2-40B4-BE49-F238E27FC236}">
-                <a16:creationId xmlns:a16="http://schemas.microsoft.com/office/drawing/2014/main" id="{993D5826-407C-4F65-BE3A-EB593B942A36}"/>
-              </a:ext>
-            </a:extLst>
-          </p:cNvPr>
-          <p:cNvSpPr/>
-          <p:nvPr/>
-        </p:nvSpPr>
-        <p:spPr>
-          <a:xfrm>
-            <a:off x="10085294" y="2447247"/>
-            <a:ext cx="1776920" cy="150200"/>
-          </a:xfrm>
-          <a:prstGeom prst="rect">
-            <a:avLst/>
-          </a:prstGeom>
-          <a:solidFill>
-            <a:srgbClr val="A71B86"/>
-          </a:solidFill>
-          <a:ln>
-            <a:noFill/>
-          </a:ln>
-        </p:spPr>
-        <p:style>
-          <a:lnRef idx="2">
-            <a:schemeClr val="accent1">
-              <a:shade val="50000"/>
-            </a:schemeClr>
-          </a:lnRef>
-          <a:fillRef idx="1">
-            <a:schemeClr val="accent1"/>
-          </a:fillRef>
-          <a:effectRef idx="0">
-            <a:schemeClr val="accent1"/>
-          </a:effectRef>
-          <a:fontRef idx="minor">
-            <a:schemeClr val="lt1"/>
-          </a:fontRef>
-        </p:style>
-        <p:txBody>
-          <a:bodyPr rtlCol="0" anchor="ctr"/>
-          <a:lstStyle/>
-          <a:p>
-            <a:pPr algn="ctr"/>
-            <a:endParaRPr lang="en-US"/>
-          </a:p>
-        </p:txBody>
-      </p:sp>
-      <p:sp>
-        <p:nvSpPr>
-          <p:cNvPr id="25" name="Rectangle 24">
-            <a:extLst>
-              <a:ext uri="{FF2B5EF4-FFF2-40B4-BE49-F238E27FC236}">
-                <a16:creationId xmlns:a16="http://schemas.microsoft.com/office/drawing/2014/main" id="{D2785A94-4D0B-4559-9303-3C963AA0EF9A}"/>
-              </a:ext>
-            </a:extLst>
-          </p:cNvPr>
-          <p:cNvSpPr/>
-          <p:nvPr/>
-        </p:nvSpPr>
-        <p:spPr>
-          <a:xfrm>
-            <a:off x="10085294" y="2642972"/>
-            <a:ext cx="1776920" cy="362446"/>
-          </a:xfrm>
-          <a:prstGeom prst="rect">
-            <a:avLst/>
-          </a:prstGeom>
-          <a:solidFill>
-            <a:srgbClr val="11B29F"/>
-          </a:solidFill>
-          <a:ln>
-            <a:noFill/>
-          </a:ln>
-        </p:spPr>
-        <p:style>
-          <a:lnRef idx="2">
-            <a:schemeClr val="accent1">
-              <a:shade val="50000"/>
-            </a:schemeClr>
-          </a:lnRef>
-          <a:fillRef idx="1">
-            <a:schemeClr val="accent1"/>
-          </a:fillRef>
-          <a:effectRef idx="0">
-            <a:schemeClr val="accent1"/>
-          </a:effectRef>
-          <a:fontRef idx="minor">
-            <a:schemeClr val="lt1"/>
-          </a:fontRef>
-        </p:style>
-        <p:txBody>
-          <a:bodyPr rtlCol="0" anchor="ctr"/>
-          <a:lstStyle/>
-          <a:p>
-            <a:pPr algn="ctr"/>
-            <a:endParaRPr lang="en-US"/>
-          </a:p>
-        </p:txBody>
-      </p:sp>
-      <p:sp>
-        <p:nvSpPr>
-          <p:cNvPr id="26" name="Rectangle 25">
-            <a:extLst>
-              <a:ext uri="{FF2B5EF4-FFF2-40B4-BE49-F238E27FC236}">
-                <a16:creationId xmlns:a16="http://schemas.microsoft.com/office/drawing/2014/main" id="{B235F2E9-4558-433D-9527-7EFF5C5E78A8}"/>
-              </a:ext>
-            </a:extLst>
-          </p:cNvPr>
-          <p:cNvSpPr/>
-          <p:nvPr/>
-        </p:nvSpPr>
-        <p:spPr>
-          <a:xfrm>
-            <a:off x="10085294" y="3050943"/>
-            <a:ext cx="1776920" cy="362446"/>
-          </a:xfrm>
-          <a:prstGeom prst="rect">
-            <a:avLst/>
-          </a:prstGeom>
-          <a:solidFill>
-            <a:srgbClr val="A71B86"/>
-          </a:solidFill>
-          <a:ln>
-            <a:noFill/>
-          </a:ln>
-        </p:spPr>
-        <p:style>
-          <a:lnRef idx="2">
-            <a:schemeClr val="accent1">
-              <a:shade val="50000"/>
-            </a:schemeClr>
-          </a:lnRef>
-          <a:fillRef idx="1">
-            <a:schemeClr val="accent1"/>
-          </a:fillRef>
-          <a:effectRef idx="0">
-            <a:schemeClr val="accent1"/>
-          </a:effectRef>
-          <a:fontRef idx="minor">
-            <a:schemeClr val="lt1"/>
-          </a:fontRef>
-        </p:style>
-        <p:txBody>
-          <a:bodyPr rtlCol="0" anchor="ctr"/>
-          <a:lstStyle/>
-          <a:p>
-            <a:pPr algn="ctr"/>
-            <a:endParaRPr lang="en-US"/>
-          </a:p>
-        </p:txBody>
-      </p:sp>
-      <p:sp>
-        <p:nvSpPr>
-          <p:cNvPr id="27" name="Rectangle 26">
-            <a:extLst>
-              <a:ext uri="{FF2B5EF4-FFF2-40B4-BE49-F238E27FC236}">
-                <a16:creationId xmlns:a16="http://schemas.microsoft.com/office/drawing/2014/main" id="{99613B87-411B-4008-BF30-F1A3B8F247B5}"/>
-              </a:ext>
-            </a:extLst>
-          </p:cNvPr>
-          <p:cNvSpPr/>
-          <p:nvPr/>
-        </p:nvSpPr>
-        <p:spPr>
-          <a:xfrm>
-            <a:off x="10085294" y="3490136"/>
-            <a:ext cx="1776920" cy="3367864"/>
-          </a:xfrm>
-          <a:prstGeom prst="rect">
-            <a:avLst/>
-          </a:prstGeom>
-          <a:solidFill>
-            <a:srgbClr val="11B29F"/>
-          </a:solidFill>
-          <a:ln>
-            <a:noFill/>
-          </a:ln>
-        </p:spPr>
-        <p:style>
-          <a:lnRef idx="2">
-            <a:schemeClr val="accent1">
-              <a:shade val="50000"/>
-            </a:schemeClr>
-          </a:lnRef>
-          <a:fillRef idx="1">
-            <a:schemeClr val="accent1"/>
-          </a:fillRef>
-          <a:effectRef idx="0">
-            <a:schemeClr val="accent1"/>
-          </a:effectRef>
-          <a:fontRef idx="minor">
-            <a:schemeClr val="lt1"/>
-          </a:fontRef>
-        </p:style>
-        <p:txBody>
-          <a:bodyPr rtlCol="0" anchor="ctr"/>
-          <a:lstStyle/>
-          <a:p>
-            <a:pPr algn="ctr"/>
-            <a:endParaRPr lang="en-US"/>
-          </a:p>
-        </p:txBody>
-      </p:sp>
-      <p:sp>
-        <p:nvSpPr>
-          <p:cNvPr id="32" name="Rectangle 31">
-            <a:extLst>
-              <a:ext uri="{FF2B5EF4-FFF2-40B4-BE49-F238E27FC236}">
-                <a16:creationId xmlns:a16="http://schemas.microsoft.com/office/drawing/2014/main" id="{145B3BD2-B1C1-4ED2-A4E0-5E17DD3736F1}"/>
-              </a:ext>
-            </a:extLst>
-          </p:cNvPr>
-          <p:cNvSpPr/>
-          <p:nvPr/>
-        </p:nvSpPr>
-        <p:spPr>
-          <a:xfrm rot="19800000">
-            <a:off x="-765351" y="385789"/>
-            <a:ext cx="4026751" cy="269178"/>
-          </a:xfrm>
-          <a:prstGeom prst="rect">
-            <a:avLst/>
-          </a:prstGeom>
-          <a:solidFill>
-            <a:srgbClr val="A71B86"/>
-          </a:solidFill>
-          <a:ln>
-            <a:noFill/>
-          </a:ln>
-        </p:spPr>
-        <p:style>
-          <a:lnRef idx="2">
-            <a:schemeClr val="accent1">
-              <a:shade val="50000"/>
-            </a:schemeClr>
-          </a:lnRef>
-          <a:fillRef idx="1">
-            <a:schemeClr val="accent1"/>
-          </a:fillRef>
-          <a:effectRef idx="0">
-            <a:schemeClr val="accent1"/>
-          </a:effectRef>
-          <a:fontRef idx="minor">
-            <a:schemeClr val="lt1"/>
-          </a:fontRef>
-        </p:style>
-        <p:txBody>
-          <a:bodyPr rtlCol="0" anchor="ctr"/>
-          <a:lstStyle/>
-          <a:p>
-            <a:pPr algn="ctr"/>
-            <a:endParaRPr lang="en-US"/>
-          </a:p>
-        </p:txBody>
-      </p:sp>
-      <p:sp>
-        <p:nvSpPr>
-          <p:cNvPr id="33" name="Rectangle 32">
-            <a:extLst>
-              <a:ext uri="{FF2B5EF4-FFF2-40B4-BE49-F238E27FC236}">
-                <a16:creationId xmlns:a16="http://schemas.microsoft.com/office/drawing/2014/main" id="{DC3B2826-65DD-408B-8F18-8CCD6C052D8D}"/>
-              </a:ext>
-            </a:extLst>
-          </p:cNvPr>
-          <p:cNvSpPr/>
-          <p:nvPr/>
-        </p:nvSpPr>
-        <p:spPr>
-          <a:xfrm rot="19800000">
-            <a:off x="9257156" y="6226296"/>
-            <a:ext cx="4026751" cy="269178"/>
-          </a:xfrm>
-          <a:prstGeom prst="rect">
-            <a:avLst/>
-          </a:prstGeom>
-          <a:solidFill>
-            <a:srgbClr val="A71B86"/>
-          </a:solidFill>
-          <a:ln>
-            <a:noFill/>
-          </a:ln>
-        </p:spPr>
-        <p:style>
-          <a:lnRef idx="2">
-            <a:schemeClr val="accent1">
-              <a:shade val="50000"/>
-            </a:schemeClr>
-          </a:lnRef>
-          <a:fillRef idx="1">
-            <a:schemeClr val="accent1"/>
-          </a:fillRef>
-          <a:effectRef idx="0">
-            <a:schemeClr val="accent1"/>
-          </a:effectRef>
-          <a:fontRef idx="minor">
-            <a:schemeClr val="lt1"/>
-          </a:fontRef>
-        </p:style>
-        <p:txBody>
-          <a:bodyPr rtlCol="0" anchor="ctr"/>
-          <a:lstStyle/>
-          <a:p>
-            <a:pPr algn="ctr"/>
-            <a:endParaRPr lang="en-US"/>
-          </a:p>
-        </p:txBody>
-      </p:sp>
-      <p:sp>
-        <p:nvSpPr>
-          <p:cNvPr id="35" name="Rectangle 34">
-            <a:extLst>
-              <a:ext uri="{FF2B5EF4-FFF2-40B4-BE49-F238E27FC236}">
-                <a16:creationId xmlns:a16="http://schemas.microsoft.com/office/drawing/2014/main" id="{4935F901-F632-4698-8C7A-AC29B2397A6C}"/>
-              </a:ext>
-            </a:extLst>
-          </p:cNvPr>
-          <p:cNvSpPr/>
-          <p:nvPr/>
-        </p:nvSpPr>
-        <p:spPr>
-          <a:xfrm rot="19800000">
-            <a:off x="8263809" y="5824178"/>
-            <a:ext cx="4731177" cy="269178"/>
-          </a:xfrm>
-          <a:prstGeom prst="rect">
-            <a:avLst/>
-          </a:prstGeom>
-          <a:solidFill>
-            <a:srgbClr val="A71B86"/>
-          </a:solidFill>
-          <a:ln>
-            <a:noFill/>
-          </a:ln>
-        </p:spPr>
-        <p:style>
-          <a:lnRef idx="2">
-            <a:schemeClr val="accent1">
-              <a:shade val="50000"/>
-            </a:schemeClr>
-          </a:lnRef>
-          <a:fillRef idx="1">
-            <a:schemeClr val="accent1"/>
-          </a:fillRef>
-          <a:effectRef idx="0">
-            <a:schemeClr val="accent1"/>
-          </a:effectRef>
-          <a:fontRef idx="minor">
-            <a:schemeClr val="lt1"/>
-          </a:fontRef>
-        </p:style>
-        <p:txBody>
-          <a:bodyPr rtlCol="0" anchor="ctr"/>
-          <a:lstStyle/>
-          <a:p>
-            <a:pPr algn="ctr"/>
-            <a:endParaRPr lang="en-US"/>
-          </a:p>
-        </p:txBody>
-      </p:sp>
-      <p:sp>
-        <p:nvSpPr>
-          <p:cNvPr id="36" name="TextBox 35">
-            <a:extLst>
-              <a:ext uri="{FF2B5EF4-FFF2-40B4-BE49-F238E27FC236}">
-                <a16:creationId xmlns:a16="http://schemas.microsoft.com/office/drawing/2014/main" id="{389720C5-6DCB-428D-8C4F-A02DEC239333}"/>
-              </a:ext>
-            </a:extLst>
-          </p:cNvPr>
-          <p:cNvSpPr txBox="1"/>
-          <p:nvPr/>
-        </p:nvSpPr>
-        <p:spPr>
-          <a:xfrm>
-            <a:off x="773935" y="1947592"/>
-            <a:ext cx="8859163" cy="1015663"/>
-          </a:xfrm>
-          <a:prstGeom prst="rect">
-            <a:avLst/>
-          </a:prstGeom>
-          <a:noFill/>
-        </p:spPr>
-        <p:txBody>
-          <a:bodyPr wrap="square" rtlCol="0">
-            <a:spAutoFit/>
-          </a:bodyPr>
-          <a:lstStyle/>
-          <a:p>
-            <a:pPr marL="285750" indent="-285750">
-              <a:buFont typeface="Arial" panose="020B0604020202020204" pitchFamily="34" charset="0"/>
-              <a:buChar char="•"/>
-            </a:pPr>
-            <a:r>
-              <a:rPr lang="en-US" sz="2000" dirty="0">
-                <a:solidFill>
-                  <a:srgbClr val="404040"/>
-                </a:solidFill>
-                <a:latin typeface="Corbel" panose="020B0503020204020204" pitchFamily="34" charset="0"/>
-              </a:rPr>
-              <a:t>Download </a:t>
-            </a:r>
-            <a:r>
-              <a:rPr lang="en-US" sz="2000" dirty="0">
-                <a:solidFill>
-                  <a:srgbClr val="A71B86"/>
-                </a:solidFill>
-                <a:latin typeface="Corbel" panose="020B0503020204020204" pitchFamily="34" charset="0"/>
-              </a:rPr>
-              <a:t>CableSpanning.xlsx</a:t>
-            </a:r>
-            <a:r>
-              <a:rPr lang="en-US" sz="2000" dirty="0">
-                <a:solidFill>
-                  <a:srgbClr val="404040"/>
-                </a:solidFill>
-                <a:latin typeface="Corbel" panose="020B0503020204020204" pitchFamily="34" charset="0"/>
-              </a:rPr>
-              <a:t> from course website from link </a:t>
-            </a:r>
-            <a:r>
-              <a:rPr lang="en-US" sz="2000" dirty="0">
-                <a:solidFill>
-                  <a:srgbClr val="A71B86"/>
-                </a:solidFill>
-                <a:latin typeface="Corbel" panose="020B0503020204020204" pitchFamily="34" charset="0"/>
-              </a:rPr>
-              <a:t>Sheet 1</a:t>
-            </a:r>
-          </a:p>
-          <a:p>
-            <a:pPr marL="742950" lvl="1" indent="-285750">
-              <a:buFont typeface="Arial" panose="020B0604020202020204" pitchFamily="34" charset="0"/>
-              <a:buChar char="•"/>
-            </a:pPr>
-            <a:endParaRPr lang="en-US" sz="2000" dirty="0">
-              <a:solidFill>
-                <a:srgbClr val="404040"/>
-              </a:solidFill>
-              <a:latin typeface="Corbel" panose="020B0503020204020204" pitchFamily="34" charset="0"/>
-            </a:endParaRPr>
-          </a:p>
-          <a:p>
-            <a:pPr marL="742950" lvl="1" indent="-285750">
-              <a:buFont typeface="Arial" panose="020B0604020202020204" pitchFamily="34" charset="0"/>
-              <a:buChar char="•"/>
-            </a:pPr>
-            <a:endParaRPr lang="en-US" sz="2000" dirty="0">
-              <a:solidFill>
-                <a:srgbClr val="404040"/>
-              </a:solidFill>
-              <a:latin typeface="Corbel" panose="020B0503020204020204" pitchFamily="34" charset="0"/>
-            </a:endParaRPr>
-          </a:p>
-        </p:txBody>
-      </p:sp>
-      <p:pic>
-        <p:nvPicPr>
-          <p:cNvPr id="37" name="Graphic 36" descr="Palm tree">
-            <a:extLst>
-              <a:ext uri="{FF2B5EF4-FFF2-40B4-BE49-F238E27FC236}">
-                <a16:creationId xmlns:a16="http://schemas.microsoft.com/office/drawing/2014/main" id="{79F2EC1B-9713-4CCF-8301-82ED265F3940}"/>
-              </a:ext>
-            </a:extLst>
-          </p:cNvPr>
-          <p:cNvPicPr>
-            <a:picLocks noChangeAspect="1"/>
-          </p:cNvPicPr>
-          <p:nvPr/>
-        </p:nvPicPr>
-        <p:blipFill>
-          <a:blip r:embed="rId4">
-            <a:extLst>
-              <a:ext uri="{28A0092B-C50C-407E-A947-70E740481C1C}">
-                <a14:useLocalDpi xmlns:a14="http://schemas.microsoft.com/office/drawing/2010/main" val="0"/>
-              </a:ext>
-              <a:ext uri="{96DAC541-7B7A-43D3-8B79-37D633B846F1}">
-                <asvg:svgBlip xmlns:asvg="http://schemas.microsoft.com/office/drawing/2016/SVG/main" r:embed="rId5"/>
-              </a:ext>
-            </a:extLst>
-          </a:blip>
-          <a:stretch>
-            <a:fillRect/>
-          </a:stretch>
-        </p:blipFill>
-        <p:spPr>
-          <a:xfrm>
-            <a:off x="8964994" y="809490"/>
-            <a:ext cx="914400" cy="914400"/>
-          </a:xfrm>
-          <a:prstGeom prst="rect">
-            <a:avLst/>
-          </a:prstGeom>
-        </p:spPr>
-      </p:pic>
-      <p:pic>
-        <p:nvPicPr>
-          <p:cNvPr id="38" name="Graphic 37" descr="Palm tree">
-            <a:extLst>
-              <a:ext uri="{FF2B5EF4-FFF2-40B4-BE49-F238E27FC236}">
-                <a16:creationId xmlns:a16="http://schemas.microsoft.com/office/drawing/2014/main" id="{11C9CA6F-B5F0-4837-8E50-85C201ADA4F1}"/>
-              </a:ext>
-            </a:extLst>
-          </p:cNvPr>
-          <p:cNvPicPr>
-            <a:picLocks noChangeAspect="1"/>
-          </p:cNvPicPr>
-          <p:nvPr/>
-        </p:nvPicPr>
-        <p:blipFill>
-          <a:blip r:embed="rId4">
-            <a:extLst>
-              <a:ext uri="{28A0092B-C50C-407E-A947-70E740481C1C}">
-                <a14:useLocalDpi xmlns:a14="http://schemas.microsoft.com/office/drawing/2010/main" val="0"/>
-              </a:ext>
-              <a:ext uri="{96DAC541-7B7A-43D3-8B79-37D633B846F1}">
-                <asvg:svgBlip xmlns:asvg="http://schemas.microsoft.com/office/drawing/2016/SVG/main" r:embed="rId5"/>
-              </a:ext>
-            </a:extLst>
-          </a:blip>
-          <a:stretch>
-            <a:fillRect/>
-          </a:stretch>
-        </p:blipFill>
-        <p:spPr>
-          <a:xfrm>
-            <a:off x="8834542" y="1142112"/>
-            <a:ext cx="553133" cy="553133"/>
-          </a:xfrm>
-          <a:prstGeom prst="rect">
-            <a:avLst/>
-          </a:prstGeom>
-        </p:spPr>
-      </p:pic>
-      <p:pic>
-        <p:nvPicPr>
-          <p:cNvPr id="39" name="Graphic 38" descr="Palm tree">
-            <a:extLst>
-              <a:ext uri="{FF2B5EF4-FFF2-40B4-BE49-F238E27FC236}">
-                <a16:creationId xmlns:a16="http://schemas.microsoft.com/office/drawing/2014/main" id="{585AC1AD-01C8-4E2D-8361-4BEA62A48584}"/>
-              </a:ext>
-            </a:extLst>
-          </p:cNvPr>
-          <p:cNvPicPr>
-            <a:picLocks noChangeAspect="1"/>
-          </p:cNvPicPr>
-          <p:nvPr/>
-        </p:nvPicPr>
-        <p:blipFill>
-          <a:blip r:embed="rId4">
-            <a:extLst>
-              <a:ext uri="{28A0092B-C50C-407E-A947-70E740481C1C}">
-                <a14:useLocalDpi xmlns:a14="http://schemas.microsoft.com/office/drawing/2010/main" val="0"/>
-              </a:ext>
-              <a:ext uri="{96DAC541-7B7A-43D3-8B79-37D633B846F1}">
-                <asvg:svgBlip xmlns:asvg="http://schemas.microsoft.com/office/drawing/2016/SVG/main" r:embed="rId5"/>
-              </a:ext>
-            </a:extLst>
-          </a:blip>
-          <a:stretch>
-            <a:fillRect/>
-          </a:stretch>
-        </p:blipFill>
-        <p:spPr>
-          <a:xfrm>
-            <a:off x="9387675" y="1277468"/>
-            <a:ext cx="404329" cy="404329"/>
-          </a:xfrm>
-          <a:prstGeom prst="rect">
-            <a:avLst/>
-          </a:prstGeom>
-        </p:spPr>
-      </p:pic>
-      <p:pic>
-        <p:nvPicPr>
-          <p:cNvPr id="3" name="Picture 2">
-            <a:extLst>
-              <a:ext uri="{FF2B5EF4-FFF2-40B4-BE49-F238E27FC236}">
-                <a16:creationId xmlns:a16="http://schemas.microsoft.com/office/drawing/2014/main" id="{A5EE0055-3AB8-44E0-B3B8-5B867A968190}"/>
-              </a:ext>
-            </a:extLst>
-          </p:cNvPr>
-          <p:cNvPicPr>
-            <a:picLocks noChangeAspect="1"/>
-          </p:cNvPicPr>
-          <p:nvPr/>
-        </p:nvPicPr>
-        <p:blipFill>
-          <a:blip r:embed="rId6"/>
-          <a:stretch>
-            <a:fillRect/>
-          </a:stretch>
-        </p:blipFill>
-        <p:spPr>
-          <a:xfrm>
-            <a:off x="1214309" y="2401722"/>
-            <a:ext cx="7291313" cy="4261296"/>
-          </a:xfrm>
-          <a:prstGeom prst="rect">
-            <a:avLst/>
-          </a:prstGeom>
-          <a:ln w="38100">
-            <a:solidFill>
-              <a:srgbClr val="11B29F"/>
-            </a:solidFill>
-          </a:ln>
-          <a:effectLst>
-            <a:outerShdw blurRad="292100" dist="139700" dir="2700000" algn="tl" rotWithShape="0">
-              <a:srgbClr val="333333">
-                <a:alpha val="65000"/>
-              </a:srgbClr>
-            </a:outerShdw>
-          </a:effectLst>
-        </p:spPr>
-      </p:pic>
-    </p:spTree>
-    <p:extLst>
-      <p:ext uri="{BB962C8B-B14F-4D97-AF65-F5344CB8AC3E}">
-        <p14:creationId xmlns:p14="http://schemas.microsoft.com/office/powerpoint/2010/main" val="2179353026"/>
-      </p:ext>
-    </p:extLst>
-  </p:cSld>
-  <p:clrMapOvr>
-    <a:masterClrMapping/>
-  </p:clrMapOvr>
-</p:sld>
-</file>
-
-<file path=ppt/slides/slide9.xml><?xml version="1.0" encoding="utf-8"?>
-<p:sld xmlns:a="http://schemas.openxmlformats.org/drawingml/2006/main" xmlns:r="http://schemas.openxmlformats.org/officeDocument/2006/relationships" xmlns:p="http://schemas.openxmlformats.org/presentationml/2006/main">
-  <p:cSld>
-    <p:spTree>
-      <p:nvGrpSpPr>
-        <p:cNvPr id="1" name=""/>
-        <p:cNvGrpSpPr/>
-        <p:nvPr/>
-      </p:nvGrpSpPr>
-      <p:grpSpPr>
-        <a:xfrm>
-          <a:off x="0" y="0"/>
-          <a:ext cx="0" cy="0"/>
-          <a:chOff x="0" y="0"/>
-          <a:chExt cx="0" cy="0"/>
-        </a:xfrm>
-      </p:grpSpPr>
-      <p:sp>
-        <p:nvSpPr>
-          <p:cNvPr id="28" name="Rectangle 27">
-            <a:extLst>
-              <a:ext uri="{FF2B5EF4-FFF2-40B4-BE49-F238E27FC236}">
-                <a16:creationId xmlns:a16="http://schemas.microsoft.com/office/drawing/2014/main" id="{1568D3DA-67F7-464C-95FF-D7D56F4038D6}"/>
-              </a:ext>
-            </a:extLst>
-          </p:cNvPr>
-          <p:cNvSpPr/>
-          <p:nvPr/>
-        </p:nvSpPr>
-        <p:spPr>
-          <a:xfrm rot="19800000">
-            <a:off x="-597297" y="674901"/>
-            <a:ext cx="4026751" cy="269178"/>
-          </a:xfrm>
-          <a:prstGeom prst="rect">
-            <a:avLst/>
-          </a:prstGeom>
-          <a:solidFill>
-            <a:srgbClr val="A71B86"/>
-          </a:solidFill>
-          <a:ln>
-            <a:noFill/>
-          </a:ln>
-        </p:spPr>
-        <p:style>
-          <a:lnRef idx="2">
-            <a:schemeClr val="accent1">
-              <a:shade val="50000"/>
-            </a:schemeClr>
-          </a:lnRef>
-          <a:fillRef idx="1">
-            <a:schemeClr val="accent1"/>
-          </a:fillRef>
-          <a:effectRef idx="0">
-            <a:schemeClr val="accent1"/>
-          </a:effectRef>
-          <a:fontRef idx="minor">
-            <a:schemeClr val="lt1"/>
-          </a:fontRef>
-        </p:style>
-        <p:txBody>
-          <a:bodyPr rtlCol="0" anchor="ctr"/>
-          <a:lstStyle/>
-          <a:p>
-            <a:pPr algn="ctr"/>
-            <a:endParaRPr lang="en-US"/>
-          </a:p>
-        </p:txBody>
-      </p:sp>
-      <p:pic>
-        <p:nvPicPr>
-          <p:cNvPr id="11" name="Picture 10" descr="A large body of water&#10;&#10;Description automatically generated">
-            <a:extLst>
-              <a:ext uri="{FF2B5EF4-FFF2-40B4-BE49-F238E27FC236}">
-                <a16:creationId xmlns:a16="http://schemas.microsoft.com/office/drawing/2014/main" id="{B83B0471-BE25-41B4-B185-53BEB6528B89}"/>
-              </a:ext>
-            </a:extLst>
-          </p:cNvPr>
-          <p:cNvPicPr>
-            <a:picLocks noChangeAspect="1"/>
-          </p:cNvPicPr>
-          <p:nvPr/>
-        </p:nvPicPr>
-        <p:blipFill rotWithShape="1">
-          <a:blip r:embed="rId2">
-            <a:alphaModFix amt="20000"/>
-            <a:extLst>
-              <a:ext uri="{28A0092B-C50C-407E-A947-70E740481C1C}">
-                <a14:useLocalDpi xmlns:a14="http://schemas.microsoft.com/office/drawing/2010/main" val="0"/>
-              </a:ext>
-            </a:extLst>
-          </a:blip>
-          <a:srcRect t="34654" b="43573"/>
-          <a:stretch/>
-        </p:blipFill>
-        <p:spPr>
-          <a:xfrm>
-            <a:off x="773935" y="442465"/>
-            <a:ext cx="9018070" cy="1308226"/>
-          </a:xfrm>
-          <a:prstGeom prst="rect">
-            <a:avLst/>
-          </a:prstGeom>
-        </p:spPr>
-      </p:pic>
-      <p:sp>
-        <p:nvSpPr>
-          <p:cNvPr id="34" name="Rectangle 33">
-            <a:extLst>
-              <a:ext uri="{FF2B5EF4-FFF2-40B4-BE49-F238E27FC236}">
-                <a16:creationId xmlns:a16="http://schemas.microsoft.com/office/drawing/2014/main" id="{BFE7775A-1FAD-4E84-8B9E-DA4B39640B5E}"/>
-              </a:ext>
-            </a:extLst>
-          </p:cNvPr>
-          <p:cNvSpPr/>
-          <p:nvPr/>
-        </p:nvSpPr>
-        <p:spPr>
-          <a:xfrm rot="19800000">
-            <a:off x="9089102" y="5937184"/>
-            <a:ext cx="4026751" cy="269178"/>
-          </a:xfrm>
-          <a:prstGeom prst="rect">
-            <a:avLst/>
-          </a:prstGeom>
-          <a:solidFill>
-            <a:srgbClr val="A71B86"/>
-          </a:solidFill>
-          <a:ln>
-            <a:noFill/>
-          </a:ln>
-        </p:spPr>
-        <p:style>
-          <a:lnRef idx="2">
-            <a:schemeClr val="accent1">
-              <a:shade val="50000"/>
-            </a:schemeClr>
-          </a:lnRef>
-          <a:fillRef idx="1">
-            <a:schemeClr val="accent1"/>
-          </a:fillRef>
-          <a:effectRef idx="0">
-            <a:schemeClr val="accent1"/>
-          </a:effectRef>
-          <a:fontRef idx="minor">
-            <a:schemeClr val="lt1"/>
-          </a:fontRef>
-        </p:style>
-        <p:txBody>
-          <a:bodyPr rtlCol="0" anchor="ctr"/>
-          <a:lstStyle/>
-          <a:p>
-            <a:pPr algn="ctr"/>
-            <a:endParaRPr lang="en-US"/>
-          </a:p>
-        </p:txBody>
-      </p:sp>
-      <p:sp>
-        <p:nvSpPr>
-          <p:cNvPr id="2" name="Title 1">
-            <a:extLst>
-              <a:ext uri="{FF2B5EF4-FFF2-40B4-BE49-F238E27FC236}">
-                <a16:creationId xmlns:a16="http://schemas.microsoft.com/office/drawing/2014/main" id="{95D79E09-6E77-4F87-B358-F18D99FA343D}"/>
-              </a:ext>
-            </a:extLst>
-          </p:cNvPr>
-          <p:cNvSpPr>
-            <a:spLocks noGrp="1"/>
-          </p:cNvSpPr>
-          <p:nvPr>
-            <p:ph type="title"/>
-          </p:nvPr>
-        </p:nvSpPr>
-        <p:spPr>
-          <a:xfrm>
-            <a:off x="773934" y="425128"/>
-            <a:ext cx="9018070" cy="1325563"/>
-          </a:xfrm>
-          <a:noFill/>
-          <a:ln w="76200">
-            <a:solidFill>
-              <a:srgbClr val="11B29F"/>
-            </a:solidFill>
-          </a:ln>
-        </p:spPr>
-        <p:txBody>
-          <a:bodyPr/>
-          <a:lstStyle/>
-          <a:p>
-            <a:pPr algn="ctr"/>
-            <a:r>
-              <a:rPr lang="en-US" dirty="0">
-                <a:solidFill>
-                  <a:srgbClr val="404040"/>
-                </a:solidFill>
-                <a:latin typeface="Bodoni MT" panose="02070603080606020203" pitchFamily="18" charset="0"/>
-              </a:rPr>
               <a:t>Overview of Network Models</a:t>
             </a:r>
           </a:p>
@@ -51482,6 +49436,1137 @@
     <p:extLst>
       <p:ext uri="{BB962C8B-B14F-4D97-AF65-F5344CB8AC3E}">
         <p14:creationId xmlns:p14="http://schemas.microsoft.com/office/powerpoint/2010/main" val="3063613689"/>
+      </p:ext>
+    </p:extLst>
+  </p:cSld>
+  <p:clrMapOvr>
+    <a:masterClrMapping/>
+  </p:clrMapOvr>
+</p:sld>
+</file>
+
+<file path=ppt/slides/slide9.xml><?xml version="1.0" encoding="utf-8"?>
+<p:sld xmlns:a="http://schemas.openxmlformats.org/drawingml/2006/main" xmlns:r="http://schemas.openxmlformats.org/officeDocument/2006/relationships" xmlns:p="http://schemas.openxmlformats.org/presentationml/2006/main">
+  <p:cSld>
+    <p:spTree>
+      <p:nvGrpSpPr>
+        <p:cNvPr id="1" name=""/>
+        <p:cNvGrpSpPr/>
+        <p:nvPr/>
+      </p:nvGrpSpPr>
+      <p:grpSpPr>
+        <a:xfrm>
+          <a:off x="0" y="0"/>
+          <a:ext cx="0" cy="0"/>
+          <a:chOff x="0" y="0"/>
+          <a:chExt cx="0" cy="0"/>
+        </a:xfrm>
+      </p:grpSpPr>
+      <p:sp>
+        <p:nvSpPr>
+          <p:cNvPr id="28" name="Rectangle 27">
+            <a:extLst>
+              <a:ext uri="{FF2B5EF4-FFF2-40B4-BE49-F238E27FC236}">
+                <a16:creationId xmlns:a16="http://schemas.microsoft.com/office/drawing/2014/main" id="{1568D3DA-67F7-464C-95FF-D7D56F4038D6}"/>
+              </a:ext>
+            </a:extLst>
+          </p:cNvPr>
+          <p:cNvSpPr/>
+          <p:nvPr/>
+        </p:nvSpPr>
+        <p:spPr>
+          <a:xfrm rot="19800000">
+            <a:off x="-597297" y="674901"/>
+            <a:ext cx="4026751" cy="269178"/>
+          </a:xfrm>
+          <a:prstGeom prst="rect">
+            <a:avLst/>
+          </a:prstGeom>
+          <a:solidFill>
+            <a:srgbClr val="A71B86"/>
+          </a:solidFill>
+          <a:ln>
+            <a:noFill/>
+          </a:ln>
+        </p:spPr>
+        <p:style>
+          <a:lnRef idx="2">
+            <a:schemeClr val="accent1">
+              <a:shade val="50000"/>
+            </a:schemeClr>
+          </a:lnRef>
+          <a:fillRef idx="1">
+            <a:schemeClr val="accent1"/>
+          </a:fillRef>
+          <a:effectRef idx="0">
+            <a:schemeClr val="accent1"/>
+          </a:effectRef>
+          <a:fontRef idx="minor">
+            <a:schemeClr val="lt1"/>
+          </a:fontRef>
+        </p:style>
+        <p:txBody>
+          <a:bodyPr rtlCol="0" anchor="ctr"/>
+          <a:lstStyle/>
+          <a:p>
+            <a:pPr algn="ctr"/>
+            <a:endParaRPr lang="en-US"/>
+          </a:p>
+        </p:txBody>
+      </p:sp>
+      <p:pic>
+        <p:nvPicPr>
+          <p:cNvPr id="11" name="Picture 10" descr="A large body of water&#10;&#10;Description automatically generated">
+            <a:extLst>
+              <a:ext uri="{FF2B5EF4-FFF2-40B4-BE49-F238E27FC236}">
+                <a16:creationId xmlns:a16="http://schemas.microsoft.com/office/drawing/2014/main" id="{B83B0471-BE25-41B4-B185-53BEB6528B89}"/>
+              </a:ext>
+            </a:extLst>
+          </p:cNvPr>
+          <p:cNvPicPr>
+            <a:picLocks noChangeAspect="1"/>
+          </p:cNvPicPr>
+          <p:nvPr/>
+        </p:nvPicPr>
+        <p:blipFill rotWithShape="1">
+          <a:blip r:embed="rId2">
+            <a:alphaModFix amt="20000"/>
+            <a:extLst>
+              <a:ext uri="{28A0092B-C50C-407E-A947-70E740481C1C}">
+                <a14:useLocalDpi xmlns:a14="http://schemas.microsoft.com/office/drawing/2010/main" val="0"/>
+              </a:ext>
+            </a:extLst>
+          </a:blip>
+          <a:srcRect t="34654" b="43573"/>
+          <a:stretch/>
+        </p:blipFill>
+        <p:spPr>
+          <a:xfrm>
+            <a:off x="773935" y="442465"/>
+            <a:ext cx="9018070" cy="1308226"/>
+          </a:xfrm>
+          <a:prstGeom prst="rect">
+            <a:avLst/>
+          </a:prstGeom>
+        </p:spPr>
+      </p:pic>
+      <p:sp>
+        <p:nvSpPr>
+          <p:cNvPr id="34" name="Rectangle 33">
+            <a:extLst>
+              <a:ext uri="{FF2B5EF4-FFF2-40B4-BE49-F238E27FC236}">
+                <a16:creationId xmlns:a16="http://schemas.microsoft.com/office/drawing/2014/main" id="{BFE7775A-1FAD-4E84-8B9E-DA4B39640B5E}"/>
+              </a:ext>
+            </a:extLst>
+          </p:cNvPr>
+          <p:cNvSpPr/>
+          <p:nvPr/>
+        </p:nvSpPr>
+        <p:spPr>
+          <a:xfrm rot="19800000">
+            <a:off x="9089102" y="5937184"/>
+            <a:ext cx="4026751" cy="269178"/>
+          </a:xfrm>
+          <a:prstGeom prst="rect">
+            <a:avLst/>
+          </a:prstGeom>
+          <a:solidFill>
+            <a:srgbClr val="A71B86"/>
+          </a:solidFill>
+          <a:ln>
+            <a:noFill/>
+          </a:ln>
+        </p:spPr>
+        <p:style>
+          <a:lnRef idx="2">
+            <a:schemeClr val="accent1">
+              <a:shade val="50000"/>
+            </a:schemeClr>
+          </a:lnRef>
+          <a:fillRef idx="1">
+            <a:schemeClr val="accent1"/>
+          </a:fillRef>
+          <a:effectRef idx="0">
+            <a:schemeClr val="accent1"/>
+          </a:effectRef>
+          <a:fontRef idx="minor">
+            <a:schemeClr val="lt1"/>
+          </a:fontRef>
+        </p:style>
+        <p:txBody>
+          <a:bodyPr rtlCol="0" anchor="ctr"/>
+          <a:lstStyle/>
+          <a:p>
+            <a:pPr algn="ctr"/>
+            <a:endParaRPr lang="en-US"/>
+          </a:p>
+        </p:txBody>
+      </p:sp>
+      <p:sp>
+        <p:nvSpPr>
+          <p:cNvPr id="2" name="Title 1">
+            <a:extLst>
+              <a:ext uri="{FF2B5EF4-FFF2-40B4-BE49-F238E27FC236}">
+                <a16:creationId xmlns:a16="http://schemas.microsoft.com/office/drawing/2014/main" id="{95D79E09-6E77-4F87-B358-F18D99FA343D}"/>
+              </a:ext>
+            </a:extLst>
+          </p:cNvPr>
+          <p:cNvSpPr>
+            <a:spLocks noGrp="1"/>
+          </p:cNvSpPr>
+          <p:nvPr>
+            <p:ph type="title"/>
+          </p:nvPr>
+        </p:nvSpPr>
+        <p:spPr>
+          <a:xfrm>
+            <a:off x="773934" y="425128"/>
+            <a:ext cx="9018070" cy="1325563"/>
+          </a:xfrm>
+          <a:noFill/>
+          <a:ln w="76200">
+            <a:solidFill>
+              <a:srgbClr val="11B29F"/>
+            </a:solidFill>
+          </a:ln>
+        </p:spPr>
+        <p:txBody>
+          <a:bodyPr/>
+          <a:lstStyle/>
+          <a:p>
+            <a:pPr algn="ctr"/>
+            <a:r>
+              <a:rPr lang="en-US" dirty="0">
+                <a:solidFill>
+                  <a:srgbClr val="404040"/>
+                </a:solidFill>
+                <a:latin typeface="Bodoni MT" panose="02070603080606020203" pitchFamily="18" charset="0"/>
+              </a:rPr>
+              <a:t>General Problem</a:t>
+            </a:r>
+          </a:p>
+        </p:txBody>
+      </p:sp>
+      <p:pic>
+        <p:nvPicPr>
+          <p:cNvPr id="5" name="Content Placeholder 4" descr="A picture containing cage&#10;&#10;Description automatically generated">
+            <a:extLst>
+              <a:ext uri="{FF2B5EF4-FFF2-40B4-BE49-F238E27FC236}">
+                <a16:creationId xmlns:a16="http://schemas.microsoft.com/office/drawing/2014/main" id="{EF817497-4F98-4236-83EE-74FD8376B077}"/>
+              </a:ext>
+            </a:extLst>
+          </p:cNvPr>
+          <p:cNvPicPr>
+            <a:picLocks noGrp="1" noChangeAspect="1"/>
+          </p:cNvPicPr>
+          <p:nvPr>
+            <p:ph idx="1"/>
+          </p:nvPr>
+        </p:nvPicPr>
+        <p:blipFill>
+          <a:blip r:embed="rId3">
+            <a:extLst>
+              <a:ext uri="{28A0092B-C50C-407E-A947-70E740481C1C}">
+                <a14:useLocalDpi xmlns:a14="http://schemas.microsoft.com/office/drawing/2010/main" val="0"/>
+              </a:ext>
+            </a:extLst>
+          </a:blip>
+          <a:stretch>
+            <a:fillRect/>
+          </a:stretch>
+        </p:blipFill>
+        <p:spPr>
+          <a:xfrm>
+            <a:off x="9887140" y="47697"/>
+            <a:ext cx="2143125" cy="2143125"/>
+          </a:xfrm>
+        </p:spPr>
+      </p:pic>
+      <p:sp>
+        <p:nvSpPr>
+          <p:cNvPr id="17" name="Rectangle 16">
+            <a:extLst>
+              <a:ext uri="{FF2B5EF4-FFF2-40B4-BE49-F238E27FC236}">
+                <a16:creationId xmlns:a16="http://schemas.microsoft.com/office/drawing/2014/main" id="{C723ED3C-F5E6-4121-9EF2-DD9574E1A49F}"/>
+              </a:ext>
+            </a:extLst>
+          </p:cNvPr>
+          <p:cNvSpPr/>
+          <p:nvPr/>
+        </p:nvSpPr>
+        <p:spPr>
+          <a:xfrm>
+            <a:off x="10085294" y="2008116"/>
+            <a:ext cx="1776920" cy="76178"/>
+          </a:xfrm>
+          <a:prstGeom prst="rect">
+            <a:avLst/>
+          </a:prstGeom>
+          <a:solidFill>
+            <a:srgbClr val="11B29F"/>
+          </a:solidFill>
+          <a:ln>
+            <a:noFill/>
+          </a:ln>
+        </p:spPr>
+        <p:style>
+          <a:lnRef idx="2">
+            <a:schemeClr val="accent1">
+              <a:shade val="50000"/>
+            </a:schemeClr>
+          </a:lnRef>
+          <a:fillRef idx="1">
+            <a:schemeClr val="accent1"/>
+          </a:fillRef>
+          <a:effectRef idx="0">
+            <a:schemeClr val="accent1"/>
+          </a:effectRef>
+          <a:fontRef idx="minor">
+            <a:schemeClr val="lt1"/>
+          </a:fontRef>
+        </p:style>
+        <p:txBody>
+          <a:bodyPr rtlCol="0" anchor="ctr"/>
+          <a:lstStyle/>
+          <a:p>
+            <a:pPr algn="ctr"/>
+            <a:endParaRPr lang="en-US"/>
+          </a:p>
+        </p:txBody>
+      </p:sp>
+      <p:sp>
+        <p:nvSpPr>
+          <p:cNvPr id="21" name="Rectangle 20">
+            <a:extLst>
+              <a:ext uri="{FF2B5EF4-FFF2-40B4-BE49-F238E27FC236}">
+                <a16:creationId xmlns:a16="http://schemas.microsoft.com/office/drawing/2014/main" id="{F9E0EC60-66D4-4536-A867-30142339BAA7}"/>
+              </a:ext>
+            </a:extLst>
+          </p:cNvPr>
+          <p:cNvSpPr/>
+          <p:nvPr/>
+        </p:nvSpPr>
+        <p:spPr>
+          <a:xfrm>
+            <a:off x="10085294" y="2129819"/>
+            <a:ext cx="1776920" cy="76178"/>
+          </a:xfrm>
+          <a:prstGeom prst="rect">
+            <a:avLst/>
+          </a:prstGeom>
+          <a:solidFill>
+            <a:srgbClr val="A71B86"/>
+          </a:solidFill>
+          <a:ln>
+            <a:noFill/>
+          </a:ln>
+        </p:spPr>
+        <p:style>
+          <a:lnRef idx="2">
+            <a:schemeClr val="accent1">
+              <a:shade val="50000"/>
+            </a:schemeClr>
+          </a:lnRef>
+          <a:fillRef idx="1">
+            <a:schemeClr val="accent1"/>
+          </a:fillRef>
+          <a:effectRef idx="0">
+            <a:schemeClr val="accent1"/>
+          </a:effectRef>
+          <a:fontRef idx="minor">
+            <a:schemeClr val="lt1"/>
+          </a:fontRef>
+        </p:style>
+        <p:txBody>
+          <a:bodyPr rtlCol="0" anchor="ctr"/>
+          <a:lstStyle/>
+          <a:p>
+            <a:pPr algn="ctr"/>
+            <a:endParaRPr lang="en-US"/>
+          </a:p>
+        </p:txBody>
+      </p:sp>
+      <p:sp>
+        <p:nvSpPr>
+          <p:cNvPr id="22" name="Rectangle 21">
+            <a:extLst>
+              <a:ext uri="{FF2B5EF4-FFF2-40B4-BE49-F238E27FC236}">
+                <a16:creationId xmlns:a16="http://schemas.microsoft.com/office/drawing/2014/main" id="{F95AED49-24A8-4D10-9D31-F944565EC1B2}"/>
+              </a:ext>
+            </a:extLst>
+          </p:cNvPr>
+          <p:cNvSpPr/>
+          <p:nvPr/>
+        </p:nvSpPr>
+        <p:spPr>
+          <a:xfrm>
+            <a:off x="10085294" y="2251522"/>
+            <a:ext cx="1776920" cy="150200"/>
+          </a:xfrm>
+          <a:prstGeom prst="rect">
+            <a:avLst/>
+          </a:prstGeom>
+          <a:solidFill>
+            <a:srgbClr val="11B29F"/>
+          </a:solidFill>
+          <a:ln>
+            <a:noFill/>
+          </a:ln>
+        </p:spPr>
+        <p:style>
+          <a:lnRef idx="2">
+            <a:schemeClr val="accent1">
+              <a:shade val="50000"/>
+            </a:schemeClr>
+          </a:lnRef>
+          <a:fillRef idx="1">
+            <a:schemeClr val="accent1"/>
+          </a:fillRef>
+          <a:effectRef idx="0">
+            <a:schemeClr val="accent1"/>
+          </a:effectRef>
+          <a:fontRef idx="minor">
+            <a:schemeClr val="lt1"/>
+          </a:fontRef>
+        </p:style>
+        <p:txBody>
+          <a:bodyPr rtlCol="0" anchor="ctr"/>
+          <a:lstStyle/>
+          <a:p>
+            <a:pPr algn="ctr"/>
+            <a:endParaRPr lang="en-US"/>
+          </a:p>
+        </p:txBody>
+      </p:sp>
+      <p:sp>
+        <p:nvSpPr>
+          <p:cNvPr id="24" name="Rectangle 23">
+            <a:extLst>
+              <a:ext uri="{FF2B5EF4-FFF2-40B4-BE49-F238E27FC236}">
+                <a16:creationId xmlns:a16="http://schemas.microsoft.com/office/drawing/2014/main" id="{993D5826-407C-4F65-BE3A-EB593B942A36}"/>
+              </a:ext>
+            </a:extLst>
+          </p:cNvPr>
+          <p:cNvSpPr/>
+          <p:nvPr/>
+        </p:nvSpPr>
+        <p:spPr>
+          <a:xfrm>
+            <a:off x="10085294" y="2447247"/>
+            <a:ext cx="1776920" cy="150200"/>
+          </a:xfrm>
+          <a:prstGeom prst="rect">
+            <a:avLst/>
+          </a:prstGeom>
+          <a:solidFill>
+            <a:srgbClr val="A71B86"/>
+          </a:solidFill>
+          <a:ln>
+            <a:noFill/>
+          </a:ln>
+        </p:spPr>
+        <p:style>
+          <a:lnRef idx="2">
+            <a:schemeClr val="accent1">
+              <a:shade val="50000"/>
+            </a:schemeClr>
+          </a:lnRef>
+          <a:fillRef idx="1">
+            <a:schemeClr val="accent1"/>
+          </a:fillRef>
+          <a:effectRef idx="0">
+            <a:schemeClr val="accent1"/>
+          </a:effectRef>
+          <a:fontRef idx="minor">
+            <a:schemeClr val="lt1"/>
+          </a:fontRef>
+        </p:style>
+        <p:txBody>
+          <a:bodyPr rtlCol="0" anchor="ctr"/>
+          <a:lstStyle/>
+          <a:p>
+            <a:pPr algn="ctr"/>
+            <a:endParaRPr lang="en-US"/>
+          </a:p>
+        </p:txBody>
+      </p:sp>
+      <p:sp>
+        <p:nvSpPr>
+          <p:cNvPr id="25" name="Rectangle 24">
+            <a:extLst>
+              <a:ext uri="{FF2B5EF4-FFF2-40B4-BE49-F238E27FC236}">
+                <a16:creationId xmlns:a16="http://schemas.microsoft.com/office/drawing/2014/main" id="{D2785A94-4D0B-4559-9303-3C963AA0EF9A}"/>
+              </a:ext>
+            </a:extLst>
+          </p:cNvPr>
+          <p:cNvSpPr/>
+          <p:nvPr/>
+        </p:nvSpPr>
+        <p:spPr>
+          <a:xfrm>
+            <a:off x="10085294" y="2642972"/>
+            <a:ext cx="1776920" cy="362446"/>
+          </a:xfrm>
+          <a:prstGeom prst="rect">
+            <a:avLst/>
+          </a:prstGeom>
+          <a:solidFill>
+            <a:srgbClr val="11B29F"/>
+          </a:solidFill>
+          <a:ln>
+            <a:noFill/>
+          </a:ln>
+        </p:spPr>
+        <p:style>
+          <a:lnRef idx="2">
+            <a:schemeClr val="accent1">
+              <a:shade val="50000"/>
+            </a:schemeClr>
+          </a:lnRef>
+          <a:fillRef idx="1">
+            <a:schemeClr val="accent1"/>
+          </a:fillRef>
+          <a:effectRef idx="0">
+            <a:schemeClr val="accent1"/>
+          </a:effectRef>
+          <a:fontRef idx="minor">
+            <a:schemeClr val="lt1"/>
+          </a:fontRef>
+        </p:style>
+        <p:txBody>
+          <a:bodyPr rtlCol="0" anchor="ctr"/>
+          <a:lstStyle/>
+          <a:p>
+            <a:pPr algn="ctr"/>
+            <a:endParaRPr lang="en-US"/>
+          </a:p>
+        </p:txBody>
+      </p:sp>
+      <p:sp>
+        <p:nvSpPr>
+          <p:cNvPr id="26" name="Rectangle 25">
+            <a:extLst>
+              <a:ext uri="{FF2B5EF4-FFF2-40B4-BE49-F238E27FC236}">
+                <a16:creationId xmlns:a16="http://schemas.microsoft.com/office/drawing/2014/main" id="{B235F2E9-4558-433D-9527-7EFF5C5E78A8}"/>
+              </a:ext>
+            </a:extLst>
+          </p:cNvPr>
+          <p:cNvSpPr/>
+          <p:nvPr/>
+        </p:nvSpPr>
+        <p:spPr>
+          <a:xfrm>
+            <a:off x="10085294" y="3050943"/>
+            <a:ext cx="1776920" cy="362446"/>
+          </a:xfrm>
+          <a:prstGeom prst="rect">
+            <a:avLst/>
+          </a:prstGeom>
+          <a:solidFill>
+            <a:srgbClr val="A71B86"/>
+          </a:solidFill>
+          <a:ln>
+            <a:noFill/>
+          </a:ln>
+        </p:spPr>
+        <p:style>
+          <a:lnRef idx="2">
+            <a:schemeClr val="accent1">
+              <a:shade val="50000"/>
+            </a:schemeClr>
+          </a:lnRef>
+          <a:fillRef idx="1">
+            <a:schemeClr val="accent1"/>
+          </a:fillRef>
+          <a:effectRef idx="0">
+            <a:schemeClr val="accent1"/>
+          </a:effectRef>
+          <a:fontRef idx="minor">
+            <a:schemeClr val="lt1"/>
+          </a:fontRef>
+        </p:style>
+        <p:txBody>
+          <a:bodyPr rtlCol="0" anchor="ctr"/>
+          <a:lstStyle/>
+          <a:p>
+            <a:pPr algn="ctr"/>
+            <a:endParaRPr lang="en-US"/>
+          </a:p>
+        </p:txBody>
+      </p:sp>
+      <p:sp>
+        <p:nvSpPr>
+          <p:cNvPr id="27" name="Rectangle 26">
+            <a:extLst>
+              <a:ext uri="{FF2B5EF4-FFF2-40B4-BE49-F238E27FC236}">
+                <a16:creationId xmlns:a16="http://schemas.microsoft.com/office/drawing/2014/main" id="{99613B87-411B-4008-BF30-F1A3B8F247B5}"/>
+              </a:ext>
+            </a:extLst>
+          </p:cNvPr>
+          <p:cNvSpPr/>
+          <p:nvPr/>
+        </p:nvSpPr>
+        <p:spPr>
+          <a:xfrm>
+            <a:off x="10085294" y="3490136"/>
+            <a:ext cx="1776920" cy="3367864"/>
+          </a:xfrm>
+          <a:prstGeom prst="rect">
+            <a:avLst/>
+          </a:prstGeom>
+          <a:solidFill>
+            <a:srgbClr val="11B29F"/>
+          </a:solidFill>
+          <a:ln>
+            <a:noFill/>
+          </a:ln>
+        </p:spPr>
+        <p:style>
+          <a:lnRef idx="2">
+            <a:schemeClr val="accent1">
+              <a:shade val="50000"/>
+            </a:schemeClr>
+          </a:lnRef>
+          <a:fillRef idx="1">
+            <a:schemeClr val="accent1"/>
+          </a:fillRef>
+          <a:effectRef idx="0">
+            <a:schemeClr val="accent1"/>
+          </a:effectRef>
+          <a:fontRef idx="minor">
+            <a:schemeClr val="lt1"/>
+          </a:fontRef>
+        </p:style>
+        <p:txBody>
+          <a:bodyPr rtlCol="0" anchor="ctr"/>
+          <a:lstStyle/>
+          <a:p>
+            <a:pPr algn="ctr"/>
+            <a:endParaRPr lang="en-US"/>
+          </a:p>
+        </p:txBody>
+      </p:sp>
+      <p:sp>
+        <p:nvSpPr>
+          <p:cNvPr id="32" name="Rectangle 31">
+            <a:extLst>
+              <a:ext uri="{FF2B5EF4-FFF2-40B4-BE49-F238E27FC236}">
+                <a16:creationId xmlns:a16="http://schemas.microsoft.com/office/drawing/2014/main" id="{145B3BD2-B1C1-4ED2-A4E0-5E17DD3736F1}"/>
+              </a:ext>
+            </a:extLst>
+          </p:cNvPr>
+          <p:cNvSpPr/>
+          <p:nvPr/>
+        </p:nvSpPr>
+        <p:spPr>
+          <a:xfrm rot="19800000">
+            <a:off x="-765351" y="385789"/>
+            <a:ext cx="4026751" cy="269178"/>
+          </a:xfrm>
+          <a:prstGeom prst="rect">
+            <a:avLst/>
+          </a:prstGeom>
+          <a:solidFill>
+            <a:srgbClr val="A71B86"/>
+          </a:solidFill>
+          <a:ln>
+            <a:noFill/>
+          </a:ln>
+        </p:spPr>
+        <p:style>
+          <a:lnRef idx="2">
+            <a:schemeClr val="accent1">
+              <a:shade val="50000"/>
+            </a:schemeClr>
+          </a:lnRef>
+          <a:fillRef idx="1">
+            <a:schemeClr val="accent1"/>
+          </a:fillRef>
+          <a:effectRef idx="0">
+            <a:schemeClr val="accent1"/>
+          </a:effectRef>
+          <a:fontRef idx="minor">
+            <a:schemeClr val="lt1"/>
+          </a:fontRef>
+        </p:style>
+        <p:txBody>
+          <a:bodyPr rtlCol="0" anchor="ctr"/>
+          <a:lstStyle/>
+          <a:p>
+            <a:pPr algn="ctr"/>
+            <a:endParaRPr lang="en-US"/>
+          </a:p>
+        </p:txBody>
+      </p:sp>
+      <p:sp>
+        <p:nvSpPr>
+          <p:cNvPr id="33" name="Rectangle 32">
+            <a:extLst>
+              <a:ext uri="{FF2B5EF4-FFF2-40B4-BE49-F238E27FC236}">
+                <a16:creationId xmlns:a16="http://schemas.microsoft.com/office/drawing/2014/main" id="{DC3B2826-65DD-408B-8F18-8CCD6C052D8D}"/>
+              </a:ext>
+            </a:extLst>
+          </p:cNvPr>
+          <p:cNvSpPr/>
+          <p:nvPr/>
+        </p:nvSpPr>
+        <p:spPr>
+          <a:xfrm rot="19800000">
+            <a:off x="9257156" y="6226296"/>
+            <a:ext cx="4026751" cy="269178"/>
+          </a:xfrm>
+          <a:prstGeom prst="rect">
+            <a:avLst/>
+          </a:prstGeom>
+          <a:solidFill>
+            <a:srgbClr val="A71B86"/>
+          </a:solidFill>
+          <a:ln>
+            <a:noFill/>
+          </a:ln>
+        </p:spPr>
+        <p:style>
+          <a:lnRef idx="2">
+            <a:schemeClr val="accent1">
+              <a:shade val="50000"/>
+            </a:schemeClr>
+          </a:lnRef>
+          <a:fillRef idx="1">
+            <a:schemeClr val="accent1"/>
+          </a:fillRef>
+          <a:effectRef idx="0">
+            <a:schemeClr val="accent1"/>
+          </a:effectRef>
+          <a:fontRef idx="minor">
+            <a:schemeClr val="lt1"/>
+          </a:fontRef>
+        </p:style>
+        <p:txBody>
+          <a:bodyPr rtlCol="0" anchor="ctr"/>
+          <a:lstStyle/>
+          <a:p>
+            <a:pPr algn="ctr"/>
+            <a:endParaRPr lang="en-US"/>
+          </a:p>
+        </p:txBody>
+      </p:sp>
+      <p:sp>
+        <p:nvSpPr>
+          <p:cNvPr id="35" name="Rectangle 34">
+            <a:extLst>
+              <a:ext uri="{FF2B5EF4-FFF2-40B4-BE49-F238E27FC236}">
+                <a16:creationId xmlns:a16="http://schemas.microsoft.com/office/drawing/2014/main" id="{4935F901-F632-4698-8C7A-AC29B2397A6C}"/>
+              </a:ext>
+            </a:extLst>
+          </p:cNvPr>
+          <p:cNvSpPr/>
+          <p:nvPr/>
+        </p:nvSpPr>
+        <p:spPr>
+          <a:xfrm rot="19800000">
+            <a:off x="8263809" y="5824178"/>
+            <a:ext cx="4731177" cy="269178"/>
+          </a:xfrm>
+          <a:prstGeom prst="rect">
+            <a:avLst/>
+          </a:prstGeom>
+          <a:solidFill>
+            <a:srgbClr val="A71B86"/>
+          </a:solidFill>
+          <a:ln>
+            <a:noFill/>
+          </a:ln>
+        </p:spPr>
+        <p:style>
+          <a:lnRef idx="2">
+            <a:schemeClr val="accent1">
+              <a:shade val="50000"/>
+            </a:schemeClr>
+          </a:lnRef>
+          <a:fillRef idx="1">
+            <a:schemeClr val="accent1"/>
+          </a:fillRef>
+          <a:effectRef idx="0">
+            <a:schemeClr val="accent1"/>
+          </a:effectRef>
+          <a:fontRef idx="minor">
+            <a:schemeClr val="lt1"/>
+          </a:fontRef>
+        </p:style>
+        <p:txBody>
+          <a:bodyPr rtlCol="0" anchor="ctr"/>
+          <a:lstStyle/>
+          <a:p>
+            <a:pPr algn="ctr"/>
+            <a:endParaRPr lang="en-US"/>
+          </a:p>
+        </p:txBody>
+      </p:sp>
+      <p:sp>
+        <p:nvSpPr>
+          <p:cNvPr id="36" name="TextBox 35">
+            <a:extLst>
+              <a:ext uri="{FF2B5EF4-FFF2-40B4-BE49-F238E27FC236}">
+                <a16:creationId xmlns:a16="http://schemas.microsoft.com/office/drawing/2014/main" id="{389720C5-6DCB-428D-8C4F-A02DEC239333}"/>
+              </a:ext>
+            </a:extLst>
+          </p:cNvPr>
+          <p:cNvSpPr txBox="1"/>
+          <p:nvPr/>
+        </p:nvSpPr>
+        <p:spPr>
+          <a:xfrm>
+            <a:off x="773935" y="1947592"/>
+            <a:ext cx="9143304" cy="4401205"/>
+          </a:xfrm>
+          <a:prstGeom prst="rect">
+            <a:avLst/>
+          </a:prstGeom>
+          <a:noFill/>
+        </p:spPr>
+        <p:txBody>
+          <a:bodyPr wrap="square" rtlCol="0">
+            <a:spAutoFit/>
+          </a:bodyPr>
+          <a:lstStyle/>
+          <a:p>
+            <a:pPr marL="342900" indent="-342900">
+              <a:buFont typeface="Arial" panose="020B0604020202020204" pitchFamily="34" charset="0"/>
+              <a:buChar char="•"/>
+            </a:pPr>
+            <a:r>
+              <a:rPr lang="en-US" sz="2000" dirty="0">
+                <a:solidFill>
+                  <a:srgbClr val="404040"/>
+                </a:solidFill>
+                <a:latin typeface="Corbel" panose="020B0503020204020204" pitchFamily="34" charset="0"/>
+              </a:rPr>
+              <a:t>Network of 7 nodes with undirected edges</a:t>
+            </a:r>
+          </a:p>
+          <a:p>
+            <a:pPr marL="342900" indent="-342900">
+              <a:buFont typeface="Arial" panose="020B0604020202020204" pitchFamily="34" charset="0"/>
+              <a:buChar char="•"/>
+            </a:pPr>
+            <a:endParaRPr lang="en-US" sz="2000" dirty="0">
+              <a:solidFill>
+                <a:srgbClr val="404040"/>
+              </a:solidFill>
+              <a:latin typeface="Corbel" panose="020B0503020204020204" pitchFamily="34" charset="0"/>
+            </a:endParaRPr>
+          </a:p>
+          <a:p>
+            <a:pPr marL="342900" indent="-342900">
+              <a:buFont typeface="Arial" panose="020B0604020202020204" pitchFamily="34" charset="0"/>
+              <a:buChar char="•"/>
+            </a:pPr>
+            <a:endParaRPr lang="en-US" sz="2000" dirty="0">
+              <a:solidFill>
+                <a:srgbClr val="404040"/>
+              </a:solidFill>
+              <a:latin typeface="Corbel" panose="020B0503020204020204" pitchFamily="34" charset="0"/>
+            </a:endParaRPr>
+          </a:p>
+          <a:p>
+            <a:pPr marL="342900" indent="-342900">
+              <a:buFont typeface="Arial" panose="020B0604020202020204" pitchFamily="34" charset="0"/>
+              <a:buChar char="•"/>
+            </a:pPr>
+            <a:endParaRPr lang="en-US" sz="2000" dirty="0">
+              <a:solidFill>
+                <a:srgbClr val="404040"/>
+              </a:solidFill>
+              <a:latin typeface="Corbel" panose="020B0503020204020204" pitchFamily="34" charset="0"/>
+            </a:endParaRPr>
+          </a:p>
+          <a:p>
+            <a:pPr marL="342900" indent="-342900">
+              <a:buFont typeface="Arial" panose="020B0604020202020204" pitchFamily="34" charset="0"/>
+              <a:buChar char="•"/>
+            </a:pPr>
+            <a:endParaRPr lang="en-US" sz="2000" dirty="0">
+              <a:solidFill>
+                <a:srgbClr val="404040"/>
+              </a:solidFill>
+              <a:latin typeface="Corbel" panose="020B0503020204020204" pitchFamily="34" charset="0"/>
+            </a:endParaRPr>
+          </a:p>
+          <a:p>
+            <a:pPr marL="342900" indent="-342900">
+              <a:buFont typeface="Arial" panose="020B0604020202020204" pitchFamily="34" charset="0"/>
+              <a:buChar char="•"/>
+            </a:pPr>
+            <a:endParaRPr lang="en-US" sz="2000" dirty="0">
+              <a:solidFill>
+                <a:srgbClr val="404040"/>
+              </a:solidFill>
+              <a:latin typeface="Corbel" panose="020B0503020204020204" pitchFamily="34" charset="0"/>
+            </a:endParaRPr>
+          </a:p>
+          <a:p>
+            <a:pPr marL="342900" indent="-342900">
+              <a:buFont typeface="Arial" panose="020B0604020202020204" pitchFamily="34" charset="0"/>
+              <a:buChar char="•"/>
+            </a:pPr>
+            <a:endParaRPr lang="en-US" sz="2000" dirty="0">
+              <a:solidFill>
+                <a:srgbClr val="404040"/>
+              </a:solidFill>
+              <a:latin typeface="Corbel" panose="020B0503020204020204" pitchFamily="34" charset="0"/>
+            </a:endParaRPr>
+          </a:p>
+          <a:p>
+            <a:pPr marL="342900" indent="-342900">
+              <a:buFont typeface="Arial" panose="020B0604020202020204" pitchFamily="34" charset="0"/>
+              <a:buChar char="•"/>
+            </a:pPr>
+            <a:endParaRPr lang="en-US" sz="2000" dirty="0">
+              <a:solidFill>
+                <a:srgbClr val="404040"/>
+              </a:solidFill>
+              <a:latin typeface="Corbel" panose="020B0503020204020204" pitchFamily="34" charset="0"/>
+            </a:endParaRPr>
+          </a:p>
+          <a:p>
+            <a:pPr marL="342900" indent="-342900">
+              <a:buFont typeface="Arial" panose="020B0604020202020204" pitchFamily="34" charset="0"/>
+              <a:buChar char="•"/>
+            </a:pPr>
+            <a:endParaRPr lang="en-US" sz="2000" dirty="0">
+              <a:solidFill>
+                <a:srgbClr val="404040"/>
+              </a:solidFill>
+              <a:latin typeface="Corbel" panose="020B0503020204020204" pitchFamily="34" charset="0"/>
+            </a:endParaRPr>
+          </a:p>
+          <a:p>
+            <a:endParaRPr lang="en-US" sz="2000" dirty="0">
+              <a:solidFill>
+                <a:srgbClr val="404040"/>
+              </a:solidFill>
+              <a:latin typeface="Corbel" panose="020B0503020204020204" pitchFamily="34" charset="0"/>
+            </a:endParaRPr>
+          </a:p>
+          <a:p>
+            <a:pPr marL="342900" indent="-342900">
+              <a:buFont typeface="Arial" panose="020B0604020202020204" pitchFamily="34" charset="0"/>
+              <a:buChar char="•"/>
+            </a:pPr>
+            <a:endParaRPr lang="en-US" sz="2000" dirty="0">
+              <a:solidFill>
+                <a:srgbClr val="404040"/>
+              </a:solidFill>
+              <a:latin typeface="Corbel" panose="020B0503020204020204" pitchFamily="34" charset="0"/>
+            </a:endParaRPr>
+          </a:p>
+          <a:p>
+            <a:pPr marL="342900" indent="-342900">
+              <a:buFont typeface="Arial" panose="020B0604020202020204" pitchFamily="34" charset="0"/>
+              <a:buChar char="•"/>
+            </a:pPr>
+            <a:r>
+              <a:rPr lang="en-US" sz="2000" dirty="0">
+                <a:solidFill>
+                  <a:srgbClr val="404040"/>
+                </a:solidFill>
+                <a:latin typeface="Corbel" panose="020B0503020204020204" pitchFamily="34" charset="0"/>
+              </a:rPr>
+              <a:t>Q: What is the shortest route from node 1 to all other nodes?</a:t>
+            </a:r>
+          </a:p>
+          <a:p>
+            <a:pPr marL="342900" indent="-342900">
+              <a:buFont typeface="Arial" panose="020B0604020202020204" pitchFamily="34" charset="0"/>
+              <a:buChar char="•"/>
+            </a:pPr>
+            <a:endParaRPr lang="en-US" sz="2000" dirty="0">
+              <a:solidFill>
+                <a:srgbClr val="404040"/>
+              </a:solidFill>
+              <a:latin typeface="Corbel" panose="020B0503020204020204" pitchFamily="34" charset="0"/>
+            </a:endParaRPr>
+          </a:p>
+          <a:p>
+            <a:pPr marL="342900" indent="-342900">
+              <a:buFont typeface="Arial" panose="020B0604020202020204" pitchFamily="34" charset="0"/>
+              <a:buChar char="•"/>
+            </a:pPr>
+            <a:r>
+              <a:rPr lang="en-US" sz="2000" dirty="0">
+                <a:solidFill>
+                  <a:srgbClr val="404040"/>
+                </a:solidFill>
+                <a:latin typeface="Corbel" panose="020B0503020204020204" pitchFamily="34" charset="0"/>
+              </a:rPr>
+              <a:t>Q: What is the minimal spanning tree of the network?</a:t>
+            </a:r>
+          </a:p>
+        </p:txBody>
+      </p:sp>
+      <p:pic>
+        <p:nvPicPr>
+          <p:cNvPr id="37" name="Graphic 36" descr="Palm tree">
+            <a:extLst>
+              <a:ext uri="{FF2B5EF4-FFF2-40B4-BE49-F238E27FC236}">
+                <a16:creationId xmlns:a16="http://schemas.microsoft.com/office/drawing/2014/main" id="{79F2EC1B-9713-4CCF-8301-82ED265F3940}"/>
+              </a:ext>
+            </a:extLst>
+          </p:cNvPr>
+          <p:cNvPicPr>
+            <a:picLocks noChangeAspect="1"/>
+          </p:cNvPicPr>
+          <p:nvPr/>
+        </p:nvPicPr>
+        <p:blipFill>
+          <a:blip r:embed="rId4">
+            <a:extLst>
+              <a:ext uri="{28A0092B-C50C-407E-A947-70E740481C1C}">
+                <a14:useLocalDpi xmlns:a14="http://schemas.microsoft.com/office/drawing/2010/main" val="0"/>
+              </a:ext>
+              <a:ext uri="{96DAC541-7B7A-43D3-8B79-37D633B846F1}">
+                <asvg:svgBlip xmlns:asvg="http://schemas.microsoft.com/office/drawing/2016/SVG/main" r:embed="rId5"/>
+              </a:ext>
+            </a:extLst>
+          </a:blip>
+          <a:stretch>
+            <a:fillRect/>
+          </a:stretch>
+        </p:blipFill>
+        <p:spPr>
+          <a:xfrm>
+            <a:off x="8964994" y="809490"/>
+            <a:ext cx="914400" cy="914400"/>
+          </a:xfrm>
+          <a:prstGeom prst="rect">
+            <a:avLst/>
+          </a:prstGeom>
+        </p:spPr>
+      </p:pic>
+      <p:pic>
+        <p:nvPicPr>
+          <p:cNvPr id="38" name="Graphic 37" descr="Palm tree">
+            <a:extLst>
+              <a:ext uri="{FF2B5EF4-FFF2-40B4-BE49-F238E27FC236}">
+                <a16:creationId xmlns:a16="http://schemas.microsoft.com/office/drawing/2014/main" id="{11C9CA6F-B5F0-4837-8E50-85C201ADA4F1}"/>
+              </a:ext>
+            </a:extLst>
+          </p:cNvPr>
+          <p:cNvPicPr>
+            <a:picLocks noChangeAspect="1"/>
+          </p:cNvPicPr>
+          <p:nvPr/>
+        </p:nvPicPr>
+        <p:blipFill>
+          <a:blip r:embed="rId4">
+            <a:extLst>
+              <a:ext uri="{28A0092B-C50C-407E-A947-70E740481C1C}">
+                <a14:useLocalDpi xmlns:a14="http://schemas.microsoft.com/office/drawing/2010/main" val="0"/>
+              </a:ext>
+              <a:ext uri="{96DAC541-7B7A-43D3-8B79-37D633B846F1}">
+                <asvg:svgBlip xmlns:asvg="http://schemas.microsoft.com/office/drawing/2016/SVG/main" r:embed="rId5"/>
+              </a:ext>
+            </a:extLst>
+          </a:blip>
+          <a:stretch>
+            <a:fillRect/>
+          </a:stretch>
+        </p:blipFill>
+        <p:spPr>
+          <a:xfrm>
+            <a:off x="8834542" y="1142112"/>
+            <a:ext cx="553133" cy="553133"/>
+          </a:xfrm>
+          <a:prstGeom prst="rect">
+            <a:avLst/>
+          </a:prstGeom>
+        </p:spPr>
+      </p:pic>
+      <p:pic>
+        <p:nvPicPr>
+          <p:cNvPr id="39" name="Graphic 38" descr="Palm tree">
+            <a:extLst>
+              <a:ext uri="{FF2B5EF4-FFF2-40B4-BE49-F238E27FC236}">
+                <a16:creationId xmlns:a16="http://schemas.microsoft.com/office/drawing/2014/main" id="{585AC1AD-01C8-4E2D-8361-4BEA62A48584}"/>
+              </a:ext>
+            </a:extLst>
+          </p:cNvPr>
+          <p:cNvPicPr>
+            <a:picLocks noChangeAspect="1"/>
+          </p:cNvPicPr>
+          <p:nvPr/>
+        </p:nvPicPr>
+        <p:blipFill>
+          <a:blip r:embed="rId4">
+            <a:extLst>
+              <a:ext uri="{28A0092B-C50C-407E-A947-70E740481C1C}">
+                <a14:useLocalDpi xmlns:a14="http://schemas.microsoft.com/office/drawing/2010/main" val="0"/>
+              </a:ext>
+              <a:ext uri="{96DAC541-7B7A-43D3-8B79-37D633B846F1}">
+                <asvg:svgBlip xmlns:asvg="http://schemas.microsoft.com/office/drawing/2016/SVG/main" r:embed="rId5"/>
+              </a:ext>
+            </a:extLst>
+          </a:blip>
+          <a:stretch>
+            <a:fillRect/>
+          </a:stretch>
+        </p:blipFill>
+        <p:spPr>
+          <a:xfrm>
+            <a:off x="9387675" y="1277468"/>
+            <a:ext cx="404329" cy="404329"/>
+          </a:xfrm>
+          <a:prstGeom prst="rect">
+            <a:avLst/>
+          </a:prstGeom>
+        </p:spPr>
+      </p:pic>
+      <p:pic>
+        <p:nvPicPr>
+          <p:cNvPr id="3" name="Picture 2">
+            <a:extLst>
+              <a:ext uri="{FF2B5EF4-FFF2-40B4-BE49-F238E27FC236}">
+                <a16:creationId xmlns:a16="http://schemas.microsoft.com/office/drawing/2014/main" id="{290DE533-91E9-4CA1-995B-10194C788A50}"/>
+              </a:ext>
+            </a:extLst>
+          </p:cNvPr>
+          <p:cNvPicPr>
+            <a:picLocks noChangeAspect="1"/>
+          </p:cNvPicPr>
+          <p:nvPr/>
+        </p:nvPicPr>
+        <p:blipFill>
+          <a:blip r:embed="rId6"/>
+          <a:stretch>
+            <a:fillRect/>
+          </a:stretch>
+        </p:blipFill>
+        <p:spPr>
+          <a:xfrm>
+            <a:off x="3287380" y="2402680"/>
+            <a:ext cx="3991177" cy="2834959"/>
+          </a:xfrm>
+          <a:prstGeom prst="rect">
+            <a:avLst/>
+          </a:prstGeom>
+          <a:ln w="38100">
+            <a:solidFill>
+              <a:srgbClr val="11B29F"/>
+            </a:solidFill>
+          </a:ln>
+          <a:effectLst>
+            <a:outerShdw blurRad="292100" dist="139700" dir="2700000" algn="tl" rotWithShape="0">
+              <a:srgbClr val="333333">
+                <a:alpha val="65000"/>
+              </a:srgbClr>
+            </a:outerShdw>
+          </a:effectLst>
+        </p:spPr>
+      </p:pic>
+    </p:spTree>
+    <p:extLst>
+      <p:ext uri="{BB962C8B-B14F-4D97-AF65-F5344CB8AC3E}">
+        <p14:creationId xmlns:p14="http://schemas.microsoft.com/office/powerpoint/2010/main" val="2242283766"/>
       </p:ext>
     </p:extLst>
   </p:cSld>
